--- a/TCC/documentacao/ServitibaPP.pptx
+++ b/TCC/documentacao/ServitibaPP.pptx
@@ -7,13 +7,18 @@
   <p:sldIdLst>
     <p:sldId id="256" r:id="rId2"/>
     <p:sldId id="257" r:id="rId3"/>
-    <p:sldId id="267" r:id="rId4"/>
-    <p:sldId id="268" r:id="rId5"/>
-    <p:sldId id="266" r:id="rId6"/>
-    <p:sldId id="258" r:id="rId7"/>
-    <p:sldId id="263" r:id="rId8"/>
-    <p:sldId id="264" r:id="rId9"/>
-    <p:sldId id="265" r:id="rId10"/>
+    <p:sldId id="269" r:id="rId4"/>
+    <p:sldId id="270" r:id="rId5"/>
+    <p:sldId id="271" r:id="rId6"/>
+    <p:sldId id="272" r:id="rId7"/>
+    <p:sldId id="273" r:id="rId8"/>
+    <p:sldId id="274" r:id="rId9"/>
+    <p:sldId id="275" r:id="rId10"/>
+    <p:sldId id="279" r:id="rId11"/>
+    <p:sldId id="267" r:id="rId12"/>
+    <p:sldId id="277" r:id="rId13"/>
+    <p:sldId id="280" r:id="rId14"/>
+    <p:sldId id="278" r:id="rId15"/>
   </p:sldIdLst>
   <p:sldSz cx="12192000" cy="6858000"/>
   <p:notesSz cx="6858000" cy="9144000"/>
@@ -348,7 +353,7 @@
           <a:p>
             <a:fld id="{2A9E60B2-1E98-461F-ABAB-B833500A5E75}" type="datetimeFigureOut">
               <a:rPr lang="pt-BR" smtClean="0"/>
-              <a:t>03/12/2019</a:t>
+              <a:t>04/12/2019</a:t>
             </a:fld>
             <a:endParaRPr lang="pt-BR"/>
           </a:p>
@@ -556,7 +561,7 @@
           <a:p>
             <a:fld id="{2A9E60B2-1E98-461F-ABAB-B833500A5E75}" type="datetimeFigureOut">
               <a:rPr lang="pt-BR" smtClean="0"/>
-              <a:t>03/12/2019</a:t>
+              <a:t>04/12/2019</a:t>
             </a:fld>
             <a:endParaRPr lang="pt-BR"/>
           </a:p>
@@ -814,7 +819,7 @@
           <a:p>
             <a:fld id="{2A9E60B2-1E98-461F-ABAB-B833500A5E75}" type="datetimeFigureOut">
               <a:rPr lang="pt-BR" smtClean="0"/>
-              <a:t>03/12/2019</a:t>
+              <a:t>04/12/2019</a:t>
             </a:fld>
             <a:endParaRPr lang="pt-BR"/>
           </a:p>
@@ -984,7 +989,7 @@
           <a:p>
             <a:fld id="{2A9E60B2-1E98-461F-ABAB-B833500A5E75}" type="datetimeFigureOut">
               <a:rPr lang="pt-BR" smtClean="0"/>
-              <a:t>03/12/2019</a:t>
+              <a:t>04/12/2019</a:t>
             </a:fld>
             <a:endParaRPr lang="pt-BR"/>
           </a:p>
@@ -1321,7 +1326,7 @@
           <a:p>
             <a:fld id="{2A9E60B2-1E98-461F-ABAB-B833500A5E75}" type="datetimeFigureOut">
               <a:rPr lang="pt-BR" smtClean="0"/>
-              <a:t>03/12/2019</a:t>
+              <a:t>04/12/2019</a:t>
             </a:fld>
             <a:endParaRPr lang="pt-BR"/>
           </a:p>
@@ -1596,7 +1601,7 @@
           <a:p>
             <a:fld id="{2A9E60B2-1E98-461F-ABAB-B833500A5E75}" type="datetimeFigureOut">
               <a:rPr lang="pt-BR" smtClean="0"/>
-              <a:t>03/12/2019</a:t>
+              <a:t>04/12/2019</a:t>
             </a:fld>
             <a:endParaRPr lang="pt-BR"/>
           </a:p>
@@ -1975,7 +1980,7 @@
           <a:p>
             <a:fld id="{2A9E60B2-1E98-461F-ABAB-B833500A5E75}" type="datetimeFigureOut">
               <a:rPr lang="pt-BR" smtClean="0"/>
-              <a:t>03/12/2019</a:t>
+              <a:t>04/12/2019</a:t>
             </a:fld>
             <a:endParaRPr lang="pt-BR"/>
           </a:p>
@@ -2093,7 +2098,7 @@
           <a:p>
             <a:fld id="{2A9E60B2-1E98-461F-ABAB-B833500A5E75}" type="datetimeFigureOut">
               <a:rPr lang="pt-BR" smtClean="0"/>
-              <a:t>03/12/2019</a:t>
+              <a:t>04/12/2019</a:t>
             </a:fld>
             <a:endParaRPr lang="pt-BR"/>
           </a:p>
@@ -2266,7 +2271,7 @@
           <a:p>
             <a:fld id="{2A9E60B2-1E98-461F-ABAB-B833500A5E75}" type="datetimeFigureOut">
               <a:rPr lang="pt-BR" smtClean="0"/>
-              <a:t>03/12/2019</a:t>
+              <a:t>04/12/2019</a:t>
             </a:fld>
             <a:endParaRPr lang="pt-BR"/>
           </a:p>
@@ -2622,7 +2627,7 @@
           <a:p>
             <a:fld id="{2A9E60B2-1E98-461F-ABAB-B833500A5E75}" type="datetimeFigureOut">
               <a:rPr lang="pt-BR" smtClean="0"/>
-              <a:t>03/12/2019</a:t>
+              <a:t>04/12/2019</a:t>
             </a:fld>
             <a:endParaRPr lang="pt-BR"/>
           </a:p>
@@ -3001,7 +3006,7 @@
           <a:p>
             <a:fld id="{2A9E60B2-1E98-461F-ABAB-B833500A5E75}" type="datetimeFigureOut">
               <a:rPr lang="pt-BR" smtClean="0"/>
-              <a:t>03/12/2019</a:t>
+              <a:t>04/12/2019</a:t>
             </a:fld>
             <a:endParaRPr lang="pt-BR"/>
           </a:p>
@@ -3290,7 +3295,7 @@
           <a:p>
             <a:fld id="{2A9E60B2-1E98-461F-ABAB-B833500A5E75}" type="datetimeFigureOut">
               <a:rPr lang="pt-BR" smtClean="0"/>
-              <a:t>03/12/2019</a:t>
+              <a:t>04/12/2019</a:t>
             </a:fld>
             <a:endParaRPr lang="pt-BR"/>
           </a:p>
@@ -3827,7 +3832,7 @@
           <p:cNvPr id="7" name="Imagem 6">
             <a:extLst>
               <a:ext uri="{FF2B5EF4-FFF2-40B4-BE49-F238E27FC236}">
-                <a16:creationId xmlns:a16="http://schemas.microsoft.com/office/drawing/2014/main" id="{C59F64E0-879C-4B37-BF00-BC8C5CDCC482}"/>
+                <a16:creationId xmlns:a16="http://schemas.microsoft.com/office/drawing/2014/main" xmlns="" id="{C59F64E0-879C-4B37-BF00-BC8C5CDCC482}"/>
               </a:ext>
             </a:extLst>
           </p:cNvPr>
@@ -3837,7 +3842,7 @@
           <p:nvPr/>
         </p:nvPicPr>
         <p:blipFill rotWithShape="1">
-          <a:blip r:embed="rId2">
+          <a:blip r:embed="rId2" cstate="print">
             <a:extLst>
               <a:ext uri="{28A0092B-C50C-407E-A947-70E740481C1C}">
                 <a14:useLocalDpi xmlns:a14="http://schemas.microsoft.com/office/drawing/2010/main" val="0"/>
@@ -3861,6 +3866,1913 @@
     <p:extLst>
       <p:ext uri="{BB962C8B-B14F-4D97-AF65-F5344CB8AC3E}">
         <p14:creationId xmlns:p14="http://schemas.microsoft.com/office/powerpoint/2010/main" val="1825607018"/>
+      </p:ext>
+    </p:extLst>
+  </p:cSld>
+  <p:clrMapOvr>
+    <a:masterClrMapping/>
+  </p:clrMapOvr>
+</p:sld>
+</file>
+
+<file path=ppt/slides/slide10.xml><?xml version="1.0" encoding="utf-8"?>
+<p:sld xmlns:a="http://schemas.openxmlformats.org/drawingml/2006/main" xmlns:r="http://schemas.openxmlformats.org/officeDocument/2006/relationships" xmlns:p="http://schemas.openxmlformats.org/presentationml/2006/main">
+  <p:cSld>
+    <p:spTree>
+      <p:nvGrpSpPr>
+        <p:cNvPr id="1" name=""/>
+        <p:cNvGrpSpPr/>
+        <p:nvPr/>
+      </p:nvGrpSpPr>
+      <p:grpSpPr>
+        <a:xfrm>
+          <a:off x="0" y="0"/>
+          <a:ext cx="0" cy="0"/>
+          <a:chOff x="0" y="0"/>
+          <a:chExt cx="0" cy="0"/>
+        </a:xfrm>
+      </p:grpSpPr>
+      <p:sp>
+        <p:nvSpPr>
+          <p:cNvPr id="2" name="Título 1">
+            <a:extLst>
+              <a:ext uri="{FF2B5EF4-FFF2-40B4-BE49-F238E27FC236}">
+                <a16:creationId xmlns:a16="http://schemas.microsoft.com/office/drawing/2014/main" xmlns="" id="{8E20EB79-7171-47E0-ACDE-F4B858F89259}"/>
+              </a:ext>
+            </a:extLst>
+          </p:cNvPr>
+          <p:cNvSpPr>
+            <a:spLocks noGrp="1"/>
+          </p:cNvSpPr>
+          <p:nvPr>
+            <p:ph type="title"/>
+          </p:nvPr>
+        </p:nvSpPr>
+        <p:spPr>
+          <a:xfrm>
+            <a:off x="1141413" y="276558"/>
+            <a:ext cx="9905998" cy="1452230"/>
+          </a:xfrm>
+        </p:spPr>
+        <p:txBody>
+          <a:bodyPr>
+            <a:normAutofit/>
+          </a:bodyPr>
+          <a:lstStyle/>
+          <a:p>
+            <a:r>
+              <a:rPr lang="pt-BR" dirty="0" smtClean="0">
+                <a:latin typeface="Arial" panose="020B0604020202020204" pitchFamily="34" charset="0"/>
+                <a:cs typeface="Arial" panose="020B0604020202020204" pitchFamily="34" charset="0"/>
+              </a:rPr>
+              <a:t>Requisitos Não Funcionais</a:t>
+            </a:r>
+            <a:endParaRPr lang="pt-BR" sz="4800" dirty="0">
+              <a:latin typeface="Arial" panose="020B0604020202020204" pitchFamily="34" charset="0"/>
+              <a:cs typeface="Arial" panose="020B0604020202020204" pitchFamily="34" charset="0"/>
+            </a:endParaRPr>
+          </a:p>
+        </p:txBody>
+      </p:sp>
+      <p:sp>
+        <p:nvSpPr>
+          <p:cNvPr id="3" name="Espaço Reservado para Conteúdo 2">
+            <a:extLst>
+              <a:ext uri="{FF2B5EF4-FFF2-40B4-BE49-F238E27FC236}">
+                <a16:creationId xmlns:a16="http://schemas.microsoft.com/office/drawing/2014/main" xmlns="" id="{BB5DD53B-EBB0-4739-AA1A-977E1FE83896}"/>
+              </a:ext>
+            </a:extLst>
+          </p:cNvPr>
+          <p:cNvSpPr>
+            <a:spLocks noGrp="1"/>
+          </p:cNvSpPr>
+          <p:nvPr>
+            <p:ph idx="1"/>
+          </p:nvPr>
+        </p:nvSpPr>
+        <p:spPr>
+          <a:xfrm>
+            <a:off x="1141413" y="1859890"/>
+            <a:ext cx="4938111" cy="4359677"/>
+          </a:xfrm>
+        </p:spPr>
+        <p:txBody>
+          <a:bodyPr>
+            <a:normAutofit/>
+          </a:bodyPr>
+          <a:lstStyle/>
+          <a:p>
+            <a:endParaRPr lang="pt-BR" sz="2800" dirty="0">
+              <a:latin typeface="Arial" panose="020B0604020202020204" pitchFamily="34" charset="0"/>
+              <a:cs typeface="Arial" panose="020B0604020202020204" pitchFamily="34" charset="0"/>
+            </a:endParaRPr>
+          </a:p>
+          <a:p>
+            <a:pPr lvl="1">
+              <a:buFont typeface="Wingdings" panose="05000000000000000000" pitchFamily="2" charset="2"/>
+              <a:buChar char="§"/>
+            </a:pPr>
+            <a:r>
+              <a:rPr lang="pt-BR" sz="2800" dirty="0" smtClean="0">
+                <a:latin typeface="Arial" panose="020B0604020202020204" pitchFamily="34" charset="0"/>
+                <a:cs typeface="Arial" panose="020B0604020202020204" pitchFamily="34" charset="0"/>
+              </a:rPr>
+              <a:t>Logo</a:t>
+            </a:r>
+          </a:p>
+          <a:p>
+            <a:pPr lvl="1">
+              <a:buFont typeface="Wingdings" panose="05000000000000000000" pitchFamily="2" charset="2"/>
+              <a:buChar char="§"/>
+            </a:pPr>
+            <a:r>
+              <a:rPr lang="pt-BR" sz="2800" dirty="0" smtClean="0">
+                <a:latin typeface="Arial" panose="020B0604020202020204" pitchFamily="34" charset="0"/>
+                <a:cs typeface="Arial" panose="020B0604020202020204" pitchFamily="34" charset="0"/>
+              </a:rPr>
+              <a:t>Figuras</a:t>
+            </a:r>
+          </a:p>
+          <a:p>
+            <a:pPr lvl="1">
+              <a:buFont typeface="Wingdings" panose="05000000000000000000" pitchFamily="2" charset="2"/>
+              <a:buChar char="§"/>
+            </a:pPr>
+            <a:r>
+              <a:rPr lang="pt-BR" sz="2800" dirty="0" smtClean="0">
+                <a:latin typeface="Arial" panose="020B0604020202020204" pitchFamily="34" charset="0"/>
+                <a:cs typeface="Arial" panose="020B0604020202020204" pitchFamily="34" charset="0"/>
+              </a:rPr>
+              <a:t>Centralizar mapa</a:t>
+            </a:r>
+          </a:p>
+          <a:p>
+            <a:pPr lvl="1">
+              <a:buFont typeface="Wingdings" panose="05000000000000000000" pitchFamily="2" charset="2"/>
+              <a:buChar char="§"/>
+            </a:pPr>
+            <a:r>
+              <a:rPr lang="pt-BR" sz="2800" dirty="0" smtClean="0">
+                <a:latin typeface="Arial" panose="020B0604020202020204" pitchFamily="34" charset="0"/>
+                <a:cs typeface="Arial" panose="020B0604020202020204" pitchFamily="34" charset="0"/>
+              </a:rPr>
+              <a:t>Padrão de detalhes</a:t>
+            </a:r>
+          </a:p>
+          <a:p>
+            <a:pPr lvl="1">
+              <a:buFont typeface="Wingdings" panose="05000000000000000000" pitchFamily="2" charset="2"/>
+              <a:buChar char="§"/>
+            </a:pPr>
+            <a:r>
+              <a:rPr lang="pt-BR" sz="2800" dirty="0" smtClean="0">
+                <a:latin typeface="Arial" panose="020B0604020202020204" pitchFamily="34" charset="0"/>
+                <a:cs typeface="Arial" panose="020B0604020202020204" pitchFamily="34" charset="0"/>
+              </a:rPr>
+              <a:t>Padrão de cores</a:t>
+            </a:r>
+          </a:p>
+          <a:p>
+            <a:pPr marL="0" indent="0" algn="just">
+              <a:buNone/>
+            </a:pPr>
+            <a:endParaRPr lang="pt-BR" sz="2800" dirty="0" smtClean="0">
+              <a:latin typeface="Arial" panose="020B0604020202020204" pitchFamily="34" charset="0"/>
+              <a:cs typeface="Arial" panose="020B0604020202020204" pitchFamily="34" charset="0"/>
+            </a:endParaRPr>
+          </a:p>
+          <a:p>
+            <a:pPr marL="0" indent="0">
+              <a:buNone/>
+            </a:pPr>
+            <a:endParaRPr lang="pt-BR" sz="2800" dirty="0" smtClean="0">
+              <a:latin typeface="Arial" panose="020B0604020202020204" pitchFamily="34" charset="0"/>
+              <a:cs typeface="Arial" panose="020B0604020202020204" pitchFamily="34" charset="0"/>
+            </a:endParaRPr>
+          </a:p>
+          <a:p>
+            <a:pPr marL="0" indent="0">
+              <a:buNone/>
+            </a:pPr>
+            <a:endParaRPr lang="pt-BR" sz="2800" dirty="0">
+              <a:latin typeface="Arial" panose="020B0604020202020204" pitchFamily="34" charset="0"/>
+              <a:cs typeface="Arial" panose="020B0604020202020204" pitchFamily="34" charset="0"/>
+            </a:endParaRPr>
+          </a:p>
+          <a:p>
+            <a:pPr marL="0" indent="0">
+              <a:buNone/>
+            </a:pPr>
+            <a:endParaRPr lang="pt-BR" sz="2800" dirty="0">
+              <a:latin typeface="Arial" panose="020B0604020202020204" pitchFamily="34" charset="0"/>
+              <a:cs typeface="Arial" panose="020B0604020202020204" pitchFamily="34" charset="0"/>
+            </a:endParaRPr>
+          </a:p>
+        </p:txBody>
+      </p:sp>
+      <p:pic>
+        <p:nvPicPr>
+          <p:cNvPr id="5" name="Imagem 4">
+            <a:extLst>
+              <a:ext uri="{FF2B5EF4-FFF2-40B4-BE49-F238E27FC236}">
+                <a16:creationId xmlns:a16="http://schemas.microsoft.com/office/drawing/2014/main" xmlns="" id="{5C821069-0DB8-489A-B78E-11B18B2FFCAF}"/>
+              </a:ext>
+            </a:extLst>
+          </p:cNvPr>
+          <p:cNvPicPr>
+            <a:picLocks noChangeAspect="1"/>
+          </p:cNvPicPr>
+          <p:nvPr/>
+        </p:nvPicPr>
+        <p:blipFill>
+          <a:blip r:embed="rId2" cstate="print">
+            <a:extLst>
+              <a:ext uri="{28A0092B-C50C-407E-A947-70E740481C1C}">
+                <a14:useLocalDpi xmlns:a14="http://schemas.microsoft.com/office/drawing/2010/main" val="0"/>
+              </a:ext>
+            </a:extLst>
+          </a:blip>
+          <a:stretch>
+            <a:fillRect/>
+          </a:stretch>
+        </p:blipFill>
+        <p:spPr>
+          <a:xfrm>
+            <a:off x="11769138" y="6417276"/>
+            <a:ext cx="422862" cy="440724"/>
+          </a:xfrm>
+          <a:prstGeom prst="rect">
+            <a:avLst/>
+          </a:prstGeom>
+        </p:spPr>
+      </p:pic>
+    </p:spTree>
+    <p:extLst>
+      <p:ext uri="{BB962C8B-B14F-4D97-AF65-F5344CB8AC3E}">
+        <p14:creationId xmlns:p14="http://schemas.microsoft.com/office/powerpoint/2010/main" val="3453119626"/>
+      </p:ext>
+    </p:extLst>
+  </p:cSld>
+  <p:clrMapOvr>
+    <a:masterClrMapping/>
+  </p:clrMapOvr>
+</p:sld>
+</file>
+
+<file path=ppt/slides/slide11.xml><?xml version="1.0" encoding="utf-8"?>
+<p:sld xmlns:a="http://schemas.openxmlformats.org/drawingml/2006/main" xmlns:r="http://schemas.openxmlformats.org/officeDocument/2006/relationships" xmlns:p="http://schemas.openxmlformats.org/presentationml/2006/main">
+  <p:cSld>
+    <p:spTree>
+      <p:nvGrpSpPr>
+        <p:cNvPr id="1" name=""/>
+        <p:cNvGrpSpPr/>
+        <p:nvPr/>
+      </p:nvGrpSpPr>
+      <p:grpSpPr>
+        <a:xfrm>
+          <a:off x="0" y="0"/>
+          <a:ext cx="0" cy="0"/>
+          <a:chOff x="0" y="0"/>
+          <a:chExt cx="0" cy="0"/>
+        </a:xfrm>
+      </p:grpSpPr>
+      <p:pic>
+        <p:nvPicPr>
+          <p:cNvPr id="2" name="Imagem 1">
+            <a:extLst>
+              <a:ext uri="{FF2B5EF4-FFF2-40B4-BE49-F238E27FC236}">
+                <a16:creationId xmlns:a16="http://schemas.microsoft.com/office/drawing/2014/main" xmlns="" id="{5C821069-0DB8-489A-B78E-11B18B2FFCAF}"/>
+              </a:ext>
+            </a:extLst>
+          </p:cNvPr>
+          <p:cNvPicPr>
+            <a:picLocks noChangeAspect="1"/>
+          </p:cNvPicPr>
+          <p:nvPr/>
+        </p:nvPicPr>
+        <p:blipFill>
+          <a:blip r:embed="rId2" cstate="print">
+            <a:extLst>
+              <a:ext uri="{28A0092B-C50C-407E-A947-70E740481C1C}">
+                <a14:useLocalDpi xmlns:a14="http://schemas.microsoft.com/office/drawing/2010/main" val="0"/>
+              </a:ext>
+            </a:extLst>
+          </a:blip>
+          <a:stretch>
+            <a:fillRect/>
+          </a:stretch>
+        </p:blipFill>
+        <p:spPr>
+          <a:xfrm>
+            <a:off x="11769138" y="6417276"/>
+            <a:ext cx="422862" cy="440724"/>
+          </a:xfrm>
+          <a:prstGeom prst="rect">
+            <a:avLst/>
+          </a:prstGeom>
+        </p:spPr>
+      </p:pic>
+      <p:sp>
+        <p:nvSpPr>
+          <p:cNvPr id="3" name="Título 1">
+            <a:extLst>
+              <a:ext uri="{FF2B5EF4-FFF2-40B4-BE49-F238E27FC236}">
+                <a16:creationId xmlns:a16="http://schemas.microsoft.com/office/drawing/2014/main" xmlns="" id="{8E20EB79-7171-47E0-ACDE-F4B858F89259}"/>
+              </a:ext>
+            </a:extLst>
+          </p:cNvPr>
+          <p:cNvSpPr txBox="1">
+            <a:spLocks/>
+          </p:cNvSpPr>
+          <p:nvPr/>
+        </p:nvSpPr>
+        <p:spPr>
+          <a:xfrm>
+            <a:off x="1545066" y="2789099"/>
+            <a:ext cx="7417701" cy="769647"/>
+          </a:xfrm>
+          <a:prstGeom prst="rect">
+            <a:avLst/>
+          </a:prstGeom>
+        </p:spPr>
+        <p:txBody>
+          <a:bodyPr>
+            <a:normAutofit/>
+          </a:bodyPr>
+          <a:lstStyle>
+            <a:lvl1pPr algn="l" defTabSz="914400" rtl="0" eaLnBrk="1" latinLnBrk="0" hangingPunct="1">
+              <a:lnSpc>
+                <a:spcPct val="85000"/>
+              </a:lnSpc>
+              <a:spcBef>
+                <a:spcPct val="0"/>
+              </a:spcBef>
+              <a:buNone/>
+              <a:defRPr sz="4800" kern="1200" spc="-50" baseline="0">
+                <a:solidFill>
+                  <a:schemeClr val="tx1">
+                    <a:lumMod val="75000"/>
+                    <a:lumOff val="25000"/>
+                  </a:schemeClr>
+                </a:solidFill>
+                <a:latin typeface="+mj-lt"/>
+                <a:ea typeface="+mj-ea"/>
+                <a:cs typeface="+mj-cs"/>
+              </a:defRPr>
+            </a:lvl1pPr>
+          </a:lstStyle>
+          <a:p>
+            <a:r>
+              <a:rPr lang="pt-BR" dirty="0" smtClean="0">
+                <a:latin typeface="Arial" panose="020B0604020202020204" pitchFamily="34" charset="0"/>
+                <a:cs typeface="Arial" panose="020B0604020202020204" pitchFamily="34" charset="0"/>
+              </a:rPr>
+              <a:t>Apresentação do sistema...</a:t>
+            </a:r>
+            <a:endParaRPr lang="pt-BR" dirty="0">
+              <a:latin typeface="Arial" panose="020B0604020202020204" pitchFamily="34" charset="0"/>
+              <a:cs typeface="Arial" panose="020B0604020202020204" pitchFamily="34" charset="0"/>
+            </a:endParaRPr>
+          </a:p>
+        </p:txBody>
+      </p:sp>
+    </p:spTree>
+    <p:extLst>
+      <p:ext uri="{BB962C8B-B14F-4D97-AF65-F5344CB8AC3E}">
+        <p14:creationId xmlns:p14="http://schemas.microsoft.com/office/powerpoint/2010/main" val="1838318828"/>
+      </p:ext>
+    </p:extLst>
+  </p:cSld>
+  <p:clrMapOvr>
+    <a:masterClrMapping/>
+  </p:clrMapOvr>
+</p:sld>
+</file>
+
+<file path=ppt/slides/slide12.xml><?xml version="1.0" encoding="utf-8"?>
+<p:sld xmlns:a="http://schemas.openxmlformats.org/drawingml/2006/main" xmlns:r="http://schemas.openxmlformats.org/officeDocument/2006/relationships" xmlns:p="http://schemas.openxmlformats.org/presentationml/2006/main">
+  <p:cSld>
+    <p:spTree>
+      <p:nvGrpSpPr>
+        <p:cNvPr id="1" name=""/>
+        <p:cNvGrpSpPr/>
+        <p:nvPr/>
+      </p:nvGrpSpPr>
+      <p:grpSpPr>
+        <a:xfrm>
+          <a:off x="0" y="0"/>
+          <a:ext cx="0" cy="0"/>
+          <a:chOff x="0" y="0"/>
+          <a:chExt cx="0" cy="0"/>
+        </a:xfrm>
+      </p:grpSpPr>
+      <p:sp>
+        <p:nvSpPr>
+          <p:cNvPr id="2" name="Título 1">
+            <a:extLst>
+              <a:ext uri="{FF2B5EF4-FFF2-40B4-BE49-F238E27FC236}">
+                <a16:creationId xmlns:a16="http://schemas.microsoft.com/office/drawing/2014/main" xmlns="" id="{8E20EB79-7171-47E0-ACDE-F4B858F89259}"/>
+              </a:ext>
+            </a:extLst>
+          </p:cNvPr>
+          <p:cNvSpPr>
+            <a:spLocks noGrp="1"/>
+          </p:cNvSpPr>
+          <p:nvPr>
+            <p:ph type="title"/>
+          </p:nvPr>
+        </p:nvSpPr>
+        <p:spPr>
+          <a:xfrm>
+            <a:off x="1141413" y="276558"/>
+            <a:ext cx="9905998" cy="1452230"/>
+          </a:xfrm>
+        </p:spPr>
+        <p:txBody>
+          <a:bodyPr>
+            <a:normAutofit/>
+          </a:bodyPr>
+          <a:lstStyle/>
+          <a:p>
+            <a:r>
+              <a:rPr lang="pt-BR" dirty="0" smtClean="0">
+                <a:latin typeface="Arial" panose="020B0604020202020204" pitchFamily="34" charset="0"/>
+                <a:cs typeface="Arial" panose="020B0604020202020204" pitchFamily="34" charset="0"/>
+              </a:rPr>
+              <a:t>Conclusão e Trabalhos Futuros</a:t>
+            </a:r>
+            <a:endParaRPr lang="pt-BR" sz="4800" dirty="0">
+              <a:latin typeface="Arial" panose="020B0604020202020204" pitchFamily="34" charset="0"/>
+              <a:cs typeface="Arial" panose="020B0604020202020204" pitchFamily="34" charset="0"/>
+            </a:endParaRPr>
+          </a:p>
+        </p:txBody>
+      </p:sp>
+      <p:sp>
+        <p:nvSpPr>
+          <p:cNvPr id="3" name="Espaço Reservado para Conteúdo 2">
+            <a:extLst>
+              <a:ext uri="{FF2B5EF4-FFF2-40B4-BE49-F238E27FC236}">
+                <a16:creationId xmlns:a16="http://schemas.microsoft.com/office/drawing/2014/main" xmlns="" id="{BB5DD53B-EBB0-4739-AA1A-977E1FE83896}"/>
+              </a:ext>
+            </a:extLst>
+          </p:cNvPr>
+          <p:cNvSpPr>
+            <a:spLocks noGrp="1"/>
+          </p:cNvSpPr>
+          <p:nvPr>
+            <p:ph idx="1"/>
+          </p:nvPr>
+        </p:nvSpPr>
+        <p:spPr>
+          <a:xfrm>
+            <a:off x="1141412" y="1859891"/>
+            <a:ext cx="4583885" cy="1179872"/>
+          </a:xfrm>
+        </p:spPr>
+        <p:txBody>
+          <a:bodyPr>
+            <a:normAutofit/>
+          </a:bodyPr>
+          <a:lstStyle/>
+          <a:p>
+            <a:endParaRPr lang="pt-BR" sz="2800" dirty="0">
+              <a:latin typeface="Arial" panose="020B0604020202020204" pitchFamily="34" charset="0"/>
+              <a:cs typeface="Arial" panose="020B0604020202020204" pitchFamily="34" charset="0"/>
+            </a:endParaRPr>
+          </a:p>
+          <a:p>
+            <a:pPr marL="0" indent="0" algn="just">
+              <a:buNone/>
+            </a:pPr>
+            <a:endParaRPr lang="pt-BR" sz="2800" dirty="0" smtClean="0">
+              <a:latin typeface="Arial" panose="020B0604020202020204" pitchFamily="34" charset="0"/>
+              <a:cs typeface="Arial" panose="020B0604020202020204" pitchFamily="34" charset="0"/>
+            </a:endParaRPr>
+          </a:p>
+          <a:p>
+            <a:pPr marL="0" indent="0">
+              <a:buNone/>
+            </a:pPr>
+            <a:endParaRPr lang="pt-BR" sz="2800" dirty="0" smtClean="0">
+              <a:latin typeface="Arial" panose="020B0604020202020204" pitchFamily="34" charset="0"/>
+              <a:cs typeface="Arial" panose="020B0604020202020204" pitchFamily="34" charset="0"/>
+            </a:endParaRPr>
+          </a:p>
+          <a:p>
+            <a:pPr marL="0" indent="0">
+              <a:buNone/>
+            </a:pPr>
+            <a:endParaRPr lang="pt-BR" sz="2800" dirty="0">
+              <a:latin typeface="Arial" panose="020B0604020202020204" pitchFamily="34" charset="0"/>
+              <a:cs typeface="Arial" panose="020B0604020202020204" pitchFamily="34" charset="0"/>
+            </a:endParaRPr>
+          </a:p>
+          <a:p>
+            <a:pPr marL="0" indent="0">
+              <a:buNone/>
+            </a:pPr>
+            <a:endParaRPr lang="pt-BR" sz="2800" dirty="0">
+              <a:latin typeface="Arial" panose="020B0604020202020204" pitchFamily="34" charset="0"/>
+              <a:cs typeface="Arial" panose="020B0604020202020204" pitchFamily="34" charset="0"/>
+            </a:endParaRPr>
+          </a:p>
+        </p:txBody>
+      </p:sp>
+      <p:pic>
+        <p:nvPicPr>
+          <p:cNvPr id="5" name="Imagem 4">
+            <a:extLst>
+              <a:ext uri="{FF2B5EF4-FFF2-40B4-BE49-F238E27FC236}">
+                <a16:creationId xmlns:a16="http://schemas.microsoft.com/office/drawing/2014/main" xmlns="" id="{5C821069-0DB8-489A-B78E-11B18B2FFCAF}"/>
+              </a:ext>
+            </a:extLst>
+          </p:cNvPr>
+          <p:cNvPicPr>
+            <a:picLocks noChangeAspect="1"/>
+          </p:cNvPicPr>
+          <p:nvPr/>
+        </p:nvPicPr>
+        <p:blipFill>
+          <a:blip r:embed="rId2" cstate="print">
+            <a:extLst>
+              <a:ext uri="{28A0092B-C50C-407E-A947-70E740481C1C}">
+                <a14:useLocalDpi xmlns:a14="http://schemas.microsoft.com/office/drawing/2010/main" val="0"/>
+              </a:ext>
+            </a:extLst>
+          </a:blip>
+          <a:stretch>
+            <a:fillRect/>
+          </a:stretch>
+        </p:blipFill>
+        <p:spPr>
+          <a:xfrm>
+            <a:off x="11769138" y="6417276"/>
+            <a:ext cx="422862" cy="440724"/>
+          </a:xfrm>
+          <a:prstGeom prst="rect">
+            <a:avLst/>
+          </a:prstGeom>
+        </p:spPr>
+      </p:pic>
+      <p:sp>
+        <p:nvSpPr>
+          <p:cNvPr id="6" name="Espaço Reservado para Conteúdo 2">
+            <a:extLst>
+              <a:ext uri="{FF2B5EF4-FFF2-40B4-BE49-F238E27FC236}">
+                <a16:creationId xmlns:a16="http://schemas.microsoft.com/office/drawing/2014/main" xmlns="" id="{BB5DD53B-EBB0-4739-AA1A-977E1FE83896}"/>
+              </a:ext>
+            </a:extLst>
+          </p:cNvPr>
+          <p:cNvSpPr txBox="1">
+            <a:spLocks/>
+          </p:cNvSpPr>
+          <p:nvPr/>
+        </p:nvSpPr>
+        <p:spPr>
+          <a:xfrm>
+            <a:off x="1141413" y="1859890"/>
+            <a:ext cx="4649787" cy="1039829"/>
+          </a:xfrm>
+          <a:prstGeom prst="rect">
+            <a:avLst/>
+          </a:prstGeom>
+        </p:spPr>
+        <p:txBody>
+          <a:bodyPr vert="horz" lIns="0" tIns="45720" rIns="0" bIns="45720" rtlCol="0">
+            <a:normAutofit/>
+          </a:bodyPr>
+          <a:lstStyle>
+            <a:lvl1pPr marL="91440" indent="-91440" algn="l" defTabSz="914400" rtl="0" eaLnBrk="1" latinLnBrk="0" hangingPunct="1">
+              <a:lnSpc>
+                <a:spcPct val="90000"/>
+              </a:lnSpc>
+              <a:spcBef>
+                <a:spcPts val="1200"/>
+              </a:spcBef>
+              <a:spcAft>
+                <a:spcPts val="200"/>
+              </a:spcAft>
+              <a:buClr>
+                <a:schemeClr val="accent1"/>
+              </a:buClr>
+              <a:buSzPct val="100000"/>
+              <a:buFont typeface="Calibri" panose="020F0502020204030204" pitchFamily="34" charset="0"/>
+              <a:buChar char=" "/>
+              <a:defRPr sz="2000" kern="1200">
+                <a:solidFill>
+                  <a:schemeClr val="tx1">
+                    <a:lumMod val="75000"/>
+                    <a:lumOff val="25000"/>
+                  </a:schemeClr>
+                </a:solidFill>
+                <a:latin typeface="+mn-lt"/>
+                <a:ea typeface="+mn-ea"/>
+                <a:cs typeface="+mn-cs"/>
+              </a:defRPr>
+            </a:lvl1pPr>
+            <a:lvl2pPr marL="384048" indent="-182880" algn="l" defTabSz="914400" rtl="0" eaLnBrk="1" latinLnBrk="0" hangingPunct="1">
+              <a:lnSpc>
+                <a:spcPct val="90000"/>
+              </a:lnSpc>
+              <a:spcBef>
+                <a:spcPts val="200"/>
+              </a:spcBef>
+              <a:spcAft>
+                <a:spcPts val="400"/>
+              </a:spcAft>
+              <a:buClr>
+                <a:schemeClr val="accent1"/>
+              </a:buClr>
+              <a:buFont typeface="Calibri" pitchFamily="34" charset="0"/>
+              <a:buChar char="◦"/>
+              <a:defRPr sz="1800" kern="1200">
+                <a:solidFill>
+                  <a:schemeClr val="tx1">
+                    <a:lumMod val="75000"/>
+                    <a:lumOff val="25000"/>
+                  </a:schemeClr>
+                </a:solidFill>
+                <a:latin typeface="+mn-lt"/>
+                <a:ea typeface="+mn-ea"/>
+                <a:cs typeface="+mn-cs"/>
+              </a:defRPr>
+            </a:lvl2pPr>
+            <a:lvl3pPr marL="566928" indent="-182880" algn="l" defTabSz="914400" rtl="0" eaLnBrk="1" latinLnBrk="0" hangingPunct="1">
+              <a:lnSpc>
+                <a:spcPct val="90000"/>
+              </a:lnSpc>
+              <a:spcBef>
+                <a:spcPts val="200"/>
+              </a:spcBef>
+              <a:spcAft>
+                <a:spcPts val="400"/>
+              </a:spcAft>
+              <a:buClr>
+                <a:schemeClr val="accent1"/>
+              </a:buClr>
+              <a:buFont typeface="Calibri" pitchFamily="34" charset="0"/>
+              <a:buChar char="◦"/>
+              <a:defRPr sz="1400" kern="1200">
+                <a:solidFill>
+                  <a:schemeClr val="tx1">
+                    <a:lumMod val="75000"/>
+                    <a:lumOff val="25000"/>
+                  </a:schemeClr>
+                </a:solidFill>
+                <a:latin typeface="+mn-lt"/>
+                <a:ea typeface="+mn-ea"/>
+                <a:cs typeface="+mn-cs"/>
+              </a:defRPr>
+            </a:lvl3pPr>
+            <a:lvl4pPr marL="749808" indent="-182880" algn="l" defTabSz="914400" rtl="0" eaLnBrk="1" latinLnBrk="0" hangingPunct="1">
+              <a:lnSpc>
+                <a:spcPct val="90000"/>
+              </a:lnSpc>
+              <a:spcBef>
+                <a:spcPts val="200"/>
+              </a:spcBef>
+              <a:spcAft>
+                <a:spcPts val="400"/>
+              </a:spcAft>
+              <a:buClr>
+                <a:schemeClr val="accent1"/>
+              </a:buClr>
+              <a:buFont typeface="Calibri" pitchFamily="34" charset="0"/>
+              <a:buChar char="◦"/>
+              <a:defRPr sz="1400" kern="1200">
+                <a:solidFill>
+                  <a:schemeClr val="tx1">
+                    <a:lumMod val="75000"/>
+                    <a:lumOff val="25000"/>
+                  </a:schemeClr>
+                </a:solidFill>
+                <a:latin typeface="+mn-lt"/>
+                <a:ea typeface="+mn-ea"/>
+                <a:cs typeface="+mn-cs"/>
+              </a:defRPr>
+            </a:lvl4pPr>
+            <a:lvl5pPr marL="932688" indent="-182880" algn="l" defTabSz="914400" rtl="0" eaLnBrk="1" latinLnBrk="0" hangingPunct="1">
+              <a:lnSpc>
+                <a:spcPct val="90000"/>
+              </a:lnSpc>
+              <a:spcBef>
+                <a:spcPts val="200"/>
+              </a:spcBef>
+              <a:spcAft>
+                <a:spcPts val="400"/>
+              </a:spcAft>
+              <a:buClr>
+                <a:schemeClr val="accent1"/>
+              </a:buClr>
+              <a:buFont typeface="Calibri" pitchFamily="34" charset="0"/>
+              <a:buChar char="◦"/>
+              <a:defRPr sz="1400" kern="1200">
+                <a:solidFill>
+                  <a:schemeClr val="tx1">
+                    <a:lumMod val="75000"/>
+                    <a:lumOff val="25000"/>
+                  </a:schemeClr>
+                </a:solidFill>
+                <a:latin typeface="+mn-lt"/>
+                <a:ea typeface="+mn-ea"/>
+                <a:cs typeface="+mn-cs"/>
+              </a:defRPr>
+            </a:lvl5pPr>
+            <a:lvl6pPr marL="1100000" indent="-228600" algn="l" defTabSz="914400" rtl="0" eaLnBrk="1" latinLnBrk="0" hangingPunct="1">
+              <a:lnSpc>
+                <a:spcPct val="90000"/>
+              </a:lnSpc>
+              <a:spcBef>
+                <a:spcPts val="200"/>
+              </a:spcBef>
+              <a:spcAft>
+                <a:spcPts val="400"/>
+              </a:spcAft>
+              <a:buClr>
+                <a:schemeClr val="accent1"/>
+              </a:buClr>
+              <a:buFont typeface="Calibri" pitchFamily="34" charset="0"/>
+              <a:buChar char="◦"/>
+              <a:defRPr sz="1400" kern="1200">
+                <a:solidFill>
+                  <a:schemeClr val="tx1">
+                    <a:lumMod val="75000"/>
+                    <a:lumOff val="25000"/>
+                  </a:schemeClr>
+                </a:solidFill>
+                <a:latin typeface="+mn-lt"/>
+                <a:ea typeface="+mn-ea"/>
+                <a:cs typeface="+mn-cs"/>
+              </a:defRPr>
+            </a:lvl6pPr>
+            <a:lvl7pPr marL="1300000" indent="-228600" algn="l" defTabSz="914400" rtl="0" eaLnBrk="1" latinLnBrk="0" hangingPunct="1">
+              <a:lnSpc>
+                <a:spcPct val="90000"/>
+              </a:lnSpc>
+              <a:spcBef>
+                <a:spcPts val="200"/>
+              </a:spcBef>
+              <a:spcAft>
+                <a:spcPts val="400"/>
+              </a:spcAft>
+              <a:buClr>
+                <a:schemeClr val="accent1"/>
+              </a:buClr>
+              <a:buFont typeface="Calibri" pitchFamily="34" charset="0"/>
+              <a:buChar char="◦"/>
+              <a:defRPr sz="1400" kern="1200">
+                <a:solidFill>
+                  <a:schemeClr val="tx1">
+                    <a:lumMod val="75000"/>
+                    <a:lumOff val="25000"/>
+                  </a:schemeClr>
+                </a:solidFill>
+                <a:latin typeface="+mn-lt"/>
+                <a:ea typeface="+mn-ea"/>
+                <a:cs typeface="+mn-cs"/>
+              </a:defRPr>
+            </a:lvl7pPr>
+            <a:lvl8pPr marL="1500000" indent="-228600" algn="l" defTabSz="914400" rtl="0" eaLnBrk="1" latinLnBrk="0" hangingPunct="1">
+              <a:lnSpc>
+                <a:spcPct val="90000"/>
+              </a:lnSpc>
+              <a:spcBef>
+                <a:spcPts val="200"/>
+              </a:spcBef>
+              <a:spcAft>
+                <a:spcPts val="400"/>
+              </a:spcAft>
+              <a:buClr>
+                <a:schemeClr val="accent1"/>
+              </a:buClr>
+              <a:buFont typeface="Calibri" pitchFamily="34" charset="0"/>
+              <a:buChar char="◦"/>
+              <a:defRPr sz="1400" kern="1200">
+                <a:solidFill>
+                  <a:schemeClr val="tx1">
+                    <a:lumMod val="75000"/>
+                    <a:lumOff val="25000"/>
+                  </a:schemeClr>
+                </a:solidFill>
+                <a:latin typeface="+mn-lt"/>
+                <a:ea typeface="+mn-ea"/>
+                <a:cs typeface="+mn-cs"/>
+              </a:defRPr>
+            </a:lvl8pPr>
+            <a:lvl9pPr marL="1700000" indent="-228600" algn="l" defTabSz="914400" rtl="0" eaLnBrk="1" latinLnBrk="0" hangingPunct="1">
+              <a:lnSpc>
+                <a:spcPct val="90000"/>
+              </a:lnSpc>
+              <a:spcBef>
+                <a:spcPts val="200"/>
+              </a:spcBef>
+              <a:spcAft>
+                <a:spcPts val="400"/>
+              </a:spcAft>
+              <a:buClr>
+                <a:schemeClr val="accent1"/>
+              </a:buClr>
+              <a:buFont typeface="Calibri" pitchFamily="34" charset="0"/>
+              <a:buChar char="◦"/>
+              <a:defRPr sz="1400" kern="1200">
+                <a:solidFill>
+                  <a:schemeClr val="tx1">
+                    <a:lumMod val="75000"/>
+                    <a:lumOff val="25000"/>
+                  </a:schemeClr>
+                </a:solidFill>
+                <a:latin typeface="+mn-lt"/>
+                <a:ea typeface="+mn-ea"/>
+                <a:cs typeface="+mn-cs"/>
+              </a:defRPr>
+            </a:lvl9pPr>
+          </a:lstStyle>
+          <a:p>
+            <a:endParaRPr lang="pt-BR" sz="2800" dirty="0" smtClean="0">
+              <a:latin typeface="Arial" panose="020B0604020202020204" pitchFamily="34" charset="0"/>
+              <a:cs typeface="Arial" panose="020B0604020202020204" pitchFamily="34" charset="0"/>
+            </a:endParaRPr>
+          </a:p>
+          <a:p>
+            <a:pPr lvl="1">
+              <a:buFont typeface="Wingdings" panose="05000000000000000000" pitchFamily="2" charset="2"/>
+              <a:buChar char="§"/>
+            </a:pPr>
+            <a:r>
+              <a:rPr lang="pt-BR" sz="2800" dirty="0" smtClean="0">
+                <a:latin typeface="Arial" panose="020B0604020202020204" pitchFamily="34" charset="0"/>
+                <a:cs typeface="Arial" panose="020B0604020202020204" pitchFamily="34" charset="0"/>
+              </a:rPr>
+              <a:t>Requisitos Funcionais </a:t>
+            </a:r>
+          </a:p>
+          <a:p>
+            <a:pPr marL="0" indent="0" algn="just">
+              <a:buFont typeface="Calibri" panose="020F0502020204030204" pitchFamily="34" charset="0"/>
+              <a:buNone/>
+            </a:pPr>
+            <a:endParaRPr lang="pt-BR" sz="2800" dirty="0" smtClean="0">
+              <a:latin typeface="Arial" panose="020B0604020202020204" pitchFamily="34" charset="0"/>
+              <a:cs typeface="Arial" panose="020B0604020202020204" pitchFamily="34" charset="0"/>
+            </a:endParaRPr>
+          </a:p>
+          <a:p>
+            <a:pPr marL="0" indent="0">
+              <a:buFont typeface="Calibri" panose="020F0502020204030204" pitchFamily="34" charset="0"/>
+              <a:buNone/>
+            </a:pPr>
+            <a:endParaRPr lang="pt-BR" sz="2800" dirty="0" smtClean="0">
+              <a:latin typeface="Arial" panose="020B0604020202020204" pitchFamily="34" charset="0"/>
+              <a:cs typeface="Arial" panose="020B0604020202020204" pitchFamily="34" charset="0"/>
+            </a:endParaRPr>
+          </a:p>
+          <a:p>
+            <a:pPr marL="0" indent="0">
+              <a:buFont typeface="Calibri" panose="020F0502020204030204" pitchFamily="34" charset="0"/>
+              <a:buNone/>
+            </a:pPr>
+            <a:endParaRPr lang="pt-BR" sz="2800" dirty="0" smtClean="0">
+              <a:latin typeface="Arial" panose="020B0604020202020204" pitchFamily="34" charset="0"/>
+              <a:cs typeface="Arial" panose="020B0604020202020204" pitchFamily="34" charset="0"/>
+            </a:endParaRPr>
+          </a:p>
+          <a:p>
+            <a:pPr marL="0" indent="0">
+              <a:buFont typeface="Calibri" panose="020F0502020204030204" pitchFamily="34" charset="0"/>
+              <a:buNone/>
+            </a:pPr>
+            <a:endParaRPr lang="pt-BR" sz="2800" dirty="0">
+              <a:latin typeface="Arial" panose="020B0604020202020204" pitchFamily="34" charset="0"/>
+              <a:cs typeface="Arial" panose="020B0604020202020204" pitchFamily="34" charset="0"/>
+            </a:endParaRPr>
+          </a:p>
+        </p:txBody>
+      </p:sp>
+      <p:pic>
+        <p:nvPicPr>
+          <p:cNvPr id="4" name="Imagem 3"/>
+          <p:cNvPicPr>
+            <a:picLocks noChangeAspect="1"/>
+          </p:cNvPicPr>
+          <p:nvPr/>
+        </p:nvPicPr>
+        <p:blipFill>
+          <a:blip r:embed="rId3" cstate="print">
+            <a:extLst>
+              <a:ext uri="{28A0092B-C50C-407E-A947-70E740481C1C}">
+                <a14:useLocalDpi xmlns:a14="http://schemas.microsoft.com/office/drawing/2010/main" val="0"/>
+              </a:ext>
+            </a:extLst>
+          </a:blip>
+          <a:stretch>
+            <a:fillRect/>
+          </a:stretch>
+        </p:blipFill>
+        <p:spPr>
+          <a:xfrm>
+            <a:off x="5068329" y="2379804"/>
+            <a:ext cx="335692" cy="335692"/>
+          </a:xfrm>
+          <a:prstGeom prst="rect">
+            <a:avLst/>
+          </a:prstGeom>
+        </p:spPr>
+      </p:pic>
+      <p:sp>
+        <p:nvSpPr>
+          <p:cNvPr id="7" name="Espaço Reservado para Conteúdo 2">
+            <a:extLst>
+              <a:ext uri="{FF2B5EF4-FFF2-40B4-BE49-F238E27FC236}">
+                <a16:creationId xmlns:a16="http://schemas.microsoft.com/office/drawing/2014/main" xmlns="" id="{BB5DD53B-EBB0-4739-AA1A-977E1FE83896}"/>
+              </a:ext>
+            </a:extLst>
+          </p:cNvPr>
+          <p:cNvSpPr txBox="1">
+            <a:spLocks/>
+          </p:cNvSpPr>
+          <p:nvPr/>
+        </p:nvSpPr>
+        <p:spPr>
+          <a:xfrm>
+            <a:off x="5725297" y="1859890"/>
+            <a:ext cx="5955957" cy="4071353"/>
+          </a:xfrm>
+          <a:prstGeom prst="rect">
+            <a:avLst/>
+          </a:prstGeom>
+        </p:spPr>
+        <p:txBody>
+          <a:bodyPr vert="horz" lIns="0" tIns="45720" rIns="0" bIns="45720" rtlCol="0">
+            <a:normAutofit/>
+          </a:bodyPr>
+          <a:lstStyle>
+            <a:lvl1pPr marL="91440" indent="-91440" algn="l" defTabSz="914400" rtl="0" eaLnBrk="1" latinLnBrk="0" hangingPunct="1">
+              <a:lnSpc>
+                <a:spcPct val="90000"/>
+              </a:lnSpc>
+              <a:spcBef>
+                <a:spcPts val="1200"/>
+              </a:spcBef>
+              <a:spcAft>
+                <a:spcPts val="200"/>
+              </a:spcAft>
+              <a:buClr>
+                <a:schemeClr val="accent1"/>
+              </a:buClr>
+              <a:buSzPct val="100000"/>
+              <a:buFont typeface="Calibri" panose="020F0502020204030204" pitchFamily="34" charset="0"/>
+              <a:buChar char=" "/>
+              <a:defRPr sz="2000" kern="1200">
+                <a:solidFill>
+                  <a:schemeClr val="tx1">
+                    <a:lumMod val="75000"/>
+                    <a:lumOff val="25000"/>
+                  </a:schemeClr>
+                </a:solidFill>
+                <a:latin typeface="+mn-lt"/>
+                <a:ea typeface="+mn-ea"/>
+                <a:cs typeface="+mn-cs"/>
+              </a:defRPr>
+            </a:lvl1pPr>
+            <a:lvl2pPr marL="384048" indent="-182880" algn="l" defTabSz="914400" rtl="0" eaLnBrk="1" latinLnBrk="0" hangingPunct="1">
+              <a:lnSpc>
+                <a:spcPct val="90000"/>
+              </a:lnSpc>
+              <a:spcBef>
+                <a:spcPts val="200"/>
+              </a:spcBef>
+              <a:spcAft>
+                <a:spcPts val="400"/>
+              </a:spcAft>
+              <a:buClr>
+                <a:schemeClr val="accent1"/>
+              </a:buClr>
+              <a:buFont typeface="Calibri" pitchFamily="34" charset="0"/>
+              <a:buChar char="◦"/>
+              <a:defRPr sz="1800" kern="1200">
+                <a:solidFill>
+                  <a:schemeClr val="tx1">
+                    <a:lumMod val="75000"/>
+                    <a:lumOff val="25000"/>
+                  </a:schemeClr>
+                </a:solidFill>
+                <a:latin typeface="+mn-lt"/>
+                <a:ea typeface="+mn-ea"/>
+                <a:cs typeface="+mn-cs"/>
+              </a:defRPr>
+            </a:lvl2pPr>
+            <a:lvl3pPr marL="566928" indent="-182880" algn="l" defTabSz="914400" rtl="0" eaLnBrk="1" latinLnBrk="0" hangingPunct="1">
+              <a:lnSpc>
+                <a:spcPct val="90000"/>
+              </a:lnSpc>
+              <a:spcBef>
+                <a:spcPts val="200"/>
+              </a:spcBef>
+              <a:spcAft>
+                <a:spcPts val="400"/>
+              </a:spcAft>
+              <a:buClr>
+                <a:schemeClr val="accent1"/>
+              </a:buClr>
+              <a:buFont typeface="Calibri" pitchFamily="34" charset="0"/>
+              <a:buChar char="◦"/>
+              <a:defRPr sz="1400" kern="1200">
+                <a:solidFill>
+                  <a:schemeClr val="tx1">
+                    <a:lumMod val="75000"/>
+                    <a:lumOff val="25000"/>
+                  </a:schemeClr>
+                </a:solidFill>
+                <a:latin typeface="+mn-lt"/>
+                <a:ea typeface="+mn-ea"/>
+                <a:cs typeface="+mn-cs"/>
+              </a:defRPr>
+            </a:lvl3pPr>
+            <a:lvl4pPr marL="749808" indent="-182880" algn="l" defTabSz="914400" rtl="0" eaLnBrk="1" latinLnBrk="0" hangingPunct="1">
+              <a:lnSpc>
+                <a:spcPct val="90000"/>
+              </a:lnSpc>
+              <a:spcBef>
+                <a:spcPts val="200"/>
+              </a:spcBef>
+              <a:spcAft>
+                <a:spcPts val="400"/>
+              </a:spcAft>
+              <a:buClr>
+                <a:schemeClr val="accent1"/>
+              </a:buClr>
+              <a:buFont typeface="Calibri" pitchFamily="34" charset="0"/>
+              <a:buChar char="◦"/>
+              <a:defRPr sz="1400" kern="1200">
+                <a:solidFill>
+                  <a:schemeClr val="tx1">
+                    <a:lumMod val="75000"/>
+                    <a:lumOff val="25000"/>
+                  </a:schemeClr>
+                </a:solidFill>
+                <a:latin typeface="+mn-lt"/>
+                <a:ea typeface="+mn-ea"/>
+                <a:cs typeface="+mn-cs"/>
+              </a:defRPr>
+            </a:lvl4pPr>
+            <a:lvl5pPr marL="932688" indent="-182880" algn="l" defTabSz="914400" rtl="0" eaLnBrk="1" latinLnBrk="0" hangingPunct="1">
+              <a:lnSpc>
+                <a:spcPct val="90000"/>
+              </a:lnSpc>
+              <a:spcBef>
+                <a:spcPts val="200"/>
+              </a:spcBef>
+              <a:spcAft>
+                <a:spcPts val="400"/>
+              </a:spcAft>
+              <a:buClr>
+                <a:schemeClr val="accent1"/>
+              </a:buClr>
+              <a:buFont typeface="Calibri" pitchFamily="34" charset="0"/>
+              <a:buChar char="◦"/>
+              <a:defRPr sz="1400" kern="1200">
+                <a:solidFill>
+                  <a:schemeClr val="tx1">
+                    <a:lumMod val="75000"/>
+                    <a:lumOff val="25000"/>
+                  </a:schemeClr>
+                </a:solidFill>
+                <a:latin typeface="+mn-lt"/>
+                <a:ea typeface="+mn-ea"/>
+                <a:cs typeface="+mn-cs"/>
+              </a:defRPr>
+            </a:lvl5pPr>
+            <a:lvl6pPr marL="1100000" indent="-228600" algn="l" defTabSz="914400" rtl="0" eaLnBrk="1" latinLnBrk="0" hangingPunct="1">
+              <a:lnSpc>
+                <a:spcPct val="90000"/>
+              </a:lnSpc>
+              <a:spcBef>
+                <a:spcPts val="200"/>
+              </a:spcBef>
+              <a:spcAft>
+                <a:spcPts val="400"/>
+              </a:spcAft>
+              <a:buClr>
+                <a:schemeClr val="accent1"/>
+              </a:buClr>
+              <a:buFont typeface="Calibri" pitchFamily="34" charset="0"/>
+              <a:buChar char="◦"/>
+              <a:defRPr sz="1400" kern="1200">
+                <a:solidFill>
+                  <a:schemeClr val="tx1">
+                    <a:lumMod val="75000"/>
+                    <a:lumOff val="25000"/>
+                  </a:schemeClr>
+                </a:solidFill>
+                <a:latin typeface="+mn-lt"/>
+                <a:ea typeface="+mn-ea"/>
+                <a:cs typeface="+mn-cs"/>
+              </a:defRPr>
+            </a:lvl6pPr>
+            <a:lvl7pPr marL="1300000" indent="-228600" algn="l" defTabSz="914400" rtl="0" eaLnBrk="1" latinLnBrk="0" hangingPunct="1">
+              <a:lnSpc>
+                <a:spcPct val="90000"/>
+              </a:lnSpc>
+              <a:spcBef>
+                <a:spcPts val="200"/>
+              </a:spcBef>
+              <a:spcAft>
+                <a:spcPts val="400"/>
+              </a:spcAft>
+              <a:buClr>
+                <a:schemeClr val="accent1"/>
+              </a:buClr>
+              <a:buFont typeface="Calibri" pitchFamily="34" charset="0"/>
+              <a:buChar char="◦"/>
+              <a:defRPr sz="1400" kern="1200">
+                <a:solidFill>
+                  <a:schemeClr val="tx1">
+                    <a:lumMod val="75000"/>
+                    <a:lumOff val="25000"/>
+                  </a:schemeClr>
+                </a:solidFill>
+                <a:latin typeface="+mn-lt"/>
+                <a:ea typeface="+mn-ea"/>
+                <a:cs typeface="+mn-cs"/>
+              </a:defRPr>
+            </a:lvl7pPr>
+            <a:lvl8pPr marL="1500000" indent="-228600" algn="l" defTabSz="914400" rtl="0" eaLnBrk="1" latinLnBrk="0" hangingPunct="1">
+              <a:lnSpc>
+                <a:spcPct val="90000"/>
+              </a:lnSpc>
+              <a:spcBef>
+                <a:spcPts val="200"/>
+              </a:spcBef>
+              <a:spcAft>
+                <a:spcPts val="400"/>
+              </a:spcAft>
+              <a:buClr>
+                <a:schemeClr val="accent1"/>
+              </a:buClr>
+              <a:buFont typeface="Calibri" pitchFamily="34" charset="0"/>
+              <a:buChar char="◦"/>
+              <a:defRPr sz="1400" kern="1200">
+                <a:solidFill>
+                  <a:schemeClr val="tx1">
+                    <a:lumMod val="75000"/>
+                    <a:lumOff val="25000"/>
+                  </a:schemeClr>
+                </a:solidFill>
+                <a:latin typeface="+mn-lt"/>
+                <a:ea typeface="+mn-ea"/>
+                <a:cs typeface="+mn-cs"/>
+              </a:defRPr>
+            </a:lvl8pPr>
+            <a:lvl9pPr marL="1700000" indent="-228600" algn="l" defTabSz="914400" rtl="0" eaLnBrk="1" latinLnBrk="0" hangingPunct="1">
+              <a:lnSpc>
+                <a:spcPct val="90000"/>
+              </a:lnSpc>
+              <a:spcBef>
+                <a:spcPts val="200"/>
+              </a:spcBef>
+              <a:spcAft>
+                <a:spcPts val="400"/>
+              </a:spcAft>
+              <a:buClr>
+                <a:schemeClr val="accent1"/>
+              </a:buClr>
+              <a:buFont typeface="Calibri" pitchFamily="34" charset="0"/>
+              <a:buChar char="◦"/>
+              <a:defRPr sz="1400" kern="1200">
+                <a:solidFill>
+                  <a:schemeClr val="tx1">
+                    <a:lumMod val="75000"/>
+                    <a:lumOff val="25000"/>
+                  </a:schemeClr>
+                </a:solidFill>
+                <a:latin typeface="+mn-lt"/>
+                <a:ea typeface="+mn-ea"/>
+                <a:cs typeface="+mn-cs"/>
+              </a:defRPr>
+            </a:lvl9pPr>
+          </a:lstStyle>
+          <a:p>
+            <a:endParaRPr lang="pt-BR" sz="2800" dirty="0" smtClean="0">
+              <a:latin typeface="Arial" panose="020B0604020202020204" pitchFamily="34" charset="0"/>
+              <a:cs typeface="Arial" panose="020B0604020202020204" pitchFamily="34" charset="0"/>
+            </a:endParaRPr>
+          </a:p>
+          <a:p>
+            <a:pPr lvl="1">
+              <a:buFont typeface="Wingdings" panose="05000000000000000000" pitchFamily="2" charset="2"/>
+              <a:buChar char="§"/>
+            </a:pPr>
+            <a:r>
+              <a:rPr lang="pt-BR" sz="2800" dirty="0" smtClean="0">
+                <a:latin typeface="Arial" panose="020B0604020202020204" pitchFamily="34" charset="0"/>
+                <a:cs typeface="Arial" panose="020B0604020202020204" pitchFamily="34" charset="0"/>
+              </a:rPr>
+              <a:t>Requisitos Não Funcionais</a:t>
+            </a:r>
+          </a:p>
+          <a:p>
+            <a:pPr lvl="2">
+              <a:buFont typeface="Wingdings" panose="05000000000000000000" pitchFamily="2" charset="2"/>
+              <a:buChar char="§"/>
+            </a:pPr>
+            <a:r>
+              <a:rPr lang="pt-BR" sz="2400" dirty="0" smtClean="0">
+                <a:latin typeface="Arial" panose="020B0604020202020204" pitchFamily="34" charset="0"/>
+                <a:cs typeface="Arial" panose="020B0604020202020204" pitchFamily="34" charset="0"/>
+              </a:rPr>
+              <a:t>Logo</a:t>
+            </a:r>
+          </a:p>
+          <a:p>
+            <a:pPr lvl="2">
+              <a:buFont typeface="Wingdings" panose="05000000000000000000" pitchFamily="2" charset="2"/>
+              <a:buChar char="§"/>
+            </a:pPr>
+            <a:r>
+              <a:rPr lang="pt-BR" sz="2400" dirty="0" smtClean="0">
+                <a:latin typeface="Arial" panose="020B0604020202020204" pitchFamily="34" charset="0"/>
+                <a:cs typeface="Arial" panose="020B0604020202020204" pitchFamily="34" charset="0"/>
+              </a:rPr>
+              <a:t>Centralizar mapa </a:t>
+            </a:r>
+          </a:p>
+          <a:p>
+            <a:pPr marL="0" indent="0" algn="just">
+              <a:buFont typeface="Calibri" panose="020F0502020204030204" pitchFamily="34" charset="0"/>
+              <a:buNone/>
+            </a:pPr>
+            <a:endParaRPr lang="pt-BR" sz="2800" dirty="0" smtClean="0">
+              <a:latin typeface="Arial" panose="020B0604020202020204" pitchFamily="34" charset="0"/>
+              <a:cs typeface="Arial" panose="020B0604020202020204" pitchFamily="34" charset="0"/>
+            </a:endParaRPr>
+          </a:p>
+          <a:p>
+            <a:pPr marL="0" indent="0">
+              <a:buFont typeface="Calibri" panose="020F0502020204030204" pitchFamily="34" charset="0"/>
+              <a:buNone/>
+            </a:pPr>
+            <a:endParaRPr lang="pt-BR" sz="2800" dirty="0" smtClean="0">
+              <a:latin typeface="Arial" panose="020B0604020202020204" pitchFamily="34" charset="0"/>
+              <a:cs typeface="Arial" panose="020B0604020202020204" pitchFamily="34" charset="0"/>
+            </a:endParaRPr>
+          </a:p>
+          <a:p>
+            <a:pPr marL="0" indent="0">
+              <a:buFont typeface="Calibri" panose="020F0502020204030204" pitchFamily="34" charset="0"/>
+              <a:buNone/>
+            </a:pPr>
+            <a:endParaRPr lang="pt-BR" sz="2800" dirty="0" smtClean="0">
+              <a:latin typeface="Arial" panose="020B0604020202020204" pitchFamily="34" charset="0"/>
+              <a:cs typeface="Arial" panose="020B0604020202020204" pitchFamily="34" charset="0"/>
+            </a:endParaRPr>
+          </a:p>
+          <a:p>
+            <a:pPr marL="0" indent="0">
+              <a:buFont typeface="Calibri" panose="020F0502020204030204" pitchFamily="34" charset="0"/>
+              <a:buNone/>
+            </a:pPr>
+            <a:endParaRPr lang="pt-BR" sz="2800" dirty="0">
+              <a:latin typeface="Arial" panose="020B0604020202020204" pitchFamily="34" charset="0"/>
+              <a:cs typeface="Arial" panose="020B0604020202020204" pitchFamily="34" charset="0"/>
+            </a:endParaRPr>
+          </a:p>
+        </p:txBody>
+      </p:sp>
+      <p:pic>
+        <p:nvPicPr>
+          <p:cNvPr id="8" name="Imagem 7"/>
+          <p:cNvPicPr>
+            <a:picLocks noChangeAspect="1"/>
+          </p:cNvPicPr>
+          <p:nvPr/>
+        </p:nvPicPr>
+        <p:blipFill>
+          <a:blip r:embed="rId3" cstate="print">
+            <a:extLst>
+              <a:ext uri="{28A0092B-C50C-407E-A947-70E740481C1C}">
+                <a14:useLocalDpi xmlns:a14="http://schemas.microsoft.com/office/drawing/2010/main" val="0"/>
+              </a:ext>
+            </a:extLst>
+          </a:blip>
+          <a:stretch>
+            <a:fillRect/>
+          </a:stretch>
+        </p:blipFill>
+        <p:spPr>
+          <a:xfrm>
+            <a:off x="7024815" y="2753499"/>
+            <a:ext cx="335692" cy="335692"/>
+          </a:xfrm>
+          <a:prstGeom prst="rect">
+            <a:avLst/>
+          </a:prstGeom>
+        </p:spPr>
+      </p:pic>
+      <p:pic>
+        <p:nvPicPr>
+          <p:cNvPr id="9" name="Imagem 8"/>
+          <p:cNvPicPr>
+            <a:picLocks noChangeAspect="1"/>
+          </p:cNvPicPr>
+          <p:nvPr/>
+        </p:nvPicPr>
+        <p:blipFill>
+          <a:blip r:embed="rId3" cstate="print">
+            <a:extLst>
+              <a:ext uri="{28A0092B-C50C-407E-A947-70E740481C1C}">
+                <a14:useLocalDpi xmlns:a14="http://schemas.microsoft.com/office/drawing/2010/main" val="0"/>
+              </a:ext>
+            </a:extLst>
+          </a:blip>
+          <a:stretch>
+            <a:fillRect/>
+          </a:stretch>
+        </p:blipFill>
+        <p:spPr>
+          <a:xfrm>
+            <a:off x="8645610" y="3156221"/>
+            <a:ext cx="335692" cy="335692"/>
+          </a:xfrm>
+          <a:prstGeom prst="rect">
+            <a:avLst/>
+          </a:prstGeom>
+        </p:spPr>
+      </p:pic>
+    </p:spTree>
+    <p:extLst>
+      <p:ext uri="{BB962C8B-B14F-4D97-AF65-F5344CB8AC3E}">
+        <p14:creationId xmlns:p14="http://schemas.microsoft.com/office/powerpoint/2010/main" val="1720781176"/>
+      </p:ext>
+    </p:extLst>
+  </p:cSld>
+  <p:clrMapOvr>
+    <a:masterClrMapping/>
+  </p:clrMapOvr>
+</p:sld>
+</file>
+
+<file path=ppt/slides/slide13.xml><?xml version="1.0" encoding="utf-8"?>
+<p:sld xmlns:a="http://schemas.openxmlformats.org/drawingml/2006/main" xmlns:r="http://schemas.openxmlformats.org/officeDocument/2006/relationships" xmlns:p="http://schemas.openxmlformats.org/presentationml/2006/main">
+  <p:cSld>
+    <p:spTree>
+      <p:nvGrpSpPr>
+        <p:cNvPr id="1" name=""/>
+        <p:cNvGrpSpPr/>
+        <p:nvPr/>
+      </p:nvGrpSpPr>
+      <p:grpSpPr>
+        <a:xfrm>
+          <a:off x="0" y="0"/>
+          <a:ext cx="0" cy="0"/>
+          <a:chOff x="0" y="0"/>
+          <a:chExt cx="0" cy="0"/>
+        </a:xfrm>
+      </p:grpSpPr>
+      <p:pic>
+        <p:nvPicPr>
+          <p:cNvPr id="2" name="Imagem 1">
+            <a:extLst>
+              <a:ext uri="{FF2B5EF4-FFF2-40B4-BE49-F238E27FC236}">
+                <a16:creationId xmlns:a16="http://schemas.microsoft.com/office/drawing/2014/main" xmlns="" id="{5C821069-0DB8-489A-B78E-11B18B2FFCAF}"/>
+              </a:ext>
+            </a:extLst>
+          </p:cNvPr>
+          <p:cNvPicPr>
+            <a:picLocks noChangeAspect="1"/>
+          </p:cNvPicPr>
+          <p:nvPr/>
+        </p:nvPicPr>
+        <p:blipFill>
+          <a:blip r:embed="rId2" cstate="print">
+            <a:extLst>
+              <a:ext uri="{28A0092B-C50C-407E-A947-70E740481C1C}">
+                <a14:useLocalDpi xmlns:a14="http://schemas.microsoft.com/office/drawing/2010/main" val="0"/>
+              </a:ext>
+            </a:extLst>
+          </a:blip>
+          <a:stretch>
+            <a:fillRect/>
+          </a:stretch>
+        </p:blipFill>
+        <p:spPr>
+          <a:xfrm>
+            <a:off x="11769138" y="6417276"/>
+            <a:ext cx="422862" cy="440724"/>
+          </a:xfrm>
+          <a:prstGeom prst="rect">
+            <a:avLst/>
+          </a:prstGeom>
+        </p:spPr>
+      </p:pic>
+      <p:sp>
+        <p:nvSpPr>
+          <p:cNvPr id="4" name="Espaço Reservado para Conteúdo 2">
+            <a:extLst>
+              <a:ext uri="{FF2B5EF4-FFF2-40B4-BE49-F238E27FC236}">
+                <a16:creationId xmlns:a16="http://schemas.microsoft.com/office/drawing/2014/main" xmlns="" id="{BB5DD53B-EBB0-4739-AA1A-977E1FE83896}"/>
+              </a:ext>
+            </a:extLst>
+          </p:cNvPr>
+          <p:cNvSpPr txBox="1">
+            <a:spLocks/>
+          </p:cNvSpPr>
+          <p:nvPr/>
+        </p:nvSpPr>
+        <p:spPr>
+          <a:xfrm>
+            <a:off x="866832" y="1003155"/>
+            <a:ext cx="10754025" cy="4845710"/>
+          </a:xfrm>
+          <a:prstGeom prst="rect">
+            <a:avLst/>
+          </a:prstGeom>
+        </p:spPr>
+        <p:txBody>
+          <a:bodyPr vert="horz" lIns="0" tIns="45720" rIns="0" bIns="45720" rtlCol="0">
+            <a:normAutofit/>
+          </a:bodyPr>
+          <a:lstStyle>
+            <a:lvl1pPr marL="91440" indent="-91440" algn="l" defTabSz="914400" rtl="0" eaLnBrk="1" latinLnBrk="0" hangingPunct="1">
+              <a:lnSpc>
+                <a:spcPct val="90000"/>
+              </a:lnSpc>
+              <a:spcBef>
+                <a:spcPts val="1200"/>
+              </a:spcBef>
+              <a:spcAft>
+                <a:spcPts val="200"/>
+              </a:spcAft>
+              <a:buClr>
+                <a:schemeClr val="accent1"/>
+              </a:buClr>
+              <a:buSzPct val="100000"/>
+              <a:buFont typeface="Calibri" panose="020F0502020204030204" pitchFamily="34" charset="0"/>
+              <a:buChar char=" "/>
+              <a:defRPr sz="2000" kern="1200">
+                <a:solidFill>
+                  <a:schemeClr val="tx1">
+                    <a:lumMod val="75000"/>
+                    <a:lumOff val="25000"/>
+                  </a:schemeClr>
+                </a:solidFill>
+                <a:latin typeface="+mn-lt"/>
+                <a:ea typeface="+mn-ea"/>
+                <a:cs typeface="+mn-cs"/>
+              </a:defRPr>
+            </a:lvl1pPr>
+            <a:lvl2pPr marL="384048" indent="-182880" algn="l" defTabSz="914400" rtl="0" eaLnBrk="1" latinLnBrk="0" hangingPunct="1">
+              <a:lnSpc>
+                <a:spcPct val="90000"/>
+              </a:lnSpc>
+              <a:spcBef>
+                <a:spcPts val="200"/>
+              </a:spcBef>
+              <a:spcAft>
+                <a:spcPts val="400"/>
+              </a:spcAft>
+              <a:buClr>
+                <a:schemeClr val="accent1"/>
+              </a:buClr>
+              <a:buFont typeface="Calibri" pitchFamily="34" charset="0"/>
+              <a:buChar char="◦"/>
+              <a:defRPr sz="1800" kern="1200">
+                <a:solidFill>
+                  <a:schemeClr val="tx1">
+                    <a:lumMod val="75000"/>
+                    <a:lumOff val="25000"/>
+                  </a:schemeClr>
+                </a:solidFill>
+                <a:latin typeface="+mn-lt"/>
+                <a:ea typeface="+mn-ea"/>
+                <a:cs typeface="+mn-cs"/>
+              </a:defRPr>
+            </a:lvl2pPr>
+            <a:lvl3pPr marL="566928" indent="-182880" algn="l" defTabSz="914400" rtl="0" eaLnBrk="1" latinLnBrk="0" hangingPunct="1">
+              <a:lnSpc>
+                <a:spcPct val="90000"/>
+              </a:lnSpc>
+              <a:spcBef>
+                <a:spcPts val="200"/>
+              </a:spcBef>
+              <a:spcAft>
+                <a:spcPts val="400"/>
+              </a:spcAft>
+              <a:buClr>
+                <a:schemeClr val="accent1"/>
+              </a:buClr>
+              <a:buFont typeface="Calibri" pitchFamily="34" charset="0"/>
+              <a:buChar char="◦"/>
+              <a:defRPr sz="1400" kern="1200">
+                <a:solidFill>
+                  <a:schemeClr val="tx1">
+                    <a:lumMod val="75000"/>
+                    <a:lumOff val="25000"/>
+                  </a:schemeClr>
+                </a:solidFill>
+                <a:latin typeface="+mn-lt"/>
+                <a:ea typeface="+mn-ea"/>
+                <a:cs typeface="+mn-cs"/>
+              </a:defRPr>
+            </a:lvl3pPr>
+            <a:lvl4pPr marL="749808" indent="-182880" algn="l" defTabSz="914400" rtl="0" eaLnBrk="1" latinLnBrk="0" hangingPunct="1">
+              <a:lnSpc>
+                <a:spcPct val="90000"/>
+              </a:lnSpc>
+              <a:spcBef>
+                <a:spcPts val="200"/>
+              </a:spcBef>
+              <a:spcAft>
+                <a:spcPts val="400"/>
+              </a:spcAft>
+              <a:buClr>
+                <a:schemeClr val="accent1"/>
+              </a:buClr>
+              <a:buFont typeface="Calibri" pitchFamily="34" charset="0"/>
+              <a:buChar char="◦"/>
+              <a:defRPr sz="1400" kern="1200">
+                <a:solidFill>
+                  <a:schemeClr val="tx1">
+                    <a:lumMod val="75000"/>
+                    <a:lumOff val="25000"/>
+                  </a:schemeClr>
+                </a:solidFill>
+                <a:latin typeface="+mn-lt"/>
+                <a:ea typeface="+mn-ea"/>
+                <a:cs typeface="+mn-cs"/>
+              </a:defRPr>
+            </a:lvl4pPr>
+            <a:lvl5pPr marL="932688" indent="-182880" algn="l" defTabSz="914400" rtl="0" eaLnBrk="1" latinLnBrk="0" hangingPunct="1">
+              <a:lnSpc>
+                <a:spcPct val="90000"/>
+              </a:lnSpc>
+              <a:spcBef>
+                <a:spcPts val="200"/>
+              </a:spcBef>
+              <a:spcAft>
+                <a:spcPts val="400"/>
+              </a:spcAft>
+              <a:buClr>
+                <a:schemeClr val="accent1"/>
+              </a:buClr>
+              <a:buFont typeface="Calibri" pitchFamily="34" charset="0"/>
+              <a:buChar char="◦"/>
+              <a:defRPr sz="1400" kern="1200">
+                <a:solidFill>
+                  <a:schemeClr val="tx1">
+                    <a:lumMod val="75000"/>
+                    <a:lumOff val="25000"/>
+                  </a:schemeClr>
+                </a:solidFill>
+                <a:latin typeface="+mn-lt"/>
+                <a:ea typeface="+mn-ea"/>
+                <a:cs typeface="+mn-cs"/>
+              </a:defRPr>
+            </a:lvl5pPr>
+            <a:lvl6pPr marL="1100000" indent="-228600" algn="l" defTabSz="914400" rtl="0" eaLnBrk="1" latinLnBrk="0" hangingPunct="1">
+              <a:lnSpc>
+                <a:spcPct val="90000"/>
+              </a:lnSpc>
+              <a:spcBef>
+                <a:spcPts val="200"/>
+              </a:spcBef>
+              <a:spcAft>
+                <a:spcPts val="400"/>
+              </a:spcAft>
+              <a:buClr>
+                <a:schemeClr val="accent1"/>
+              </a:buClr>
+              <a:buFont typeface="Calibri" pitchFamily="34" charset="0"/>
+              <a:buChar char="◦"/>
+              <a:defRPr sz="1400" kern="1200">
+                <a:solidFill>
+                  <a:schemeClr val="tx1">
+                    <a:lumMod val="75000"/>
+                    <a:lumOff val="25000"/>
+                  </a:schemeClr>
+                </a:solidFill>
+                <a:latin typeface="+mn-lt"/>
+                <a:ea typeface="+mn-ea"/>
+                <a:cs typeface="+mn-cs"/>
+              </a:defRPr>
+            </a:lvl6pPr>
+            <a:lvl7pPr marL="1300000" indent="-228600" algn="l" defTabSz="914400" rtl="0" eaLnBrk="1" latinLnBrk="0" hangingPunct="1">
+              <a:lnSpc>
+                <a:spcPct val="90000"/>
+              </a:lnSpc>
+              <a:spcBef>
+                <a:spcPts val="200"/>
+              </a:spcBef>
+              <a:spcAft>
+                <a:spcPts val="400"/>
+              </a:spcAft>
+              <a:buClr>
+                <a:schemeClr val="accent1"/>
+              </a:buClr>
+              <a:buFont typeface="Calibri" pitchFamily="34" charset="0"/>
+              <a:buChar char="◦"/>
+              <a:defRPr sz="1400" kern="1200">
+                <a:solidFill>
+                  <a:schemeClr val="tx1">
+                    <a:lumMod val="75000"/>
+                    <a:lumOff val="25000"/>
+                  </a:schemeClr>
+                </a:solidFill>
+                <a:latin typeface="+mn-lt"/>
+                <a:ea typeface="+mn-ea"/>
+                <a:cs typeface="+mn-cs"/>
+              </a:defRPr>
+            </a:lvl7pPr>
+            <a:lvl8pPr marL="1500000" indent="-228600" algn="l" defTabSz="914400" rtl="0" eaLnBrk="1" latinLnBrk="0" hangingPunct="1">
+              <a:lnSpc>
+                <a:spcPct val="90000"/>
+              </a:lnSpc>
+              <a:spcBef>
+                <a:spcPts val="200"/>
+              </a:spcBef>
+              <a:spcAft>
+                <a:spcPts val="400"/>
+              </a:spcAft>
+              <a:buClr>
+                <a:schemeClr val="accent1"/>
+              </a:buClr>
+              <a:buFont typeface="Calibri" pitchFamily="34" charset="0"/>
+              <a:buChar char="◦"/>
+              <a:defRPr sz="1400" kern="1200">
+                <a:solidFill>
+                  <a:schemeClr val="tx1">
+                    <a:lumMod val="75000"/>
+                    <a:lumOff val="25000"/>
+                  </a:schemeClr>
+                </a:solidFill>
+                <a:latin typeface="+mn-lt"/>
+                <a:ea typeface="+mn-ea"/>
+                <a:cs typeface="+mn-cs"/>
+              </a:defRPr>
+            </a:lvl8pPr>
+            <a:lvl9pPr marL="1700000" indent="-228600" algn="l" defTabSz="914400" rtl="0" eaLnBrk="1" latinLnBrk="0" hangingPunct="1">
+              <a:lnSpc>
+                <a:spcPct val="90000"/>
+              </a:lnSpc>
+              <a:spcBef>
+                <a:spcPts val="200"/>
+              </a:spcBef>
+              <a:spcAft>
+                <a:spcPts val="400"/>
+              </a:spcAft>
+              <a:buClr>
+                <a:schemeClr val="accent1"/>
+              </a:buClr>
+              <a:buFont typeface="Calibri" pitchFamily="34" charset="0"/>
+              <a:buChar char="◦"/>
+              <a:defRPr sz="1400" kern="1200">
+                <a:solidFill>
+                  <a:schemeClr val="tx1">
+                    <a:lumMod val="75000"/>
+                    <a:lumOff val="25000"/>
+                  </a:schemeClr>
+                </a:solidFill>
+                <a:latin typeface="+mn-lt"/>
+                <a:ea typeface="+mn-ea"/>
+                <a:cs typeface="+mn-cs"/>
+              </a:defRPr>
+            </a:lvl9pPr>
+          </a:lstStyle>
+          <a:p>
+            <a:endParaRPr lang="pt-BR" sz="2800" dirty="0" smtClean="0">
+              <a:latin typeface="Arial" panose="020B0604020202020204" pitchFamily="34" charset="0"/>
+              <a:cs typeface="Arial" panose="020B0604020202020204" pitchFamily="34" charset="0"/>
+            </a:endParaRPr>
+          </a:p>
+          <a:p>
+            <a:pPr lvl="1">
+              <a:buFont typeface="Wingdings" panose="05000000000000000000" pitchFamily="2" charset="2"/>
+              <a:buChar char="§"/>
+            </a:pPr>
+            <a:r>
+              <a:rPr lang="pt-BR" sz="2800" dirty="0" smtClean="0">
+                <a:latin typeface="Arial" panose="020B0604020202020204" pitchFamily="34" charset="0"/>
+                <a:cs typeface="Arial" panose="020B0604020202020204" pitchFamily="34" charset="0"/>
+              </a:rPr>
+              <a:t>Futuro</a:t>
+            </a:r>
+          </a:p>
+          <a:p>
+            <a:pPr lvl="2">
+              <a:buFont typeface="Wingdings" panose="05000000000000000000" pitchFamily="2" charset="2"/>
+              <a:buChar char="§"/>
+            </a:pPr>
+            <a:r>
+              <a:rPr lang="pt-BR" sz="2400" dirty="0" smtClean="0">
+                <a:latin typeface="Arial" panose="020B0604020202020204" pitchFamily="34" charset="0"/>
+                <a:cs typeface="Arial" panose="020B0604020202020204" pitchFamily="34" charset="0"/>
+              </a:rPr>
+              <a:t>Figuras</a:t>
+            </a:r>
+          </a:p>
+          <a:p>
+            <a:pPr lvl="2">
+              <a:buFont typeface="Wingdings" panose="05000000000000000000" pitchFamily="2" charset="2"/>
+              <a:buChar char="§"/>
+            </a:pPr>
+            <a:r>
+              <a:rPr lang="pt-BR" sz="2400" dirty="0" smtClean="0">
+                <a:latin typeface="Arial" panose="020B0604020202020204" pitchFamily="34" charset="0"/>
+                <a:cs typeface="Arial" panose="020B0604020202020204" pitchFamily="34" charset="0"/>
+              </a:rPr>
+              <a:t>Notificações</a:t>
+            </a:r>
+          </a:p>
+          <a:p>
+            <a:pPr lvl="2">
+              <a:buFont typeface="Wingdings" panose="05000000000000000000" pitchFamily="2" charset="2"/>
+              <a:buChar char="§"/>
+            </a:pPr>
+            <a:r>
+              <a:rPr lang="pt-BR" sz="2400" dirty="0" smtClean="0">
+                <a:latin typeface="Arial" panose="020B0604020202020204" pitchFamily="34" charset="0"/>
+                <a:cs typeface="Arial" panose="020B0604020202020204" pitchFamily="34" charset="0"/>
+              </a:rPr>
+              <a:t>Modificação e recuperação de senha via e-mail</a:t>
+            </a:r>
+          </a:p>
+          <a:p>
+            <a:pPr lvl="2">
+              <a:buFont typeface="Wingdings" panose="05000000000000000000" pitchFamily="2" charset="2"/>
+              <a:buChar char="§"/>
+            </a:pPr>
+            <a:r>
+              <a:rPr lang="pt-BR" sz="2400" dirty="0" smtClean="0">
+                <a:latin typeface="Arial" panose="020B0604020202020204" pitchFamily="34" charset="0"/>
+                <a:cs typeface="Arial" panose="020B0604020202020204" pitchFamily="34" charset="0"/>
+              </a:rPr>
+              <a:t>Trâmites financeiros</a:t>
+            </a:r>
+          </a:p>
+          <a:p>
+            <a:pPr lvl="2">
+              <a:buFont typeface="Wingdings" panose="05000000000000000000" pitchFamily="2" charset="2"/>
+              <a:buChar char="§"/>
+            </a:pPr>
+            <a:r>
+              <a:rPr lang="pt-BR" sz="2400" dirty="0" smtClean="0">
+                <a:latin typeface="Arial" panose="020B0604020202020204" pitchFamily="34" charset="0"/>
+                <a:cs typeface="Arial" panose="020B0604020202020204" pitchFamily="34" charset="0"/>
+              </a:rPr>
+              <a:t>Nota Fiscal</a:t>
+            </a:r>
+          </a:p>
+          <a:p>
+            <a:pPr lvl="2">
+              <a:buFont typeface="Wingdings" panose="05000000000000000000" pitchFamily="2" charset="2"/>
+              <a:buChar char="§"/>
+            </a:pPr>
+            <a:r>
+              <a:rPr lang="pt-BR" sz="2400" dirty="0" smtClean="0">
+                <a:latin typeface="Arial" panose="020B0604020202020204" pitchFamily="34" charset="0"/>
+                <a:cs typeface="Arial" panose="020B0604020202020204" pitchFamily="34" charset="0"/>
+              </a:rPr>
+              <a:t>Criptografia</a:t>
+            </a:r>
+          </a:p>
+          <a:p>
+            <a:pPr marL="384048" lvl="2" indent="0">
+              <a:buNone/>
+            </a:pPr>
+            <a:endParaRPr lang="pt-BR" sz="2000" dirty="0" smtClean="0">
+              <a:latin typeface="Arial" panose="020B0604020202020204" pitchFamily="34" charset="0"/>
+              <a:cs typeface="Arial" panose="020B0604020202020204" pitchFamily="34" charset="0"/>
+            </a:endParaRPr>
+          </a:p>
+          <a:p>
+            <a:pPr lvl="2">
+              <a:buFont typeface="Wingdings" panose="05000000000000000000" pitchFamily="2" charset="2"/>
+              <a:buChar char="§"/>
+            </a:pPr>
+            <a:endParaRPr lang="pt-BR" sz="2400" dirty="0" smtClean="0">
+              <a:latin typeface="Arial" panose="020B0604020202020204" pitchFamily="34" charset="0"/>
+              <a:cs typeface="Arial" panose="020B0604020202020204" pitchFamily="34" charset="0"/>
+            </a:endParaRPr>
+          </a:p>
+          <a:p>
+            <a:pPr marL="0" indent="0" algn="just">
+              <a:buFont typeface="Calibri" panose="020F0502020204030204" pitchFamily="34" charset="0"/>
+              <a:buNone/>
+            </a:pPr>
+            <a:endParaRPr lang="pt-BR" sz="2800" dirty="0" smtClean="0">
+              <a:latin typeface="Arial" panose="020B0604020202020204" pitchFamily="34" charset="0"/>
+              <a:cs typeface="Arial" panose="020B0604020202020204" pitchFamily="34" charset="0"/>
+            </a:endParaRPr>
+          </a:p>
+          <a:p>
+            <a:pPr marL="0" indent="0">
+              <a:buFont typeface="Calibri" panose="020F0502020204030204" pitchFamily="34" charset="0"/>
+              <a:buNone/>
+            </a:pPr>
+            <a:endParaRPr lang="pt-BR" sz="2800" dirty="0" smtClean="0">
+              <a:latin typeface="Arial" panose="020B0604020202020204" pitchFamily="34" charset="0"/>
+              <a:cs typeface="Arial" panose="020B0604020202020204" pitchFamily="34" charset="0"/>
+            </a:endParaRPr>
+          </a:p>
+          <a:p>
+            <a:pPr marL="0" indent="0">
+              <a:buFont typeface="Calibri" panose="020F0502020204030204" pitchFamily="34" charset="0"/>
+              <a:buNone/>
+            </a:pPr>
+            <a:endParaRPr lang="pt-BR" sz="2800" dirty="0" smtClean="0">
+              <a:latin typeface="Arial" panose="020B0604020202020204" pitchFamily="34" charset="0"/>
+              <a:cs typeface="Arial" panose="020B0604020202020204" pitchFamily="34" charset="0"/>
+            </a:endParaRPr>
+          </a:p>
+          <a:p>
+            <a:pPr marL="0" indent="0">
+              <a:buFont typeface="Calibri" panose="020F0502020204030204" pitchFamily="34" charset="0"/>
+              <a:buNone/>
+            </a:pPr>
+            <a:endParaRPr lang="pt-BR" sz="2800" dirty="0">
+              <a:latin typeface="Arial" panose="020B0604020202020204" pitchFamily="34" charset="0"/>
+              <a:cs typeface="Arial" panose="020B0604020202020204" pitchFamily="34" charset="0"/>
+            </a:endParaRPr>
+          </a:p>
+        </p:txBody>
+      </p:sp>
+    </p:spTree>
+    <p:extLst>
+      <p:ext uri="{BB962C8B-B14F-4D97-AF65-F5344CB8AC3E}">
+        <p14:creationId xmlns:p14="http://schemas.microsoft.com/office/powerpoint/2010/main" val="1655477777"/>
+      </p:ext>
+    </p:extLst>
+  </p:cSld>
+  <p:clrMapOvr>
+    <a:masterClrMapping/>
+  </p:clrMapOvr>
+</p:sld>
+</file>
+
+<file path=ppt/slides/slide14.xml><?xml version="1.0" encoding="utf-8"?>
+<p:sld xmlns:a="http://schemas.openxmlformats.org/drawingml/2006/main" xmlns:r="http://schemas.openxmlformats.org/officeDocument/2006/relationships" xmlns:p="http://schemas.openxmlformats.org/presentationml/2006/main">
+  <p:cSld>
+    <p:bg>
+      <p:bgPr>
+        <a:solidFill>
+          <a:srgbClr val="373545"/>
+        </a:solidFill>
+        <a:effectLst/>
+      </p:bgPr>
+    </p:bg>
+    <p:spTree>
+      <p:nvGrpSpPr>
+        <p:cNvPr id="1" name=""/>
+        <p:cNvGrpSpPr/>
+        <p:nvPr/>
+      </p:nvGrpSpPr>
+      <p:grpSpPr>
+        <a:xfrm>
+          <a:off x="0" y="0"/>
+          <a:ext cx="0" cy="0"/>
+          <a:chOff x="0" y="0"/>
+          <a:chExt cx="0" cy="0"/>
+        </a:xfrm>
+      </p:grpSpPr>
+      <p:pic>
+        <p:nvPicPr>
+          <p:cNvPr id="7" name="Imagem 6">
+            <a:extLst>
+              <a:ext uri="{FF2B5EF4-FFF2-40B4-BE49-F238E27FC236}">
+                <a16:creationId xmlns:a16="http://schemas.microsoft.com/office/drawing/2014/main" xmlns="" id="{C59F64E0-879C-4B37-BF00-BC8C5CDCC482}"/>
+              </a:ext>
+            </a:extLst>
+          </p:cNvPr>
+          <p:cNvPicPr>
+            <a:picLocks noChangeAspect="1"/>
+          </p:cNvPicPr>
+          <p:nvPr/>
+        </p:nvPicPr>
+        <p:blipFill rotWithShape="1">
+          <a:blip r:embed="rId2" cstate="print">
+            <a:extLst>
+              <a:ext uri="{28A0092B-C50C-407E-A947-70E740481C1C}">
+                <a14:useLocalDpi xmlns:a14="http://schemas.microsoft.com/office/drawing/2010/main" val="0"/>
+              </a:ext>
+            </a:extLst>
+          </a:blip>
+          <a:srcRect t="2709" b="731"/>
+          <a:stretch/>
+        </p:blipFill>
+        <p:spPr>
+          <a:xfrm>
+            <a:off x="0" y="971467"/>
+            <a:ext cx="12192031" cy="4915066"/>
+          </a:xfrm>
+          <a:prstGeom prst="rect">
+            <a:avLst/>
+          </a:prstGeom>
+        </p:spPr>
+      </p:pic>
+    </p:spTree>
+    <p:extLst>
+      <p:ext uri="{BB962C8B-B14F-4D97-AF65-F5344CB8AC3E}">
+        <p14:creationId xmlns:p14="http://schemas.microsoft.com/office/powerpoint/2010/main" val="425420166"/>
       </p:ext>
     </p:extLst>
   </p:cSld>
@@ -3892,7 +5804,7 @@
           <p:cNvPr id="2" name="Título 1">
             <a:extLst>
               <a:ext uri="{FF2B5EF4-FFF2-40B4-BE49-F238E27FC236}">
-                <a16:creationId xmlns:a16="http://schemas.microsoft.com/office/drawing/2014/main" id="{8E20EB79-7171-47E0-ACDE-F4B858F89259}"/>
+                <a16:creationId xmlns:a16="http://schemas.microsoft.com/office/drawing/2014/main" xmlns="" id="{8E20EB79-7171-47E0-ACDE-F4B858F89259}"/>
               </a:ext>
             </a:extLst>
           </p:cNvPr>
@@ -3920,8 +5832,19 @@
                 <a:latin typeface="Arial" panose="020B0604020202020204" pitchFamily="34" charset="0"/>
                 <a:cs typeface="Arial" panose="020B0604020202020204" pitchFamily="34" charset="0"/>
               </a:rPr>
-              <a:t>A equipe</a:t>
-            </a:r>
+              <a:t>A </a:t>
+            </a:r>
+            <a:r>
+              <a:rPr lang="pt-BR" sz="4800" dirty="0" smtClean="0">
+                <a:latin typeface="Arial" panose="020B0604020202020204" pitchFamily="34" charset="0"/>
+                <a:cs typeface="Arial" panose="020B0604020202020204" pitchFamily="34" charset="0"/>
+              </a:rPr>
+              <a:t>equipe</a:t>
+            </a:r>
+            <a:endParaRPr lang="pt-BR" sz="4800" dirty="0">
+              <a:latin typeface="Arial" panose="020B0604020202020204" pitchFamily="34" charset="0"/>
+              <a:cs typeface="Arial" panose="020B0604020202020204" pitchFamily="34" charset="0"/>
+            </a:endParaRPr>
           </a:p>
         </p:txBody>
       </p:sp>
@@ -3930,7 +5853,7 @@
           <p:cNvPr id="3" name="Espaço Reservado para Conteúdo 2">
             <a:extLst>
               <a:ext uri="{FF2B5EF4-FFF2-40B4-BE49-F238E27FC236}">
-                <a16:creationId xmlns:a16="http://schemas.microsoft.com/office/drawing/2014/main" id="{BB5DD53B-EBB0-4739-AA1A-977E1FE83896}"/>
+                <a16:creationId xmlns:a16="http://schemas.microsoft.com/office/drawing/2014/main" xmlns="" id="{BB5DD53B-EBB0-4739-AA1A-977E1FE83896}"/>
               </a:ext>
             </a:extLst>
           </p:cNvPr>
@@ -4017,6 +5940,36 @@
           </a:p>
         </p:txBody>
       </p:sp>
+      <p:pic>
+        <p:nvPicPr>
+          <p:cNvPr id="4" name="Imagem 3"/>
+          <p:cNvPicPr>
+            <a:picLocks noChangeAspect="1"/>
+          </p:cNvPicPr>
+          <p:nvPr/>
+        </p:nvPicPr>
+        <p:blipFill>
+          <a:blip r:embed="rId2" cstate="print">
+            <a:extLst>
+              <a:ext uri="{28A0092B-C50C-407E-A947-70E740481C1C}">
+                <a14:useLocalDpi xmlns:a14="http://schemas.microsoft.com/office/drawing/2010/main" val="0"/>
+              </a:ext>
+            </a:extLst>
+          </a:blip>
+          <a:stretch>
+            <a:fillRect/>
+          </a:stretch>
+        </p:blipFill>
+        <p:spPr>
+          <a:xfrm>
+            <a:off x="10575810" y="276558"/>
+            <a:ext cx="1319629" cy="864357"/>
+          </a:xfrm>
+          <a:prstGeom prst="rect">
+            <a:avLst/>
+          </a:prstGeom>
+        </p:spPr>
+      </p:pic>
     </p:spTree>
     <p:extLst>
       <p:ext uri="{BB962C8B-B14F-4D97-AF65-F5344CB8AC3E}">
@@ -4047,10 +6000,215 @@
           <a:chExt cx="0" cy="0"/>
         </a:xfrm>
       </p:grpSpPr>
+      <p:sp>
+        <p:nvSpPr>
+          <p:cNvPr id="2" name="Título 1">
+            <a:extLst>
+              <a:ext uri="{FF2B5EF4-FFF2-40B4-BE49-F238E27FC236}">
+                <a16:creationId xmlns:a16="http://schemas.microsoft.com/office/drawing/2014/main" xmlns="" id="{8E20EB79-7171-47E0-ACDE-F4B858F89259}"/>
+              </a:ext>
+            </a:extLst>
+          </p:cNvPr>
+          <p:cNvSpPr>
+            <a:spLocks noGrp="1"/>
+          </p:cNvSpPr>
+          <p:nvPr>
+            <p:ph type="title"/>
+          </p:nvPr>
+        </p:nvSpPr>
+        <p:spPr>
+          <a:xfrm>
+            <a:off x="1141413" y="276558"/>
+            <a:ext cx="9905998" cy="1452230"/>
+          </a:xfrm>
+        </p:spPr>
+        <p:txBody>
+          <a:bodyPr>
+            <a:normAutofit/>
+          </a:bodyPr>
+          <a:lstStyle/>
+          <a:p>
+            <a:r>
+              <a:rPr lang="pt-BR" dirty="0" smtClean="0">
+                <a:latin typeface="Arial" panose="020B0604020202020204" pitchFamily="34" charset="0"/>
+                <a:cs typeface="Arial" panose="020B0604020202020204" pitchFamily="34" charset="0"/>
+              </a:rPr>
+              <a:t>Sumário</a:t>
+            </a:r>
+            <a:endParaRPr lang="pt-BR" sz="4800" dirty="0">
+              <a:latin typeface="Arial" panose="020B0604020202020204" pitchFamily="34" charset="0"/>
+              <a:cs typeface="Arial" panose="020B0604020202020204" pitchFamily="34" charset="0"/>
+            </a:endParaRPr>
+          </a:p>
+        </p:txBody>
+      </p:sp>
+      <p:sp>
+        <p:nvSpPr>
+          <p:cNvPr id="3" name="Espaço Reservado para Conteúdo 2">
+            <a:extLst>
+              <a:ext uri="{FF2B5EF4-FFF2-40B4-BE49-F238E27FC236}">
+                <a16:creationId xmlns:a16="http://schemas.microsoft.com/office/drawing/2014/main" xmlns="" id="{BB5DD53B-EBB0-4739-AA1A-977E1FE83896}"/>
+              </a:ext>
+            </a:extLst>
+          </p:cNvPr>
+          <p:cNvSpPr>
+            <a:spLocks noGrp="1"/>
+          </p:cNvSpPr>
+          <p:nvPr>
+            <p:ph idx="1"/>
+          </p:nvPr>
+        </p:nvSpPr>
+        <p:spPr>
+          <a:xfrm>
+            <a:off x="1141413" y="1859890"/>
+            <a:ext cx="9905998" cy="4672715"/>
+          </a:xfrm>
+        </p:spPr>
+        <p:txBody>
+          <a:bodyPr>
+            <a:normAutofit/>
+          </a:bodyPr>
+          <a:lstStyle/>
+          <a:p>
+            <a:r>
+              <a:rPr lang="pt-BR" sz="2800" dirty="0" smtClean="0">
+                <a:latin typeface="Arial" panose="020B0604020202020204" pitchFamily="34" charset="0"/>
+                <a:cs typeface="Arial" panose="020B0604020202020204" pitchFamily="34" charset="0"/>
+              </a:rPr>
+              <a:t>Problema</a:t>
+            </a:r>
+          </a:p>
+          <a:p>
+            <a:r>
+              <a:rPr lang="pt-BR" sz="2800" dirty="0" smtClean="0">
+                <a:latin typeface="Arial" panose="020B0604020202020204" pitchFamily="34" charset="0"/>
+                <a:cs typeface="Arial" panose="020B0604020202020204" pitchFamily="34" charset="0"/>
+              </a:rPr>
+              <a:t>Justificativa</a:t>
+            </a:r>
+          </a:p>
+          <a:p>
+            <a:r>
+              <a:rPr lang="pt-BR" sz="2800" dirty="0" smtClean="0">
+                <a:latin typeface="Arial" panose="020B0604020202020204" pitchFamily="34" charset="0"/>
+                <a:cs typeface="Arial" panose="020B0604020202020204" pitchFamily="34" charset="0"/>
+              </a:rPr>
+              <a:t>Objetivo Geral</a:t>
+            </a:r>
+          </a:p>
+          <a:p>
+            <a:r>
+              <a:rPr lang="pt-BR" sz="2800" dirty="0" smtClean="0">
+                <a:latin typeface="Arial" panose="020B0604020202020204" pitchFamily="34" charset="0"/>
+                <a:cs typeface="Arial" panose="020B0604020202020204" pitchFamily="34" charset="0"/>
+              </a:rPr>
+              <a:t>Objetivos Específicos</a:t>
+            </a:r>
+          </a:p>
+          <a:p>
+            <a:r>
+              <a:rPr lang="pt-BR" sz="2800" dirty="0" smtClean="0">
+                <a:latin typeface="Arial" panose="020B0604020202020204" pitchFamily="34" charset="0"/>
+                <a:cs typeface="Arial" panose="020B0604020202020204" pitchFamily="34" charset="0"/>
+              </a:rPr>
+              <a:t>O que é a </a:t>
+            </a:r>
+            <a:r>
+              <a:rPr lang="pt-BR" sz="2800" dirty="0" err="1" smtClean="0">
+                <a:latin typeface="Arial" panose="020B0604020202020204" pitchFamily="34" charset="0"/>
+                <a:cs typeface="Arial" panose="020B0604020202020204" pitchFamily="34" charset="0"/>
+              </a:rPr>
+              <a:t>Servitiba</a:t>
+            </a:r>
+            <a:r>
+              <a:rPr lang="pt-BR" sz="2800" dirty="0" smtClean="0">
+                <a:latin typeface="Arial" panose="020B0604020202020204" pitchFamily="34" charset="0"/>
+                <a:cs typeface="Arial" panose="020B0604020202020204" pitchFamily="34" charset="0"/>
+              </a:rPr>
+              <a:t>?</a:t>
+            </a:r>
+          </a:p>
+          <a:p>
+            <a:r>
+              <a:rPr lang="pt-BR" sz="2800" dirty="0" smtClean="0">
+                <a:latin typeface="Arial" panose="020B0604020202020204" pitchFamily="34" charset="0"/>
+                <a:cs typeface="Arial" panose="020B0604020202020204" pitchFamily="34" charset="0"/>
+              </a:rPr>
+              <a:t>Requisitos</a:t>
+            </a:r>
+          </a:p>
+          <a:p>
+            <a:r>
+              <a:rPr lang="pt-BR" sz="2800" dirty="0" smtClean="0">
+                <a:latin typeface="Arial" panose="020B0604020202020204" pitchFamily="34" charset="0"/>
+                <a:cs typeface="Arial" panose="020B0604020202020204" pitchFamily="34" charset="0"/>
+              </a:rPr>
+              <a:t>Apresentação do sistema</a:t>
+            </a:r>
+          </a:p>
+          <a:p>
+            <a:r>
+              <a:rPr lang="pt-BR" sz="2800" dirty="0" smtClean="0">
+                <a:latin typeface="Arial" panose="020B0604020202020204" pitchFamily="34" charset="0"/>
+                <a:cs typeface="Arial" panose="020B0604020202020204" pitchFamily="34" charset="0"/>
+              </a:rPr>
+              <a:t>Conclusão e Trabalhos Futuros</a:t>
+            </a:r>
+          </a:p>
+          <a:p>
+            <a:endParaRPr lang="pt-BR" sz="2800" dirty="0">
+              <a:latin typeface="Arial" panose="020B0604020202020204" pitchFamily="34" charset="0"/>
+              <a:cs typeface="Arial" panose="020B0604020202020204" pitchFamily="34" charset="0"/>
+            </a:endParaRPr>
+          </a:p>
+          <a:p>
+            <a:endParaRPr lang="pt-BR" sz="2800" dirty="0">
+              <a:latin typeface="Arial" panose="020B0604020202020204" pitchFamily="34" charset="0"/>
+              <a:cs typeface="Arial" panose="020B0604020202020204" pitchFamily="34" charset="0"/>
+            </a:endParaRPr>
+          </a:p>
+        </p:txBody>
+      </p:sp>
+      <p:pic>
+        <p:nvPicPr>
+          <p:cNvPr id="5" name="Imagem 4">
+            <a:extLst>
+              <a:ext uri="{FF2B5EF4-FFF2-40B4-BE49-F238E27FC236}">
+                <a16:creationId xmlns:a16="http://schemas.microsoft.com/office/drawing/2014/main" xmlns="" id="{5C821069-0DB8-489A-B78E-11B18B2FFCAF}"/>
+              </a:ext>
+            </a:extLst>
+          </p:cNvPr>
+          <p:cNvPicPr>
+            <a:picLocks noChangeAspect="1"/>
+          </p:cNvPicPr>
+          <p:nvPr/>
+        </p:nvPicPr>
+        <p:blipFill>
+          <a:blip r:embed="rId2" cstate="print">
+            <a:extLst>
+              <a:ext uri="{28A0092B-C50C-407E-A947-70E740481C1C}">
+                <a14:useLocalDpi xmlns:a14="http://schemas.microsoft.com/office/drawing/2010/main" val="0"/>
+              </a:ext>
+            </a:extLst>
+          </a:blip>
+          <a:stretch>
+            <a:fillRect/>
+          </a:stretch>
+        </p:blipFill>
+        <p:spPr>
+          <a:xfrm>
+            <a:off x="11769138" y="6417276"/>
+            <a:ext cx="422862" cy="440724"/>
+          </a:xfrm>
+          <a:prstGeom prst="rect">
+            <a:avLst/>
+          </a:prstGeom>
+        </p:spPr>
+      </p:pic>
     </p:spTree>
     <p:extLst>
       <p:ext uri="{BB962C8B-B14F-4D97-AF65-F5344CB8AC3E}">
-        <p14:creationId xmlns:p14="http://schemas.microsoft.com/office/powerpoint/2010/main" val="1838318828"/>
+        <p14:creationId xmlns:p14="http://schemas.microsoft.com/office/powerpoint/2010/main" val="1048103846"/>
       </p:ext>
     </p:extLst>
   </p:cSld>
@@ -4077,10 +6235,189 @@
           <a:chExt cx="0" cy="0"/>
         </a:xfrm>
       </p:grpSpPr>
+      <p:sp>
+        <p:nvSpPr>
+          <p:cNvPr id="2" name="Título 1">
+            <a:extLst>
+              <a:ext uri="{FF2B5EF4-FFF2-40B4-BE49-F238E27FC236}">
+                <a16:creationId xmlns:a16="http://schemas.microsoft.com/office/drawing/2014/main" xmlns="" id="{8E20EB79-7171-47E0-ACDE-F4B858F89259}"/>
+              </a:ext>
+            </a:extLst>
+          </p:cNvPr>
+          <p:cNvSpPr>
+            <a:spLocks noGrp="1"/>
+          </p:cNvSpPr>
+          <p:nvPr>
+            <p:ph type="title"/>
+          </p:nvPr>
+        </p:nvSpPr>
+        <p:spPr>
+          <a:xfrm>
+            <a:off x="1141413" y="276558"/>
+            <a:ext cx="9905998" cy="1452230"/>
+          </a:xfrm>
+        </p:spPr>
+        <p:txBody>
+          <a:bodyPr>
+            <a:normAutofit/>
+          </a:bodyPr>
+          <a:lstStyle/>
+          <a:p>
+            <a:r>
+              <a:rPr lang="pt-BR" dirty="0" smtClean="0">
+                <a:latin typeface="Arial" panose="020B0604020202020204" pitchFamily="34" charset="0"/>
+                <a:cs typeface="Arial" panose="020B0604020202020204" pitchFamily="34" charset="0"/>
+              </a:rPr>
+              <a:t>Problema</a:t>
+            </a:r>
+            <a:endParaRPr lang="pt-BR" sz="4800" dirty="0">
+              <a:latin typeface="Arial" panose="020B0604020202020204" pitchFamily="34" charset="0"/>
+              <a:cs typeface="Arial" panose="020B0604020202020204" pitchFamily="34" charset="0"/>
+            </a:endParaRPr>
+          </a:p>
+        </p:txBody>
+      </p:sp>
+      <p:sp>
+        <p:nvSpPr>
+          <p:cNvPr id="3" name="Espaço Reservado para Conteúdo 2">
+            <a:extLst>
+              <a:ext uri="{FF2B5EF4-FFF2-40B4-BE49-F238E27FC236}">
+                <a16:creationId xmlns:a16="http://schemas.microsoft.com/office/drawing/2014/main" xmlns="" id="{BB5DD53B-EBB0-4739-AA1A-977E1FE83896}"/>
+              </a:ext>
+            </a:extLst>
+          </p:cNvPr>
+          <p:cNvSpPr>
+            <a:spLocks noGrp="1"/>
+          </p:cNvSpPr>
+          <p:nvPr>
+            <p:ph idx="1"/>
+          </p:nvPr>
+        </p:nvSpPr>
+        <p:spPr>
+          <a:xfrm>
+            <a:off x="1141413" y="1859891"/>
+            <a:ext cx="9905998" cy="2687396"/>
+          </a:xfrm>
+        </p:spPr>
+        <p:txBody>
+          <a:bodyPr>
+            <a:normAutofit/>
+          </a:bodyPr>
+          <a:lstStyle/>
+          <a:p>
+            <a:endParaRPr lang="pt-BR" sz="2800" dirty="0">
+              <a:latin typeface="Arial" panose="020B0604020202020204" pitchFamily="34" charset="0"/>
+              <a:cs typeface="Arial" panose="020B0604020202020204" pitchFamily="34" charset="0"/>
+            </a:endParaRPr>
+          </a:p>
+          <a:p>
+            <a:pPr>
+              <a:buFont typeface="Wingdings" panose="05000000000000000000" pitchFamily="2" charset="2"/>
+              <a:buChar char="§"/>
+            </a:pPr>
+            <a:r>
+              <a:rPr lang="pt-BR" sz="2800" dirty="0" smtClean="0">
+                <a:latin typeface="Arial" panose="020B0604020202020204" pitchFamily="34" charset="0"/>
+                <a:cs typeface="Arial" panose="020B0604020202020204" pitchFamily="34" charset="0"/>
+              </a:rPr>
+              <a:t>Falta de padronização</a:t>
+            </a:r>
+          </a:p>
+          <a:p>
+            <a:pPr>
+              <a:buFont typeface="Wingdings" panose="05000000000000000000" pitchFamily="2" charset="2"/>
+              <a:buChar char="§"/>
+            </a:pPr>
+            <a:r>
+              <a:rPr lang="pt-BR" sz="2800" dirty="0" smtClean="0">
+                <a:latin typeface="Arial" panose="020B0604020202020204" pitchFamily="34" charset="0"/>
+                <a:cs typeface="Arial" panose="020B0604020202020204" pitchFamily="34" charset="0"/>
+              </a:rPr>
+              <a:t>Informação não confiável</a:t>
+            </a:r>
+          </a:p>
+          <a:p>
+            <a:pPr>
+              <a:buFont typeface="Wingdings" panose="05000000000000000000" pitchFamily="2" charset="2"/>
+              <a:buChar char="§"/>
+            </a:pPr>
+            <a:r>
+              <a:rPr lang="pt-BR" sz="2800" dirty="0" smtClean="0">
+                <a:latin typeface="Arial" panose="020B0604020202020204" pitchFamily="34" charset="0"/>
+                <a:cs typeface="Arial" panose="020B0604020202020204" pitchFamily="34" charset="0"/>
+              </a:rPr>
+              <a:t>Problemas com pagamento</a:t>
+            </a:r>
+          </a:p>
+          <a:p>
+            <a:pPr marL="0" indent="0">
+              <a:buNone/>
+            </a:pPr>
+            <a:endParaRPr lang="pt-BR" sz="2800" dirty="0" smtClean="0">
+              <a:latin typeface="Arial" panose="020B0604020202020204" pitchFamily="34" charset="0"/>
+              <a:cs typeface="Arial" panose="020B0604020202020204" pitchFamily="34" charset="0"/>
+            </a:endParaRPr>
+          </a:p>
+          <a:p>
+            <a:pPr marL="0" indent="0">
+              <a:buNone/>
+            </a:pPr>
+            <a:endParaRPr lang="pt-BR" sz="2800" dirty="0">
+              <a:latin typeface="Arial" panose="020B0604020202020204" pitchFamily="34" charset="0"/>
+              <a:cs typeface="Arial" panose="020B0604020202020204" pitchFamily="34" charset="0"/>
+            </a:endParaRPr>
+          </a:p>
+          <a:p>
+            <a:pPr marL="0" indent="0">
+              <a:buNone/>
+            </a:pPr>
+            <a:endParaRPr lang="pt-BR" sz="2800" dirty="0">
+              <a:latin typeface="Arial" panose="020B0604020202020204" pitchFamily="34" charset="0"/>
+              <a:cs typeface="Arial" panose="020B0604020202020204" pitchFamily="34" charset="0"/>
+            </a:endParaRPr>
+          </a:p>
+        </p:txBody>
+      </p:sp>
+      <p:pic>
+        <p:nvPicPr>
+          <p:cNvPr id="5" name="Imagem 4">
+            <a:extLst>
+              <a:ext uri="{FF2B5EF4-FFF2-40B4-BE49-F238E27FC236}">
+                <a16:creationId xmlns:a16="http://schemas.microsoft.com/office/drawing/2014/main" xmlns="" id="{5C821069-0DB8-489A-B78E-11B18B2FFCAF}"/>
+              </a:ext>
+            </a:extLst>
+          </p:cNvPr>
+          <p:cNvPicPr>
+            <a:picLocks noChangeAspect="1"/>
+          </p:cNvPicPr>
+          <p:nvPr/>
+        </p:nvPicPr>
+        <p:blipFill>
+          <a:blip r:embed="rId2" cstate="print">
+            <a:extLst>
+              <a:ext uri="{28A0092B-C50C-407E-A947-70E740481C1C}">
+                <a14:useLocalDpi xmlns:a14="http://schemas.microsoft.com/office/drawing/2010/main" val="0"/>
+              </a:ext>
+            </a:extLst>
+          </a:blip>
+          <a:stretch>
+            <a:fillRect/>
+          </a:stretch>
+        </p:blipFill>
+        <p:spPr>
+          <a:xfrm>
+            <a:off x="11769138" y="6417276"/>
+            <a:ext cx="422862" cy="440724"/>
+          </a:xfrm>
+          <a:prstGeom prst="rect">
+            <a:avLst/>
+          </a:prstGeom>
+        </p:spPr>
+      </p:pic>
     </p:spTree>
     <p:extLst>
       <p:ext uri="{BB962C8B-B14F-4D97-AF65-F5344CB8AC3E}">
-        <p14:creationId xmlns:p14="http://schemas.microsoft.com/office/powerpoint/2010/main" val="503168412"/>
+        <p14:creationId xmlns:p14="http://schemas.microsoft.com/office/powerpoint/2010/main" val="1192716287"/>
       </p:ext>
     </p:extLst>
   </p:cSld>
@@ -4109,10 +6446,10 @@
       </p:grpSpPr>
       <p:sp>
         <p:nvSpPr>
-          <p:cNvPr id="3" name="Espaço Reservado para Conteúdo 2">
+          <p:cNvPr id="2" name="Título 1">
             <a:extLst>
               <a:ext uri="{FF2B5EF4-FFF2-40B4-BE49-F238E27FC236}">
-                <a16:creationId xmlns:a16="http://schemas.microsoft.com/office/drawing/2014/main" id="{BB5DD53B-EBB0-4739-AA1A-977E1FE83896}"/>
+                <a16:creationId xmlns:a16="http://schemas.microsoft.com/office/drawing/2014/main" xmlns="" id="{8E20EB79-7171-47E0-ACDE-F4B858F89259}"/>
               </a:ext>
             </a:extLst>
           </p:cNvPr>
@@ -4120,244 +6457,116 @@
             <a:spLocks noGrp="1"/>
           </p:cNvSpPr>
           <p:nvPr>
-            <p:ph idx="1"/>
+            <p:ph type="title"/>
           </p:nvPr>
         </p:nvSpPr>
         <p:spPr>
           <a:xfrm>
-            <a:off x="360638" y="344557"/>
-            <a:ext cx="11261519" cy="6188765"/>
+            <a:off x="1141413" y="276558"/>
+            <a:ext cx="9905998" cy="1452230"/>
           </a:xfrm>
         </p:spPr>
         <p:txBody>
           <a:bodyPr>
-            <a:normAutofit fontScale="47500" lnSpcReduction="20000"/>
+            <a:normAutofit/>
           </a:bodyPr>
           <a:lstStyle/>
           <a:p>
             <a:r>
-              <a:rPr lang="pt-BR" sz="5900" dirty="0">
-                <a:effectLst>
-                  <a:glow rad="38100">
-                    <a:schemeClr val="bg1">
-                      <a:lumMod val="50000"/>
-                      <a:lumOff val="50000"/>
-                      <a:alpha val="20000"/>
-                    </a:schemeClr>
-                  </a:glow>
-                </a:effectLst>
+              <a:rPr lang="pt-BR" dirty="0" smtClean="0">
                 <a:latin typeface="Arial" panose="020B0604020202020204" pitchFamily="34" charset="0"/>
                 <a:cs typeface="Arial" panose="020B0604020202020204" pitchFamily="34" charset="0"/>
               </a:rPr>
-              <a:t>EQUIPE - RONALDO</a:t>
-            </a:r>
-          </a:p>
-          <a:p>
-            <a:r>
-              <a:rPr lang="pt-BR" sz="5900" dirty="0">
-                <a:effectLst>
-                  <a:glow rad="38100">
-                    <a:schemeClr val="bg1">
-                      <a:lumMod val="50000"/>
-                      <a:lumOff val="50000"/>
-                      <a:alpha val="20000"/>
-                    </a:schemeClr>
-                  </a:glow>
-                </a:effectLst>
+              <a:t>Justificativa</a:t>
+            </a:r>
+            <a:endParaRPr lang="pt-BR" sz="4800" dirty="0">
+              <a:latin typeface="Arial" panose="020B0604020202020204" pitchFamily="34" charset="0"/>
+              <a:cs typeface="Arial" panose="020B0604020202020204" pitchFamily="34" charset="0"/>
+            </a:endParaRPr>
+          </a:p>
+        </p:txBody>
+      </p:sp>
+      <p:sp>
+        <p:nvSpPr>
+          <p:cNvPr id="3" name="Espaço Reservado para Conteúdo 2">
+            <a:extLst>
+              <a:ext uri="{FF2B5EF4-FFF2-40B4-BE49-F238E27FC236}">
+                <a16:creationId xmlns:a16="http://schemas.microsoft.com/office/drawing/2014/main" xmlns="" id="{BB5DD53B-EBB0-4739-AA1A-977E1FE83896}"/>
+              </a:ext>
+            </a:extLst>
+          </p:cNvPr>
+          <p:cNvSpPr>
+            <a:spLocks noGrp="1"/>
+          </p:cNvSpPr>
+          <p:nvPr>
+            <p:ph idx="1"/>
+          </p:nvPr>
+        </p:nvSpPr>
+        <p:spPr>
+          <a:xfrm>
+            <a:off x="1141413" y="1859891"/>
+            <a:ext cx="9905998" cy="2687396"/>
+          </a:xfrm>
+        </p:spPr>
+        <p:txBody>
+          <a:bodyPr>
+            <a:normAutofit/>
+          </a:bodyPr>
+          <a:lstStyle/>
+          <a:p>
+            <a:endParaRPr lang="pt-BR" sz="2800" dirty="0">
+              <a:latin typeface="Arial" panose="020B0604020202020204" pitchFamily="34" charset="0"/>
+              <a:cs typeface="Arial" panose="020B0604020202020204" pitchFamily="34" charset="0"/>
+            </a:endParaRPr>
+          </a:p>
+          <a:p>
+            <a:pPr algn="just">
+              <a:buFont typeface="Wingdings" panose="05000000000000000000" pitchFamily="2" charset="2"/>
+              <a:buChar char="§"/>
+            </a:pPr>
+            <a:r>
+              <a:rPr lang="pt-BR" sz="2800" dirty="0" smtClean="0">
                 <a:latin typeface="Arial" panose="020B0604020202020204" pitchFamily="34" charset="0"/>
                 <a:cs typeface="Arial" panose="020B0604020202020204" pitchFamily="34" charset="0"/>
               </a:rPr>
-              <a:t>SUMARIO – RONALDO </a:t>
-            </a:r>
-          </a:p>
-          <a:p>
-            <a:r>
-              <a:rPr lang="pt-BR" sz="5900" dirty="0">
-                <a:effectLst>
-                  <a:glow rad="38100">
-                    <a:schemeClr val="bg1">
-                      <a:lumMod val="50000"/>
-                      <a:lumOff val="50000"/>
-                      <a:alpha val="20000"/>
-                    </a:schemeClr>
-                  </a:glow>
-                </a:effectLst>
-                <a:latin typeface="Arial" panose="020B0604020202020204" pitchFamily="34" charset="0"/>
-                <a:cs typeface="Arial" panose="020B0604020202020204" pitchFamily="34" charset="0"/>
-              </a:rPr>
-              <a:t>PROBLEMA - MATTEI</a:t>
-            </a:r>
-          </a:p>
-          <a:p>
-            <a:r>
-              <a:rPr lang="pt-BR" sz="5900" dirty="0">
-                <a:effectLst>
-                  <a:glow rad="38100">
-                    <a:schemeClr val="bg1">
-                      <a:lumMod val="50000"/>
-                      <a:lumOff val="50000"/>
-                      <a:alpha val="20000"/>
-                    </a:schemeClr>
-                  </a:glow>
-                </a:effectLst>
-                <a:latin typeface="Arial" panose="020B0604020202020204" pitchFamily="34" charset="0"/>
-                <a:cs typeface="Arial" panose="020B0604020202020204" pitchFamily="34" charset="0"/>
-              </a:rPr>
-              <a:t>JUSTIFICATIVA - MATTEI</a:t>
-            </a:r>
-          </a:p>
-          <a:p>
-            <a:r>
-              <a:rPr lang="pt-BR" sz="5900" dirty="0">
-                <a:effectLst>
-                  <a:glow rad="38100">
-                    <a:schemeClr val="bg1">
-                      <a:lumMod val="50000"/>
-                      <a:lumOff val="50000"/>
-                      <a:alpha val="20000"/>
-                    </a:schemeClr>
-                  </a:glow>
-                </a:effectLst>
-                <a:latin typeface="Arial" panose="020B0604020202020204" pitchFamily="34" charset="0"/>
-                <a:cs typeface="Arial" panose="020B0604020202020204" pitchFamily="34" charset="0"/>
-              </a:rPr>
-              <a:t>OBJ GERAL - NICO</a:t>
-            </a:r>
-          </a:p>
-          <a:p>
-            <a:r>
-              <a:rPr lang="pt-BR" sz="5900" dirty="0">
-                <a:effectLst>
-                  <a:glow rad="38100">
-                    <a:schemeClr val="bg1">
-                      <a:lumMod val="50000"/>
-                      <a:lumOff val="50000"/>
-                      <a:alpha val="20000"/>
-                    </a:schemeClr>
-                  </a:glow>
-                </a:effectLst>
-                <a:latin typeface="Arial" panose="020B0604020202020204" pitchFamily="34" charset="0"/>
-                <a:cs typeface="Arial" panose="020B0604020202020204" pitchFamily="34" charset="0"/>
-              </a:rPr>
-              <a:t>OBJ ESPECIFICO - NICO</a:t>
-            </a:r>
-          </a:p>
-          <a:p>
-            <a:r>
-              <a:rPr lang="pt-BR" sz="5900" dirty="0">
-                <a:effectLst>
-                  <a:glow rad="38100">
-                    <a:schemeClr val="bg1">
-                      <a:lumMod val="50000"/>
-                      <a:lumOff val="50000"/>
-                      <a:alpha val="20000"/>
-                    </a:schemeClr>
-                  </a:glow>
-                </a:effectLst>
-                <a:latin typeface="Arial" panose="020B0604020202020204" pitchFamily="34" charset="0"/>
-                <a:cs typeface="Arial" panose="020B0604020202020204" pitchFamily="34" charset="0"/>
-              </a:rPr>
-              <a:t>O QUE É A SERVITIBA – 2.2 E 2.3 - LEONARDO</a:t>
-            </a:r>
-          </a:p>
-          <a:p>
-            <a:r>
-              <a:rPr lang="pt-BR" sz="5900" dirty="0">
-                <a:effectLst>
-                  <a:glow rad="38100">
-                    <a:schemeClr val="bg1">
-                      <a:lumMod val="50000"/>
-                      <a:lumOff val="50000"/>
-                      <a:alpha val="20000"/>
-                    </a:schemeClr>
-                  </a:glow>
-                </a:effectLst>
-                <a:latin typeface="Arial" panose="020B0604020202020204" pitchFamily="34" charset="0"/>
-                <a:cs typeface="Arial" panose="020B0604020202020204" pitchFamily="34" charset="0"/>
-              </a:rPr>
-              <a:t>REQUISITOS DO SISTEMA – COLOCAR TÍTULOS - VICTOR</a:t>
-            </a:r>
-          </a:p>
-          <a:p>
-            <a:r>
-              <a:rPr lang="pt-BR" sz="5900" dirty="0">
-                <a:effectLst>
-                  <a:glow rad="38100">
-                    <a:schemeClr val="bg1">
-                      <a:lumMod val="50000"/>
-                      <a:lumOff val="50000"/>
-                      <a:alpha val="20000"/>
-                    </a:schemeClr>
-                  </a:glow>
-                </a:effectLst>
-                <a:latin typeface="Arial" panose="020B0604020202020204" pitchFamily="34" charset="0"/>
-                <a:cs typeface="Arial" panose="020B0604020202020204" pitchFamily="34" charset="0"/>
-              </a:rPr>
-              <a:t>APRESENTAÇÃO DO SISTEMA – RONALDO,VICTOR</a:t>
-            </a:r>
-          </a:p>
-          <a:p>
-            <a:r>
-              <a:rPr lang="pt-BR" sz="5900" dirty="0">
-                <a:effectLst>
-                  <a:glow rad="38100">
-                    <a:schemeClr val="bg1">
-                      <a:lumMod val="50000"/>
-                      <a:lumOff val="50000"/>
-                      <a:alpha val="20000"/>
-                    </a:schemeClr>
-                  </a:glow>
-                </a:effectLst>
-                <a:latin typeface="Arial" panose="020B0604020202020204" pitchFamily="34" charset="0"/>
-                <a:cs typeface="Arial" panose="020B0604020202020204" pitchFamily="34" charset="0"/>
-              </a:rPr>
-              <a:t>CONCLUSÃO – TRAB FUTUROS - LEONARDO</a:t>
-            </a:r>
-          </a:p>
-          <a:p>
-            <a:endParaRPr lang="pt-BR" sz="5900" dirty="0">
-              <a:effectLst>
-                <a:glow rad="38100">
-                  <a:schemeClr val="bg1">
-                    <a:lumMod val="50000"/>
-                    <a:lumOff val="50000"/>
-                    <a:alpha val="20000"/>
-                  </a:schemeClr>
-                </a:glow>
-              </a:effectLst>
+              <a:t>Buscar a solução do problema, padronizando as ofertas de serviços; reunir informações e avaliações dos clientes e empresas.</a:t>
+            </a:r>
+          </a:p>
+          <a:p>
+            <a:pPr marL="0" indent="0">
+              <a:buNone/>
+            </a:pPr>
+            <a:endParaRPr lang="pt-BR" sz="2800" dirty="0" smtClean="0">
               <a:latin typeface="Arial" panose="020B0604020202020204" pitchFamily="34" charset="0"/>
               <a:cs typeface="Arial" panose="020B0604020202020204" pitchFamily="34" charset="0"/>
             </a:endParaRPr>
           </a:p>
           <a:p>
-            <a:r>
-              <a:rPr lang="pt-BR" sz="5900" dirty="0">
-                <a:effectLst>
-                  <a:glow rad="38100">
-                    <a:schemeClr val="bg1">
-                      <a:lumMod val="50000"/>
-                      <a:lumOff val="50000"/>
-                      <a:alpha val="20000"/>
-                    </a:schemeClr>
-                  </a:glow>
-                </a:effectLst>
-                <a:latin typeface="Arial" panose="020B0604020202020204" pitchFamily="34" charset="0"/>
-                <a:cs typeface="Arial" panose="020B0604020202020204" pitchFamily="34" charset="0"/>
-              </a:rPr>
-              <a:t>/1 SLIDE PRA CADA</a:t>
-            </a:r>
-          </a:p>
-          <a:p>
-            <a:endParaRPr lang="pt-BR" sz="2800" dirty="0"/>
+            <a:pPr marL="0" indent="0">
+              <a:buNone/>
+            </a:pPr>
+            <a:endParaRPr lang="pt-BR" sz="2800" dirty="0">
+              <a:latin typeface="Arial" panose="020B0604020202020204" pitchFamily="34" charset="0"/>
+              <a:cs typeface="Arial" panose="020B0604020202020204" pitchFamily="34" charset="0"/>
+            </a:endParaRPr>
+          </a:p>
+          <a:p>
+            <a:pPr marL="0" indent="0">
+              <a:buNone/>
+            </a:pPr>
+            <a:endParaRPr lang="pt-BR" sz="2800" dirty="0">
+              <a:latin typeface="Arial" panose="020B0604020202020204" pitchFamily="34" charset="0"/>
+              <a:cs typeface="Arial" panose="020B0604020202020204" pitchFamily="34" charset="0"/>
+            </a:endParaRPr>
           </a:p>
         </p:txBody>
       </p:sp>
       <p:pic>
         <p:nvPicPr>
-          <p:cNvPr id="7" name="Imagem 6">
+          <p:cNvPr id="5" name="Imagem 4">
             <a:extLst>
               <a:ext uri="{FF2B5EF4-FFF2-40B4-BE49-F238E27FC236}">
-                <a16:creationId xmlns:a16="http://schemas.microsoft.com/office/drawing/2014/main" id="{5C821069-0DB8-489A-B78E-11B18B2FFCAF}"/>
+                <a16:creationId xmlns:a16="http://schemas.microsoft.com/office/drawing/2014/main" xmlns="" id="{5C821069-0DB8-489A-B78E-11B18B2FFCAF}"/>
               </a:ext>
             </a:extLst>
           </p:cNvPr>
@@ -4367,7 +6576,7 @@
           <p:nvPr/>
         </p:nvPicPr>
         <p:blipFill>
-          <a:blip r:embed="rId2">
+          <a:blip r:embed="rId2" cstate="print">
             <a:extLst>
               <a:ext uri="{28A0092B-C50C-407E-A947-70E740481C1C}">
                 <a14:useLocalDpi xmlns:a14="http://schemas.microsoft.com/office/drawing/2010/main" val="0"/>
@@ -4380,8 +6589,8 @@
         </p:blipFill>
         <p:spPr>
           <a:xfrm>
-            <a:off x="10263460" y="4998110"/>
-            <a:ext cx="1567902" cy="1634133"/>
+            <a:off x="11769138" y="6417276"/>
+            <a:ext cx="422862" cy="440724"/>
           </a:xfrm>
           <a:prstGeom prst="rect">
             <a:avLst/>
@@ -4391,7 +6600,7 @@
     </p:spTree>
     <p:extLst>
       <p:ext uri="{BB962C8B-B14F-4D97-AF65-F5344CB8AC3E}">
-        <p14:creationId xmlns:p14="http://schemas.microsoft.com/office/powerpoint/2010/main" val="4135987546"/>
+        <p14:creationId xmlns:p14="http://schemas.microsoft.com/office/powerpoint/2010/main" val="3744865324"/>
       </p:ext>
     </p:extLst>
   </p:cSld>
@@ -4423,7 +6632,7 @@
           <p:cNvPr id="2" name="Título 1">
             <a:extLst>
               <a:ext uri="{FF2B5EF4-FFF2-40B4-BE49-F238E27FC236}">
-                <a16:creationId xmlns:a16="http://schemas.microsoft.com/office/drawing/2014/main" id="{3C204CB4-B65C-4746-8ED0-0E42A9EC0F00}"/>
+                <a16:creationId xmlns:a16="http://schemas.microsoft.com/office/drawing/2014/main" xmlns="" id="{8E20EB79-7171-47E0-ACDE-F4B858F89259}"/>
               </a:ext>
             </a:extLst>
           </p:cNvPr>
@@ -4436,8 +6645,8 @@
         </p:nvSpPr>
         <p:spPr>
           <a:xfrm>
-            <a:off x="2857101" y="554736"/>
-            <a:ext cx="6477794" cy="1905000"/>
+            <a:off x="1141413" y="276558"/>
+            <a:ext cx="9905998" cy="1452230"/>
           </a:xfrm>
         </p:spPr>
         <p:txBody>
@@ -4447,26 +6656,91 @@
           <a:lstStyle/>
           <a:p>
             <a:r>
-              <a:rPr lang="pt-BR" sz="4400" dirty="0">
-                <a:effectLst>
-                  <a:glow rad="38100">
-                    <a:schemeClr val="bg1">
-                      <a:lumMod val="65000"/>
-                      <a:lumOff val="35000"/>
-                      <a:alpha val="40000"/>
-                    </a:schemeClr>
-                  </a:glow>
-                  <a:outerShdw blurRad="38100" dist="38100" dir="2700000" algn="tl">
-                    <a:srgbClr val="000000">
-                      <a:alpha val="43137"/>
-                    </a:srgbClr>
-                  </a:outerShdw>
-                </a:effectLst>
+              <a:rPr lang="pt-BR" dirty="0" smtClean="0">
                 <a:latin typeface="Arial" panose="020B0604020202020204" pitchFamily="34" charset="0"/>
                 <a:cs typeface="Arial" panose="020B0604020202020204" pitchFamily="34" charset="0"/>
               </a:rPr>
-              <a:t>O que é a servitiba?</a:t>
-            </a:r>
+              <a:t>Objetivo Geral</a:t>
+            </a:r>
+            <a:endParaRPr lang="pt-BR" sz="4800" dirty="0">
+              <a:latin typeface="Arial" panose="020B0604020202020204" pitchFamily="34" charset="0"/>
+              <a:cs typeface="Arial" panose="020B0604020202020204" pitchFamily="34" charset="0"/>
+            </a:endParaRPr>
+          </a:p>
+        </p:txBody>
+      </p:sp>
+      <p:sp>
+        <p:nvSpPr>
+          <p:cNvPr id="3" name="Espaço Reservado para Conteúdo 2">
+            <a:extLst>
+              <a:ext uri="{FF2B5EF4-FFF2-40B4-BE49-F238E27FC236}">
+                <a16:creationId xmlns:a16="http://schemas.microsoft.com/office/drawing/2014/main" xmlns="" id="{BB5DD53B-EBB0-4739-AA1A-977E1FE83896}"/>
+              </a:ext>
+            </a:extLst>
+          </p:cNvPr>
+          <p:cNvSpPr>
+            <a:spLocks noGrp="1"/>
+          </p:cNvSpPr>
+          <p:nvPr>
+            <p:ph idx="1"/>
+          </p:nvPr>
+        </p:nvSpPr>
+        <p:spPr>
+          <a:xfrm>
+            <a:off x="1141413" y="1859891"/>
+            <a:ext cx="9905998" cy="2687396"/>
+          </a:xfrm>
+        </p:spPr>
+        <p:txBody>
+          <a:bodyPr>
+            <a:normAutofit/>
+          </a:bodyPr>
+          <a:lstStyle/>
+          <a:p>
+            <a:endParaRPr lang="pt-BR" sz="2800" dirty="0">
+              <a:latin typeface="Arial" panose="020B0604020202020204" pitchFamily="34" charset="0"/>
+              <a:cs typeface="Arial" panose="020B0604020202020204" pitchFamily="34" charset="0"/>
+            </a:endParaRPr>
+          </a:p>
+          <a:p>
+            <a:pPr algn="just">
+              <a:buFont typeface="Wingdings" panose="05000000000000000000" pitchFamily="2" charset="2"/>
+              <a:buChar char="§"/>
+            </a:pPr>
+            <a:r>
+              <a:rPr lang="pt-BR" sz="2800" dirty="0" smtClean="0">
+                <a:latin typeface="Arial" panose="020B0604020202020204" pitchFamily="34" charset="0"/>
+                <a:cs typeface="Arial" panose="020B0604020202020204" pitchFamily="34" charset="0"/>
+              </a:rPr>
+              <a:t>Desenvolver uma plataforma web de intermediação de prestadores de serviço e contratantes, que garanta segurança e praticidade à ambos em todo o processo contratual</a:t>
+            </a:r>
+          </a:p>
+          <a:p>
+            <a:pPr marL="0" indent="0">
+              <a:buNone/>
+            </a:pPr>
+            <a:endParaRPr lang="pt-BR" sz="2800" dirty="0" smtClean="0">
+              <a:latin typeface="Arial" panose="020B0604020202020204" pitchFamily="34" charset="0"/>
+              <a:cs typeface="Arial" panose="020B0604020202020204" pitchFamily="34" charset="0"/>
+            </a:endParaRPr>
+          </a:p>
+          <a:p>
+            <a:pPr marL="0" indent="0">
+              <a:buNone/>
+            </a:pPr>
+            <a:endParaRPr lang="pt-BR" sz="2800" dirty="0">
+              <a:latin typeface="Arial" panose="020B0604020202020204" pitchFamily="34" charset="0"/>
+              <a:cs typeface="Arial" panose="020B0604020202020204" pitchFamily="34" charset="0"/>
+            </a:endParaRPr>
+          </a:p>
+          <a:p>
+            <a:pPr marL="0" indent="0">
+              <a:buNone/>
+            </a:pPr>
+            <a:endParaRPr lang="pt-BR" sz="2800" dirty="0">
+              <a:latin typeface="Arial" panose="020B0604020202020204" pitchFamily="34" charset="0"/>
+              <a:cs typeface="Arial" panose="020B0604020202020204" pitchFamily="34" charset="0"/>
+            </a:endParaRPr>
           </a:p>
         </p:txBody>
       </p:sp>
@@ -4475,7 +6749,7 @@
           <p:cNvPr id="5" name="Imagem 4">
             <a:extLst>
               <a:ext uri="{FF2B5EF4-FFF2-40B4-BE49-F238E27FC236}">
-                <a16:creationId xmlns:a16="http://schemas.microsoft.com/office/drawing/2014/main" id="{847E0798-54A8-451E-8277-C5B4D48AF4E4}"/>
+                <a16:creationId xmlns:a16="http://schemas.microsoft.com/office/drawing/2014/main" xmlns="" id="{5C821069-0DB8-489A-B78E-11B18B2FFCAF}"/>
               </a:ext>
             </a:extLst>
           </p:cNvPr>
@@ -4485,7 +6759,7 @@
           <p:nvPr/>
         </p:nvPicPr>
         <p:blipFill>
-          <a:blip r:embed="rId2">
+          <a:blip r:embed="rId2" cstate="print">
             <a:extLst>
               <a:ext uri="{28A0092B-C50C-407E-A947-70E740481C1C}">
                 <a14:useLocalDpi xmlns:a14="http://schemas.microsoft.com/office/drawing/2010/main" val="0"/>
@@ -4498,8 +6772,8 @@
         </p:blipFill>
         <p:spPr>
           <a:xfrm>
-            <a:off x="4614055" y="2029968"/>
-            <a:ext cx="2963887" cy="3089088"/>
+            <a:off x="11769138" y="6417276"/>
+            <a:ext cx="422862" cy="440724"/>
           </a:xfrm>
           <a:prstGeom prst="rect">
             <a:avLst/>
@@ -4509,7 +6783,7 @@
     </p:spTree>
     <p:extLst>
       <p:ext uri="{BB962C8B-B14F-4D97-AF65-F5344CB8AC3E}">
-        <p14:creationId xmlns:p14="http://schemas.microsoft.com/office/powerpoint/2010/main" val="3703273507"/>
+        <p14:creationId xmlns:p14="http://schemas.microsoft.com/office/powerpoint/2010/main" val="3283197853"/>
       </p:ext>
     </p:extLst>
   </p:cSld>
@@ -4541,7 +6815,7 @@
           <p:cNvPr id="2" name="Título 1">
             <a:extLst>
               <a:ext uri="{FF2B5EF4-FFF2-40B4-BE49-F238E27FC236}">
-                <a16:creationId xmlns:a16="http://schemas.microsoft.com/office/drawing/2014/main" id="{FEBF374E-8C79-46AB-AFDD-47D2805E1CC8}"/>
+                <a16:creationId xmlns:a16="http://schemas.microsoft.com/office/drawing/2014/main" xmlns="" id="{8E20EB79-7171-47E0-ACDE-F4B858F89259}"/>
               </a:ext>
             </a:extLst>
           </p:cNvPr>
@@ -4554,8 +6828,8 @@
         </p:nvSpPr>
         <p:spPr>
           <a:xfrm>
-            <a:off x="1690782" y="114300"/>
-            <a:ext cx="8807259" cy="1905000"/>
+            <a:off x="1141413" y="276558"/>
+            <a:ext cx="9905998" cy="1452230"/>
           </a:xfrm>
         </p:spPr>
         <p:txBody>
@@ -4565,9 +6839,165 @@
           <a:lstStyle/>
           <a:p>
             <a:r>
-              <a:rPr lang="pt-BR" sz="4400" dirty="0"/>
-              <a:t>Como o sistema funciona?</a:t>
-            </a:r>
+              <a:rPr lang="pt-BR" dirty="0" smtClean="0">
+                <a:latin typeface="Arial" panose="020B0604020202020204" pitchFamily="34" charset="0"/>
+                <a:cs typeface="Arial" panose="020B0604020202020204" pitchFamily="34" charset="0"/>
+              </a:rPr>
+              <a:t>Objetivos Específicos</a:t>
+            </a:r>
+            <a:endParaRPr lang="pt-BR" sz="4800" dirty="0">
+              <a:latin typeface="Arial" panose="020B0604020202020204" pitchFamily="34" charset="0"/>
+              <a:cs typeface="Arial" panose="020B0604020202020204" pitchFamily="34" charset="0"/>
+            </a:endParaRPr>
+          </a:p>
+        </p:txBody>
+      </p:sp>
+      <p:sp>
+        <p:nvSpPr>
+          <p:cNvPr id="3" name="Espaço Reservado para Conteúdo 2">
+            <a:extLst>
+              <a:ext uri="{FF2B5EF4-FFF2-40B4-BE49-F238E27FC236}">
+                <a16:creationId xmlns:a16="http://schemas.microsoft.com/office/drawing/2014/main" xmlns="" id="{BB5DD53B-EBB0-4739-AA1A-977E1FE83896}"/>
+              </a:ext>
+            </a:extLst>
+          </p:cNvPr>
+          <p:cNvSpPr>
+            <a:spLocks noGrp="1"/>
+          </p:cNvSpPr>
+          <p:nvPr>
+            <p:ph idx="1"/>
+          </p:nvPr>
+        </p:nvSpPr>
+        <p:spPr>
+          <a:xfrm>
+            <a:off x="1141412" y="1859890"/>
+            <a:ext cx="10951733" cy="4359677"/>
+          </a:xfrm>
+        </p:spPr>
+        <p:txBody>
+          <a:bodyPr>
+            <a:normAutofit/>
+          </a:bodyPr>
+          <a:lstStyle/>
+          <a:p>
+            <a:endParaRPr lang="pt-BR" sz="2800" dirty="0">
+              <a:latin typeface="Arial" panose="020B0604020202020204" pitchFamily="34" charset="0"/>
+              <a:cs typeface="Arial" panose="020B0604020202020204" pitchFamily="34" charset="0"/>
+            </a:endParaRPr>
+          </a:p>
+          <a:p>
+            <a:pPr algn="just">
+              <a:buFont typeface="Wingdings" panose="05000000000000000000" pitchFamily="2" charset="2"/>
+              <a:buChar char="§"/>
+            </a:pPr>
+            <a:r>
+              <a:rPr lang="pt-BR" sz="2800" dirty="0" smtClean="0">
+                <a:latin typeface="Arial" panose="020B0604020202020204" pitchFamily="34" charset="0"/>
+                <a:cs typeface="Arial" panose="020B0604020202020204" pitchFamily="34" charset="0"/>
+              </a:rPr>
+              <a:t>Utilizar ferramentas e métodos modernos para o desenvolvimento</a:t>
+            </a:r>
+          </a:p>
+          <a:p>
+            <a:pPr algn="just">
+              <a:buFont typeface="Wingdings" panose="05000000000000000000" pitchFamily="2" charset="2"/>
+              <a:buChar char="§"/>
+            </a:pPr>
+            <a:r>
+              <a:rPr lang="pt-BR" sz="2800" dirty="0" smtClean="0">
+                <a:latin typeface="Arial" panose="020B0604020202020204" pitchFamily="34" charset="0"/>
+                <a:cs typeface="Arial" panose="020B0604020202020204" pitchFamily="34" charset="0"/>
+              </a:rPr>
+              <a:t>Fácil acesso a serviços de diferentes categorias</a:t>
+            </a:r>
+          </a:p>
+          <a:p>
+            <a:pPr algn="just">
+              <a:buFont typeface="Wingdings" panose="05000000000000000000" pitchFamily="2" charset="2"/>
+              <a:buChar char="§"/>
+            </a:pPr>
+            <a:r>
+              <a:rPr lang="pt-BR" sz="2800" dirty="0" smtClean="0">
+                <a:latin typeface="Arial" panose="020B0604020202020204" pitchFamily="34" charset="0"/>
+                <a:cs typeface="Arial" panose="020B0604020202020204" pitchFamily="34" charset="0"/>
+              </a:rPr>
+              <a:t>Qualificações confiáveis</a:t>
+            </a:r>
+          </a:p>
+          <a:p>
+            <a:pPr algn="just">
+              <a:buFont typeface="Wingdings" panose="05000000000000000000" pitchFamily="2" charset="2"/>
+              <a:buChar char="§"/>
+            </a:pPr>
+            <a:r>
+              <a:rPr lang="pt-BR" sz="2800" dirty="0" smtClean="0">
+                <a:latin typeface="Arial" panose="020B0604020202020204" pitchFamily="34" charset="0"/>
+                <a:cs typeface="Arial" panose="020B0604020202020204" pitchFamily="34" charset="0"/>
+              </a:rPr>
+              <a:t>Informações padronizadas</a:t>
+            </a:r>
+          </a:p>
+          <a:p>
+            <a:pPr algn="just">
+              <a:buFont typeface="Wingdings" panose="05000000000000000000" pitchFamily="2" charset="2"/>
+              <a:buChar char="§"/>
+            </a:pPr>
+            <a:r>
+              <a:rPr lang="pt-BR" sz="2800" dirty="0" smtClean="0">
+                <a:latin typeface="Arial" panose="020B0604020202020204" pitchFamily="34" charset="0"/>
+                <a:cs typeface="Arial" panose="020B0604020202020204" pitchFamily="34" charset="0"/>
+              </a:rPr>
+              <a:t>Previsão de preço para o cliente</a:t>
+            </a:r>
+          </a:p>
+          <a:p>
+            <a:pPr algn="just">
+              <a:buFont typeface="Wingdings" panose="05000000000000000000" pitchFamily="2" charset="2"/>
+              <a:buChar char="§"/>
+            </a:pPr>
+            <a:r>
+              <a:rPr lang="pt-BR" sz="2800" dirty="0" smtClean="0">
+                <a:latin typeface="Arial" panose="020B0604020202020204" pitchFamily="34" charset="0"/>
+                <a:cs typeface="Arial" panose="020B0604020202020204" pitchFamily="34" charset="0"/>
+              </a:rPr>
+              <a:t>Segurança no pagamento</a:t>
+            </a:r>
+          </a:p>
+          <a:p>
+            <a:pPr marL="0" indent="0" algn="just">
+              <a:buNone/>
+            </a:pPr>
+            <a:endParaRPr lang="pt-BR" sz="2800" dirty="0" smtClean="0">
+              <a:latin typeface="Arial" panose="020B0604020202020204" pitchFamily="34" charset="0"/>
+              <a:cs typeface="Arial" panose="020B0604020202020204" pitchFamily="34" charset="0"/>
+            </a:endParaRPr>
+          </a:p>
+          <a:p>
+            <a:pPr marL="0" indent="0">
+              <a:buNone/>
+            </a:pPr>
+            <a:endParaRPr lang="pt-BR" sz="2800" dirty="0" smtClean="0">
+              <a:latin typeface="Arial" panose="020B0604020202020204" pitchFamily="34" charset="0"/>
+              <a:cs typeface="Arial" panose="020B0604020202020204" pitchFamily="34" charset="0"/>
+            </a:endParaRPr>
+          </a:p>
+          <a:p>
+            <a:pPr marL="0" indent="0">
+              <a:buNone/>
+            </a:pPr>
+            <a:endParaRPr lang="pt-BR" sz="2800" dirty="0">
+              <a:latin typeface="Arial" panose="020B0604020202020204" pitchFamily="34" charset="0"/>
+              <a:cs typeface="Arial" panose="020B0604020202020204" pitchFamily="34" charset="0"/>
+            </a:endParaRPr>
+          </a:p>
+          <a:p>
+            <a:pPr marL="0" indent="0">
+              <a:buNone/>
+            </a:pPr>
+            <a:endParaRPr lang="pt-BR" sz="2800" dirty="0">
+              <a:latin typeface="Arial" panose="020B0604020202020204" pitchFamily="34" charset="0"/>
+              <a:cs typeface="Arial" panose="020B0604020202020204" pitchFamily="34" charset="0"/>
+            </a:endParaRPr>
           </a:p>
         </p:txBody>
       </p:sp>
@@ -4576,7 +7006,7 @@
           <p:cNvPr id="5" name="Imagem 4">
             <a:extLst>
               <a:ext uri="{FF2B5EF4-FFF2-40B4-BE49-F238E27FC236}">
-                <a16:creationId xmlns:a16="http://schemas.microsoft.com/office/drawing/2014/main" id="{47E3DC6D-D677-43A8-9CDC-781C969A6FF5}"/>
+                <a16:creationId xmlns:a16="http://schemas.microsoft.com/office/drawing/2014/main" xmlns="" id="{5C821069-0DB8-489A-B78E-11B18B2FFCAF}"/>
               </a:ext>
             </a:extLst>
           </p:cNvPr>
@@ -4586,7 +7016,7 @@
           <p:nvPr/>
         </p:nvPicPr>
         <p:blipFill>
-          <a:blip r:embed="rId2">
+          <a:blip r:embed="rId2" cstate="print">
             <a:extLst>
               <a:ext uri="{28A0092B-C50C-407E-A947-70E740481C1C}">
                 <a14:useLocalDpi xmlns:a14="http://schemas.microsoft.com/office/drawing/2010/main" val="0"/>
@@ -4599,8 +7029,8 @@
         </p:blipFill>
         <p:spPr>
           <a:xfrm>
-            <a:off x="673608" y="1242177"/>
-            <a:ext cx="10844784" cy="4537211"/>
+            <a:off x="11769138" y="6417276"/>
+            <a:ext cx="422862" cy="440724"/>
           </a:xfrm>
           <a:prstGeom prst="rect">
             <a:avLst/>
@@ -4610,7 +7040,7 @@
     </p:spTree>
     <p:extLst>
       <p:ext uri="{BB962C8B-B14F-4D97-AF65-F5344CB8AC3E}">
-        <p14:creationId xmlns:p14="http://schemas.microsoft.com/office/powerpoint/2010/main" val="520770178"/>
+        <p14:creationId xmlns:p14="http://schemas.microsoft.com/office/powerpoint/2010/main" val="2263667771"/>
       </p:ext>
     </p:extLst>
   </p:cSld>
@@ -4642,7 +7072,7 @@
           <p:cNvPr id="2" name="Título 1">
             <a:extLst>
               <a:ext uri="{FF2B5EF4-FFF2-40B4-BE49-F238E27FC236}">
-                <a16:creationId xmlns:a16="http://schemas.microsoft.com/office/drawing/2014/main" id="{75959942-D3D7-4E2A-9397-8D21099FC4D4}"/>
+                <a16:creationId xmlns:a16="http://schemas.microsoft.com/office/drawing/2014/main" xmlns="" id="{8E20EB79-7171-47E0-ACDE-F4B858F89259}"/>
               </a:ext>
             </a:extLst>
           </p:cNvPr>
@@ -4655,8 +7085,8 @@
         </p:nvSpPr>
         <p:spPr>
           <a:xfrm>
-            <a:off x="4598574" y="353568"/>
-            <a:ext cx="2991675" cy="1905000"/>
+            <a:off x="1141413" y="276558"/>
+            <a:ext cx="9905998" cy="1452230"/>
           </a:xfrm>
         </p:spPr>
         <p:txBody>
@@ -4666,9 +7096,182 @@
           <a:lstStyle/>
           <a:p>
             <a:r>
-              <a:rPr lang="pt-BR" sz="4400" dirty="0"/>
-              <a:t>Desafios</a:t>
-            </a:r>
+              <a:rPr lang="pt-BR" dirty="0" smtClean="0">
+                <a:latin typeface="Arial" panose="020B0604020202020204" pitchFamily="34" charset="0"/>
+                <a:cs typeface="Arial" panose="020B0604020202020204" pitchFamily="34" charset="0"/>
+              </a:rPr>
+              <a:t>O que é a </a:t>
+            </a:r>
+            <a:r>
+              <a:rPr lang="pt-BR" dirty="0" err="1" smtClean="0">
+                <a:latin typeface="Arial" panose="020B0604020202020204" pitchFamily="34" charset="0"/>
+                <a:cs typeface="Arial" panose="020B0604020202020204" pitchFamily="34" charset="0"/>
+              </a:rPr>
+              <a:t>Servitiba</a:t>
+            </a:r>
+            <a:r>
+              <a:rPr lang="pt-BR" dirty="0" smtClean="0">
+                <a:latin typeface="Arial" panose="020B0604020202020204" pitchFamily="34" charset="0"/>
+                <a:cs typeface="Arial" panose="020B0604020202020204" pitchFamily="34" charset="0"/>
+              </a:rPr>
+              <a:t>?</a:t>
+            </a:r>
+            <a:endParaRPr lang="pt-BR" sz="4800" dirty="0">
+              <a:latin typeface="Arial" panose="020B0604020202020204" pitchFamily="34" charset="0"/>
+              <a:cs typeface="Arial" panose="020B0604020202020204" pitchFamily="34" charset="0"/>
+            </a:endParaRPr>
+          </a:p>
+        </p:txBody>
+      </p:sp>
+      <p:sp>
+        <p:nvSpPr>
+          <p:cNvPr id="3" name="Espaço Reservado para Conteúdo 2">
+            <a:extLst>
+              <a:ext uri="{FF2B5EF4-FFF2-40B4-BE49-F238E27FC236}">
+                <a16:creationId xmlns:a16="http://schemas.microsoft.com/office/drawing/2014/main" xmlns="" id="{BB5DD53B-EBB0-4739-AA1A-977E1FE83896}"/>
+              </a:ext>
+            </a:extLst>
+          </p:cNvPr>
+          <p:cNvSpPr>
+            <a:spLocks noGrp="1"/>
+          </p:cNvSpPr>
+          <p:nvPr>
+            <p:ph idx="1"/>
+          </p:nvPr>
+        </p:nvSpPr>
+        <p:spPr>
+          <a:xfrm>
+            <a:off x="1141412" y="1859890"/>
+            <a:ext cx="9987907" cy="4359677"/>
+          </a:xfrm>
+        </p:spPr>
+        <p:txBody>
+          <a:bodyPr>
+            <a:normAutofit/>
+          </a:bodyPr>
+          <a:lstStyle/>
+          <a:p>
+            <a:endParaRPr lang="pt-BR" sz="2800" dirty="0">
+              <a:latin typeface="Arial" panose="020B0604020202020204" pitchFamily="34" charset="0"/>
+              <a:cs typeface="Arial" panose="020B0604020202020204" pitchFamily="34" charset="0"/>
+            </a:endParaRPr>
+          </a:p>
+          <a:p>
+            <a:pPr>
+              <a:buFont typeface="Wingdings" panose="05000000000000000000" pitchFamily="2" charset="2"/>
+              <a:buChar char="§"/>
+            </a:pPr>
+            <a:r>
+              <a:rPr lang="pt-BR" sz="2800" dirty="0" smtClean="0">
+                <a:latin typeface="Arial" panose="020B0604020202020204" pitchFamily="34" charset="0"/>
+                <a:cs typeface="Arial" panose="020B0604020202020204" pitchFamily="34" charset="0"/>
+              </a:rPr>
+              <a:t>Economia do compartilhamento</a:t>
+            </a:r>
+          </a:p>
+          <a:p>
+            <a:pPr lvl="1">
+              <a:buFont typeface="Wingdings" panose="05000000000000000000" pitchFamily="2" charset="2"/>
+              <a:buChar char="§"/>
+            </a:pPr>
+            <a:r>
+              <a:rPr lang="pt-BR" sz="2600" dirty="0" smtClean="0">
+                <a:latin typeface="Arial" panose="020B0604020202020204" pitchFamily="34" charset="0"/>
+                <a:cs typeface="Arial" panose="020B0604020202020204" pitchFamily="34" charset="0"/>
+              </a:rPr>
+              <a:t>Uber, </a:t>
+            </a:r>
+            <a:r>
+              <a:rPr lang="pt-BR" sz="2600" dirty="0" err="1" smtClean="0">
+                <a:latin typeface="Arial" panose="020B0604020202020204" pitchFamily="34" charset="0"/>
+                <a:cs typeface="Arial" panose="020B0604020202020204" pitchFamily="34" charset="0"/>
+              </a:rPr>
+              <a:t>Airbnb</a:t>
+            </a:r>
+            <a:endParaRPr lang="pt-BR" sz="2600" dirty="0" smtClean="0">
+              <a:latin typeface="Arial" panose="020B0604020202020204" pitchFamily="34" charset="0"/>
+              <a:cs typeface="Arial" panose="020B0604020202020204" pitchFamily="34" charset="0"/>
+            </a:endParaRPr>
+          </a:p>
+          <a:p>
+            <a:pPr lvl="1">
+              <a:buFont typeface="Wingdings" panose="05000000000000000000" pitchFamily="2" charset="2"/>
+              <a:buChar char="§"/>
+            </a:pPr>
+            <a:endParaRPr lang="pt-BR" sz="2600" dirty="0">
+              <a:latin typeface="Arial" panose="020B0604020202020204" pitchFamily="34" charset="0"/>
+              <a:cs typeface="Arial" panose="020B0604020202020204" pitchFamily="34" charset="0"/>
+            </a:endParaRPr>
+          </a:p>
+          <a:p>
+            <a:pPr lvl="1">
+              <a:buFont typeface="Wingdings" panose="05000000000000000000" pitchFamily="2" charset="2"/>
+              <a:buChar char="§"/>
+            </a:pPr>
+            <a:endParaRPr lang="pt-BR" sz="2600" dirty="0" smtClean="0">
+              <a:latin typeface="Arial" panose="020B0604020202020204" pitchFamily="34" charset="0"/>
+              <a:cs typeface="Arial" panose="020B0604020202020204" pitchFamily="34" charset="0"/>
+            </a:endParaRPr>
+          </a:p>
+          <a:p>
+            <a:pPr lvl="1">
+              <a:buFont typeface="Wingdings" panose="05000000000000000000" pitchFamily="2" charset="2"/>
+              <a:buChar char="§"/>
+            </a:pPr>
+            <a:r>
+              <a:rPr lang="pt-BR" sz="2600" i="1" dirty="0" smtClean="0">
+                <a:latin typeface="Arial" panose="020B0604020202020204" pitchFamily="34" charset="0"/>
+                <a:cs typeface="Arial" panose="020B0604020202020204" pitchFamily="34" charset="0"/>
+              </a:rPr>
+              <a:t>E-</a:t>
+            </a:r>
+            <a:r>
+              <a:rPr lang="pt-BR" sz="2600" i="1" dirty="0" err="1" smtClean="0">
+                <a:latin typeface="Arial" panose="020B0604020202020204" pitchFamily="34" charset="0"/>
+                <a:cs typeface="Arial" panose="020B0604020202020204" pitchFamily="34" charset="0"/>
+              </a:rPr>
+              <a:t>services</a:t>
+            </a:r>
+            <a:endParaRPr lang="pt-BR" sz="2600" i="1" dirty="0" smtClean="0">
+              <a:latin typeface="Arial" panose="020B0604020202020204" pitchFamily="34" charset="0"/>
+              <a:cs typeface="Arial" panose="020B0604020202020204" pitchFamily="34" charset="0"/>
+            </a:endParaRPr>
+          </a:p>
+          <a:p>
+            <a:pPr marL="0" indent="0" algn="just">
+              <a:buNone/>
+            </a:pPr>
+            <a:endParaRPr lang="pt-BR" sz="2800" dirty="0" smtClean="0">
+              <a:latin typeface="Arial" panose="020B0604020202020204" pitchFamily="34" charset="0"/>
+              <a:cs typeface="Arial" panose="020B0604020202020204" pitchFamily="34" charset="0"/>
+            </a:endParaRPr>
+          </a:p>
+          <a:p>
+            <a:pPr marL="0" indent="0">
+              <a:buNone/>
+            </a:pPr>
+            <a:endParaRPr lang="pt-BR" sz="2800" dirty="0" smtClean="0">
+              <a:latin typeface="Arial" panose="020B0604020202020204" pitchFamily="34" charset="0"/>
+              <a:cs typeface="Arial" panose="020B0604020202020204" pitchFamily="34" charset="0"/>
+            </a:endParaRPr>
+          </a:p>
+          <a:p>
+            <a:pPr marL="0" indent="0">
+              <a:buNone/>
+            </a:pPr>
+            <a:endParaRPr lang="pt-BR" sz="2800" dirty="0">
+              <a:latin typeface="Arial" panose="020B0604020202020204" pitchFamily="34" charset="0"/>
+              <a:cs typeface="Arial" panose="020B0604020202020204" pitchFamily="34" charset="0"/>
+            </a:endParaRPr>
+          </a:p>
+          <a:p>
+            <a:pPr marL="0" indent="0">
+              <a:buNone/>
+            </a:pPr>
+            <a:endParaRPr lang="pt-BR" sz="2800" dirty="0">
+              <a:latin typeface="Arial" panose="020B0604020202020204" pitchFamily="34" charset="0"/>
+              <a:cs typeface="Arial" panose="020B0604020202020204" pitchFamily="34" charset="0"/>
+            </a:endParaRPr>
           </a:p>
         </p:txBody>
       </p:sp>
@@ -4677,7 +7280,7 @@
           <p:cNvPr id="5" name="Imagem 4">
             <a:extLst>
               <a:ext uri="{FF2B5EF4-FFF2-40B4-BE49-F238E27FC236}">
-                <a16:creationId xmlns:a16="http://schemas.microsoft.com/office/drawing/2014/main" id="{871D28AC-D37D-4952-8925-2CDF827DD7A7}"/>
+                <a16:creationId xmlns:a16="http://schemas.microsoft.com/office/drawing/2014/main" xmlns="" id="{5C821069-0DB8-489A-B78E-11B18B2FFCAF}"/>
               </a:ext>
             </a:extLst>
           </p:cNvPr>
@@ -4687,7 +7290,7 @@
           <p:nvPr/>
         </p:nvPicPr>
         <p:blipFill>
-          <a:blip r:embed="rId2">
+          <a:blip r:embed="rId2" cstate="print">
             <a:extLst>
               <a:ext uri="{28A0092B-C50C-407E-A947-70E740481C1C}">
                 <a14:useLocalDpi xmlns:a14="http://schemas.microsoft.com/office/drawing/2010/main" val="0"/>
@@ -4700,44 +7303,8 @@
         </p:blipFill>
         <p:spPr>
           <a:xfrm>
-            <a:off x="5112288" y="2100072"/>
-            <a:ext cx="1964246" cy="2916746"/>
-          </a:xfrm>
-          <a:prstGeom prst="rect">
-            <a:avLst/>
-          </a:prstGeom>
-        </p:spPr>
-      </p:pic>
-      <p:pic>
-        <p:nvPicPr>
-          <p:cNvPr id="7" name="Imagem 6">
-            <a:extLst>
-              <a:ext uri="{FF2B5EF4-FFF2-40B4-BE49-F238E27FC236}">
-                <a16:creationId xmlns:a16="http://schemas.microsoft.com/office/drawing/2014/main" id="{C3429E9F-3425-4ED9-B21A-73AFF0E84A6B}"/>
-              </a:ext>
-            </a:extLst>
-          </p:cNvPr>
-          <p:cNvPicPr>
-            <a:picLocks noChangeAspect="1"/>
-          </p:cNvPicPr>
-          <p:nvPr/>
-        </p:nvPicPr>
-        <p:blipFill>
-          <a:blip r:embed="rId3">
-            <a:extLst>
-              <a:ext uri="{28A0092B-C50C-407E-A947-70E740481C1C}">
-                <a14:useLocalDpi xmlns:a14="http://schemas.microsoft.com/office/drawing/2010/main" val="0"/>
-              </a:ext>
-            </a:extLst>
-          </a:blip>
-          <a:stretch>
-            <a:fillRect/>
-          </a:stretch>
-        </p:blipFill>
-        <p:spPr>
-          <a:xfrm>
-            <a:off x="10263460" y="4998110"/>
-            <a:ext cx="1567902" cy="1634133"/>
+            <a:off x="11769138" y="6417276"/>
+            <a:ext cx="422862" cy="440724"/>
           </a:xfrm>
           <a:prstGeom prst="rect">
             <a:avLst/>
@@ -4747,7 +7314,7 @@
     </p:spTree>
     <p:extLst>
       <p:ext uri="{BB962C8B-B14F-4D97-AF65-F5344CB8AC3E}">
-        <p14:creationId xmlns:p14="http://schemas.microsoft.com/office/powerpoint/2010/main" val="833895578"/>
+        <p14:creationId xmlns:p14="http://schemas.microsoft.com/office/powerpoint/2010/main" val="1490500559"/>
       </p:ext>
     </p:extLst>
   </p:cSld>
@@ -4779,7 +7346,7 @@
           <p:cNvPr id="2" name="Título 1">
             <a:extLst>
               <a:ext uri="{FF2B5EF4-FFF2-40B4-BE49-F238E27FC236}">
-                <a16:creationId xmlns:a16="http://schemas.microsoft.com/office/drawing/2014/main" id="{D1E147D7-D91B-496E-B05B-2445FD7673F7}"/>
+                <a16:creationId xmlns:a16="http://schemas.microsoft.com/office/drawing/2014/main" xmlns="" id="{8E20EB79-7171-47E0-ACDE-F4B858F89259}"/>
               </a:ext>
             </a:extLst>
           </p:cNvPr>
@@ -4792,8 +7359,8 @@
         </p:nvSpPr>
         <p:spPr>
           <a:xfrm>
-            <a:off x="697474" y="2476500"/>
-            <a:ext cx="5634291" cy="1905000"/>
+            <a:off x="1141413" y="276558"/>
+            <a:ext cx="9905998" cy="1452230"/>
           </a:xfrm>
         </p:spPr>
         <p:txBody>
@@ -4803,30 +7370,214 @@
           <a:lstStyle/>
           <a:p>
             <a:r>
-              <a:rPr lang="pt-BR" sz="4400" dirty="0"/>
-              <a:t>Agradecimentos</a:t>
-            </a:r>
+              <a:rPr lang="pt-BR" dirty="0" smtClean="0">
+                <a:latin typeface="Arial" panose="020B0604020202020204" pitchFamily="34" charset="0"/>
+                <a:cs typeface="Arial" panose="020B0604020202020204" pitchFamily="34" charset="0"/>
+              </a:rPr>
+              <a:t>Requisitos Funcionais</a:t>
+            </a:r>
+            <a:endParaRPr lang="pt-BR" sz="4800" dirty="0">
+              <a:latin typeface="Arial" panose="020B0604020202020204" pitchFamily="34" charset="0"/>
+              <a:cs typeface="Arial" panose="020B0604020202020204" pitchFamily="34" charset="0"/>
+            </a:endParaRPr>
+          </a:p>
+        </p:txBody>
+      </p:sp>
+      <p:sp>
+        <p:nvSpPr>
+          <p:cNvPr id="3" name="Espaço Reservado para Conteúdo 2">
+            <a:extLst>
+              <a:ext uri="{FF2B5EF4-FFF2-40B4-BE49-F238E27FC236}">
+                <a16:creationId xmlns:a16="http://schemas.microsoft.com/office/drawing/2014/main" xmlns="" id="{BB5DD53B-EBB0-4739-AA1A-977E1FE83896}"/>
+              </a:ext>
+            </a:extLst>
+          </p:cNvPr>
+          <p:cNvSpPr>
+            <a:spLocks noGrp="1"/>
+          </p:cNvSpPr>
+          <p:nvPr>
+            <p:ph idx="1"/>
+          </p:nvPr>
+        </p:nvSpPr>
+        <p:spPr>
+          <a:xfrm>
+            <a:off x="1141413" y="1859890"/>
+            <a:ext cx="4938111" cy="4359677"/>
+          </a:xfrm>
+        </p:spPr>
+        <p:txBody>
+          <a:bodyPr>
+            <a:normAutofit/>
+          </a:bodyPr>
+          <a:lstStyle/>
+          <a:p>
+            <a:endParaRPr lang="pt-BR" sz="2800" dirty="0">
+              <a:latin typeface="Arial" panose="020B0604020202020204" pitchFamily="34" charset="0"/>
+              <a:cs typeface="Arial" panose="020B0604020202020204" pitchFamily="34" charset="0"/>
+            </a:endParaRPr>
+          </a:p>
+          <a:p>
+            <a:pPr lvl="1">
+              <a:buFont typeface="Wingdings" panose="05000000000000000000" pitchFamily="2" charset="2"/>
+              <a:buChar char="§"/>
+            </a:pPr>
+            <a:r>
+              <a:rPr lang="pt-BR" sz="2800" dirty="0" smtClean="0">
+                <a:latin typeface="Arial" panose="020B0604020202020204" pitchFamily="34" charset="0"/>
+                <a:cs typeface="Arial" panose="020B0604020202020204" pitchFamily="34" charset="0"/>
+              </a:rPr>
+              <a:t>Cadastrar Prestador</a:t>
+            </a:r>
+          </a:p>
+          <a:p>
+            <a:pPr lvl="1">
+              <a:buFont typeface="Wingdings" panose="05000000000000000000" pitchFamily="2" charset="2"/>
+              <a:buChar char="§"/>
+            </a:pPr>
+            <a:r>
+              <a:rPr lang="pt-BR" sz="2800" dirty="0" smtClean="0">
+                <a:latin typeface="Arial" panose="020B0604020202020204" pitchFamily="34" charset="0"/>
+                <a:cs typeface="Arial" panose="020B0604020202020204" pitchFamily="34" charset="0"/>
+              </a:rPr>
+              <a:t>Cadastrar Cliente</a:t>
+            </a:r>
+          </a:p>
+          <a:p>
+            <a:pPr lvl="1">
+              <a:buFont typeface="Wingdings" panose="05000000000000000000" pitchFamily="2" charset="2"/>
+              <a:buChar char="§"/>
+            </a:pPr>
+            <a:r>
+              <a:rPr lang="pt-BR" sz="2800" dirty="0" smtClean="0">
+                <a:latin typeface="Arial" panose="020B0604020202020204" pitchFamily="34" charset="0"/>
+                <a:cs typeface="Arial" panose="020B0604020202020204" pitchFamily="34" charset="0"/>
+              </a:rPr>
+              <a:t>Visualização no mapa</a:t>
+            </a:r>
+          </a:p>
+          <a:p>
+            <a:pPr lvl="1">
+              <a:buFont typeface="Wingdings" panose="05000000000000000000" pitchFamily="2" charset="2"/>
+              <a:buChar char="§"/>
+            </a:pPr>
+            <a:r>
+              <a:rPr lang="pt-BR" sz="2800" dirty="0" smtClean="0">
+                <a:latin typeface="Arial" panose="020B0604020202020204" pitchFamily="34" charset="0"/>
+                <a:cs typeface="Arial" panose="020B0604020202020204" pitchFamily="34" charset="0"/>
+              </a:rPr>
+              <a:t>Data para término</a:t>
+            </a:r>
+          </a:p>
+          <a:p>
+            <a:pPr lvl="1">
+              <a:buFont typeface="Wingdings" panose="05000000000000000000" pitchFamily="2" charset="2"/>
+              <a:buChar char="§"/>
+            </a:pPr>
+            <a:r>
+              <a:rPr lang="pt-BR" sz="2800" dirty="0" smtClean="0">
+                <a:latin typeface="Arial" panose="020B0604020202020204" pitchFamily="34" charset="0"/>
+                <a:cs typeface="Arial" panose="020B0604020202020204" pitchFamily="34" charset="0"/>
+              </a:rPr>
+              <a:t>Contrato e chat</a:t>
+            </a:r>
+          </a:p>
+          <a:p>
+            <a:pPr lvl="1">
+              <a:buFont typeface="Wingdings" panose="05000000000000000000" pitchFamily="2" charset="2"/>
+              <a:buChar char="§"/>
+            </a:pPr>
+            <a:r>
+              <a:rPr lang="pt-BR" sz="2800" dirty="0" smtClean="0">
+                <a:latin typeface="Arial" panose="020B0604020202020204" pitchFamily="34" charset="0"/>
+                <a:cs typeface="Arial" panose="020B0604020202020204" pitchFamily="34" charset="0"/>
+              </a:rPr>
+              <a:t>Lista de solicitações</a:t>
+            </a:r>
+          </a:p>
+          <a:p>
+            <a:pPr lvl="1">
+              <a:buFont typeface="Wingdings" panose="05000000000000000000" pitchFamily="2" charset="2"/>
+              <a:buChar char="§"/>
+            </a:pPr>
+            <a:r>
+              <a:rPr lang="pt-BR" sz="2800" dirty="0" smtClean="0">
+                <a:latin typeface="Arial" panose="020B0604020202020204" pitchFamily="34" charset="0"/>
+                <a:cs typeface="Arial" panose="020B0604020202020204" pitchFamily="34" charset="0"/>
+              </a:rPr>
+              <a:t>Serviços solicitados</a:t>
+            </a:r>
+          </a:p>
+          <a:p>
+            <a:pPr lvl="1">
+              <a:buFont typeface="Wingdings" panose="05000000000000000000" pitchFamily="2" charset="2"/>
+              <a:buChar char="§"/>
+            </a:pPr>
+            <a:r>
+              <a:rPr lang="pt-BR" sz="2800" dirty="0" smtClean="0">
+                <a:latin typeface="Arial" panose="020B0604020202020204" pitchFamily="34" charset="0"/>
+                <a:cs typeface="Arial" panose="020B0604020202020204" pitchFamily="34" charset="0"/>
+              </a:rPr>
+              <a:t>Serviços em execução</a:t>
+            </a:r>
+            <a:endParaRPr lang="pt-BR" sz="2800" dirty="0" smtClean="0">
+              <a:latin typeface="Arial" panose="020B0604020202020204" pitchFamily="34" charset="0"/>
+              <a:cs typeface="Arial" panose="020B0604020202020204" pitchFamily="34" charset="0"/>
+            </a:endParaRPr>
+          </a:p>
+          <a:p>
+            <a:pPr marL="0" indent="0" algn="just">
+              <a:buNone/>
+            </a:pPr>
+            <a:endParaRPr lang="pt-BR" sz="2800" dirty="0" smtClean="0">
+              <a:latin typeface="Arial" panose="020B0604020202020204" pitchFamily="34" charset="0"/>
+              <a:cs typeface="Arial" panose="020B0604020202020204" pitchFamily="34" charset="0"/>
+            </a:endParaRPr>
+          </a:p>
+          <a:p>
+            <a:pPr marL="0" indent="0">
+              <a:buNone/>
+            </a:pPr>
+            <a:endParaRPr lang="pt-BR" sz="2800" dirty="0" smtClean="0">
+              <a:latin typeface="Arial" panose="020B0604020202020204" pitchFamily="34" charset="0"/>
+              <a:cs typeface="Arial" panose="020B0604020202020204" pitchFamily="34" charset="0"/>
+            </a:endParaRPr>
+          </a:p>
+          <a:p>
+            <a:pPr marL="0" indent="0">
+              <a:buNone/>
+            </a:pPr>
+            <a:endParaRPr lang="pt-BR" sz="2800" dirty="0">
+              <a:latin typeface="Arial" panose="020B0604020202020204" pitchFamily="34" charset="0"/>
+              <a:cs typeface="Arial" panose="020B0604020202020204" pitchFamily="34" charset="0"/>
+            </a:endParaRPr>
+          </a:p>
+          <a:p>
+            <a:pPr marL="0" indent="0">
+              <a:buNone/>
+            </a:pPr>
+            <a:endParaRPr lang="pt-BR" sz="2800" dirty="0">
+              <a:latin typeface="Arial" panose="020B0604020202020204" pitchFamily="34" charset="0"/>
+              <a:cs typeface="Arial" panose="020B0604020202020204" pitchFamily="34" charset="0"/>
+            </a:endParaRPr>
           </a:p>
         </p:txBody>
       </p:sp>
       <p:pic>
         <p:nvPicPr>
-          <p:cNvPr id="5" name="Espaço Reservado para Conteúdo 4">
+          <p:cNvPr id="5" name="Imagem 4">
             <a:extLst>
               <a:ext uri="{FF2B5EF4-FFF2-40B4-BE49-F238E27FC236}">
-                <a16:creationId xmlns:a16="http://schemas.microsoft.com/office/drawing/2014/main" id="{61414B11-BDD7-4A09-B69B-37D196A78C38}"/>
+                <a16:creationId xmlns:a16="http://schemas.microsoft.com/office/drawing/2014/main" xmlns="" id="{5C821069-0DB8-489A-B78E-11B18B2FFCAF}"/>
               </a:ext>
             </a:extLst>
           </p:cNvPr>
           <p:cNvPicPr>
-            <a:picLocks noGrp="1" noChangeAspect="1"/>
+            <a:picLocks noChangeAspect="1"/>
           </p:cNvPicPr>
-          <p:nvPr>
-            <p:ph idx="1"/>
-          </p:nvPr>
+          <p:nvPr/>
         </p:nvPicPr>
         <p:blipFill>
-          <a:blip r:embed="rId2">
+          <a:blip r:embed="rId2" cstate="print">
             <a:extLst>
               <a:ext uri="{28A0092B-C50C-407E-A947-70E740481C1C}">
                 <a14:useLocalDpi xmlns:a14="http://schemas.microsoft.com/office/drawing/2010/main" val="0"/>
@@ -4839,121 +7590,440 @@
         </p:blipFill>
         <p:spPr>
           <a:xfrm>
-            <a:off x="7321043" y="2355312"/>
-            <a:ext cx="845884" cy="845884"/>
-          </a:xfrm>
+            <a:off x="11769138" y="6417276"/>
+            <a:ext cx="422862" cy="440724"/>
+          </a:xfrm>
+          <a:prstGeom prst="rect">
+            <a:avLst/>
+          </a:prstGeom>
         </p:spPr>
       </p:pic>
-      <p:pic>
-        <p:nvPicPr>
-          <p:cNvPr id="6" name="Imagem 5">
+      <p:sp>
+        <p:nvSpPr>
+          <p:cNvPr id="6" name="Espaço Reservado para Conteúdo 2">
             <a:extLst>
               <a:ext uri="{FF2B5EF4-FFF2-40B4-BE49-F238E27FC236}">
-                <a16:creationId xmlns:a16="http://schemas.microsoft.com/office/drawing/2014/main" id="{C5D07491-AAB2-4023-BD3F-23EF01A3EFC0}"/>
+                <a16:creationId xmlns:a16="http://schemas.microsoft.com/office/drawing/2014/main" xmlns="" id="{BB5DD53B-EBB0-4739-AA1A-977E1FE83896}"/>
               </a:ext>
             </a:extLst>
           </p:cNvPr>
-          <p:cNvPicPr>
-            <a:picLocks noChangeAspect="1"/>
-          </p:cNvPicPr>
+          <p:cNvSpPr txBox="1">
+            <a:spLocks/>
+          </p:cNvSpPr>
           <p:nvPr/>
-        </p:nvPicPr>
-        <p:blipFill>
-          <a:blip r:embed="rId3">
-            <a:extLst>
-              <a:ext uri="{28A0092B-C50C-407E-A947-70E740481C1C}">
-                <a14:useLocalDpi xmlns:a14="http://schemas.microsoft.com/office/drawing/2010/main" val="0"/>
-              </a:ext>
-            </a:extLst>
-          </a:blip>
-          <a:stretch>
-            <a:fillRect/>
-          </a:stretch>
-        </p:blipFill>
-        <p:spPr>
-          <a:xfrm>
-            <a:off x="6546343" y="3041650"/>
-            <a:ext cx="774700" cy="774700"/>
+        </p:nvSpPr>
+        <p:spPr>
+          <a:xfrm>
+            <a:off x="6079524" y="1859890"/>
+            <a:ext cx="4938111" cy="4359677"/>
           </a:xfrm>
           <a:prstGeom prst="rect">
             <a:avLst/>
           </a:prstGeom>
         </p:spPr>
-      </p:pic>
-      <p:pic>
-        <p:nvPicPr>
-          <p:cNvPr id="7" name="Imagem 6">
-            <a:extLst>
-              <a:ext uri="{FF2B5EF4-FFF2-40B4-BE49-F238E27FC236}">
-                <a16:creationId xmlns:a16="http://schemas.microsoft.com/office/drawing/2014/main" id="{2934565C-8CC3-4B84-9EAD-2BD143B823FD}"/>
-              </a:ext>
-            </a:extLst>
-          </p:cNvPr>
-          <p:cNvPicPr>
-            <a:picLocks noChangeAspect="1"/>
-          </p:cNvPicPr>
-          <p:nvPr/>
-        </p:nvPicPr>
-        <p:blipFill>
-          <a:blip r:embed="rId4">
-            <a:extLst>
-              <a:ext uri="{28A0092B-C50C-407E-A947-70E740481C1C}">
-                <a14:useLocalDpi xmlns:a14="http://schemas.microsoft.com/office/drawing/2010/main" val="0"/>
-              </a:ext>
-            </a:extLst>
-          </a:blip>
-          <a:stretch>
-            <a:fillRect/>
-          </a:stretch>
-        </p:blipFill>
-        <p:spPr>
-          <a:xfrm>
-            <a:off x="6933693" y="5065035"/>
-            <a:ext cx="4927167" cy="2061414"/>
-          </a:xfrm>
-          <a:prstGeom prst="rect">
-            <a:avLst/>
-          </a:prstGeom>
-        </p:spPr>
-      </p:pic>
-      <p:sp>
-        <p:nvSpPr>
-          <p:cNvPr id="8" name="Retângulo 7">
-            <a:extLst>
-              <a:ext uri="{FF2B5EF4-FFF2-40B4-BE49-F238E27FC236}">
-                <a16:creationId xmlns:a16="http://schemas.microsoft.com/office/drawing/2014/main" id="{2239AE3C-BC09-47DA-B26C-342ED5559390}"/>
-              </a:ext>
-            </a:extLst>
-          </p:cNvPr>
-          <p:cNvSpPr/>
-          <p:nvPr/>
-        </p:nvSpPr>
-        <p:spPr>
-          <a:xfrm>
-            <a:off x="697474" y="6017567"/>
-            <a:ext cx="6389891" cy="461665"/>
-          </a:xfrm>
-          <a:prstGeom prst="rect">
-            <a:avLst/>
-          </a:prstGeom>
-        </p:spPr>
-        <p:txBody>
-          <a:bodyPr wrap="none">
-            <a:spAutoFit/>
+        <p:txBody>
+          <a:bodyPr vert="horz" lIns="0" tIns="45720" rIns="0" bIns="45720" rtlCol="0">
+            <a:normAutofit/>
           </a:bodyPr>
-          <a:lstStyle/>
-          <a:p>
-            <a:r>
-              <a:rPr lang="pt-BR" sz="2400" dirty="0"/>
-              <a:t>Leonardo, Lucas, Nicolas, Ronaldo, Victor</a:t>
-            </a:r>
+          <a:lstStyle>
+            <a:lvl1pPr marL="91440" indent="-91440" algn="l" defTabSz="914400" rtl="0" eaLnBrk="1" latinLnBrk="0" hangingPunct="1">
+              <a:lnSpc>
+                <a:spcPct val="90000"/>
+              </a:lnSpc>
+              <a:spcBef>
+                <a:spcPts val="1200"/>
+              </a:spcBef>
+              <a:spcAft>
+                <a:spcPts val="200"/>
+              </a:spcAft>
+              <a:buClr>
+                <a:schemeClr val="accent1"/>
+              </a:buClr>
+              <a:buSzPct val="100000"/>
+              <a:buFont typeface="Calibri" panose="020F0502020204030204" pitchFamily="34" charset="0"/>
+              <a:buChar char=" "/>
+              <a:defRPr sz="2000" kern="1200">
+                <a:solidFill>
+                  <a:schemeClr val="tx1">
+                    <a:lumMod val="75000"/>
+                    <a:lumOff val="25000"/>
+                  </a:schemeClr>
+                </a:solidFill>
+                <a:latin typeface="+mn-lt"/>
+                <a:ea typeface="+mn-ea"/>
+                <a:cs typeface="+mn-cs"/>
+              </a:defRPr>
+            </a:lvl1pPr>
+            <a:lvl2pPr marL="384048" indent="-182880" algn="l" defTabSz="914400" rtl="0" eaLnBrk="1" latinLnBrk="0" hangingPunct="1">
+              <a:lnSpc>
+                <a:spcPct val="90000"/>
+              </a:lnSpc>
+              <a:spcBef>
+                <a:spcPts val="200"/>
+              </a:spcBef>
+              <a:spcAft>
+                <a:spcPts val="400"/>
+              </a:spcAft>
+              <a:buClr>
+                <a:schemeClr val="accent1"/>
+              </a:buClr>
+              <a:buFont typeface="Calibri" pitchFamily="34" charset="0"/>
+              <a:buChar char="◦"/>
+              <a:defRPr sz="1800" kern="1200">
+                <a:solidFill>
+                  <a:schemeClr val="tx1">
+                    <a:lumMod val="75000"/>
+                    <a:lumOff val="25000"/>
+                  </a:schemeClr>
+                </a:solidFill>
+                <a:latin typeface="+mn-lt"/>
+                <a:ea typeface="+mn-ea"/>
+                <a:cs typeface="+mn-cs"/>
+              </a:defRPr>
+            </a:lvl2pPr>
+            <a:lvl3pPr marL="566928" indent="-182880" algn="l" defTabSz="914400" rtl="0" eaLnBrk="1" latinLnBrk="0" hangingPunct="1">
+              <a:lnSpc>
+                <a:spcPct val="90000"/>
+              </a:lnSpc>
+              <a:spcBef>
+                <a:spcPts val="200"/>
+              </a:spcBef>
+              <a:spcAft>
+                <a:spcPts val="400"/>
+              </a:spcAft>
+              <a:buClr>
+                <a:schemeClr val="accent1"/>
+              </a:buClr>
+              <a:buFont typeface="Calibri" pitchFamily="34" charset="0"/>
+              <a:buChar char="◦"/>
+              <a:defRPr sz="1400" kern="1200">
+                <a:solidFill>
+                  <a:schemeClr val="tx1">
+                    <a:lumMod val="75000"/>
+                    <a:lumOff val="25000"/>
+                  </a:schemeClr>
+                </a:solidFill>
+                <a:latin typeface="+mn-lt"/>
+                <a:ea typeface="+mn-ea"/>
+                <a:cs typeface="+mn-cs"/>
+              </a:defRPr>
+            </a:lvl3pPr>
+            <a:lvl4pPr marL="749808" indent="-182880" algn="l" defTabSz="914400" rtl="0" eaLnBrk="1" latinLnBrk="0" hangingPunct="1">
+              <a:lnSpc>
+                <a:spcPct val="90000"/>
+              </a:lnSpc>
+              <a:spcBef>
+                <a:spcPts val="200"/>
+              </a:spcBef>
+              <a:spcAft>
+                <a:spcPts val="400"/>
+              </a:spcAft>
+              <a:buClr>
+                <a:schemeClr val="accent1"/>
+              </a:buClr>
+              <a:buFont typeface="Calibri" pitchFamily="34" charset="0"/>
+              <a:buChar char="◦"/>
+              <a:defRPr sz="1400" kern="1200">
+                <a:solidFill>
+                  <a:schemeClr val="tx1">
+                    <a:lumMod val="75000"/>
+                    <a:lumOff val="25000"/>
+                  </a:schemeClr>
+                </a:solidFill>
+                <a:latin typeface="+mn-lt"/>
+                <a:ea typeface="+mn-ea"/>
+                <a:cs typeface="+mn-cs"/>
+              </a:defRPr>
+            </a:lvl4pPr>
+            <a:lvl5pPr marL="932688" indent="-182880" algn="l" defTabSz="914400" rtl="0" eaLnBrk="1" latinLnBrk="0" hangingPunct="1">
+              <a:lnSpc>
+                <a:spcPct val="90000"/>
+              </a:lnSpc>
+              <a:spcBef>
+                <a:spcPts val="200"/>
+              </a:spcBef>
+              <a:spcAft>
+                <a:spcPts val="400"/>
+              </a:spcAft>
+              <a:buClr>
+                <a:schemeClr val="accent1"/>
+              </a:buClr>
+              <a:buFont typeface="Calibri" pitchFamily="34" charset="0"/>
+              <a:buChar char="◦"/>
+              <a:defRPr sz="1400" kern="1200">
+                <a:solidFill>
+                  <a:schemeClr val="tx1">
+                    <a:lumMod val="75000"/>
+                    <a:lumOff val="25000"/>
+                  </a:schemeClr>
+                </a:solidFill>
+                <a:latin typeface="+mn-lt"/>
+                <a:ea typeface="+mn-ea"/>
+                <a:cs typeface="+mn-cs"/>
+              </a:defRPr>
+            </a:lvl5pPr>
+            <a:lvl6pPr marL="1100000" indent="-228600" algn="l" defTabSz="914400" rtl="0" eaLnBrk="1" latinLnBrk="0" hangingPunct="1">
+              <a:lnSpc>
+                <a:spcPct val="90000"/>
+              </a:lnSpc>
+              <a:spcBef>
+                <a:spcPts val="200"/>
+              </a:spcBef>
+              <a:spcAft>
+                <a:spcPts val="400"/>
+              </a:spcAft>
+              <a:buClr>
+                <a:schemeClr val="accent1"/>
+              </a:buClr>
+              <a:buFont typeface="Calibri" pitchFamily="34" charset="0"/>
+              <a:buChar char="◦"/>
+              <a:defRPr sz="1400" kern="1200">
+                <a:solidFill>
+                  <a:schemeClr val="tx1">
+                    <a:lumMod val="75000"/>
+                    <a:lumOff val="25000"/>
+                  </a:schemeClr>
+                </a:solidFill>
+                <a:latin typeface="+mn-lt"/>
+                <a:ea typeface="+mn-ea"/>
+                <a:cs typeface="+mn-cs"/>
+              </a:defRPr>
+            </a:lvl6pPr>
+            <a:lvl7pPr marL="1300000" indent="-228600" algn="l" defTabSz="914400" rtl="0" eaLnBrk="1" latinLnBrk="0" hangingPunct="1">
+              <a:lnSpc>
+                <a:spcPct val="90000"/>
+              </a:lnSpc>
+              <a:spcBef>
+                <a:spcPts val="200"/>
+              </a:spcBef>
+              <a:spcAft>
+                <a:spcPts val="400"/>
+              </a:spcAft>
+              <a:buClr>
+                <a:schemeClr val="accent1"/>
+              </a:buClr>
+              <a:buFont typeface="Calibri" pitchFamily="34" charset="0"/>
+              <a:buChar char="◦"/>
+              <a:defRPr sz="1400" kern="1200">
+                <a:solidFill>
+                  <a:schemeClr val="tx1">
+                    <a:lumMod val="75000"/>
+                    <a:lumOff val="25000"/>
+                  </a:schemeClr>
+                </a:solidFill>
+                <a:latin typeface="+mn-lt"/>
+                <a:ea typeface="+mn-ea"/>
+                <a:cs typeface="+mn-cs"/>
+              </a:defRPr>
+            </a:lvl7pPr>
+            <a:lvl8pPr marL="1500000" indent="-228600" algn="l" defTabSz="914400" rtl="0" eaLnBrk="1" latinLnBrk="0" hangingPunct="1">
+              <a:lnSpc>
+                <a:spcPct val="90000"/>
+              </a:lnSpc>
+              <a:spcBef>
+                <a:spcPts val="200"/>
+              </a:spcBef>
+              <a:spcAft>
+                <a:spcPts val="400"/>
+              </a:spcAft>
+              <a:buClr>
+                <a:schemeClr val="accent1"/>
+              </a:buClr>
+              <a:buFont typeface="Calibri" pitchFamily="34" charset="0"/>
+              <a:buChar char="◦"/>
+              <a:defRPr sz="1400" kern="1200">
+                <a:solidFill>
+                  <a:schemeClr val="tx1">
+                    <a:lumMod val="75000"/>
+                    <a:lumOff val="25000"/>
+                  </a:schemeClr>
+                </a:solidFill>
+                <a:latin typeface="+mn-lt"/>
+                <a:ea typeface="+mn-ea"/>
+                <a:cs typeface="+mn-cs"/>
+              </a:defRPr>
+            </a:lvl8pPr>
+            <a:lvl9pPr marL="1700000" indent="-228600" algn="l" defTabSz="914400" rtl="0" eaLnBrk="1" latinLnBrk="0" hangingPunct="1">
+              <a:lnSpc>
+                <a:spcPct val="90000"/>
+              </a:lnSpc>
+              <a:spcBef>
+                <a:spcPts val="200"/>
+              </a:spcBef>
+              <a:spcAft>
+                <a:spcPts val="400"/>
+              </a:spcAft>
+              <a:buClr>
+                <a:schemeClr val="accent1"/>
+              </a:buClr>
+              <a:buFont typeface="Calibri" pitchFamily="34" charset="0"/>
+              <a:buChar char="◦"/>
+              <a:defRPr sz="1400" kern="1200">
+                <a:solidFill>
+                  <a:schemeClr val="tx1">
+                    <a:lumMod val="75000"/>
+                    <a:lumOff val="25000"/>
+                  </a:schemeClr>
+                </a:solidFill>
+                <a:latin typeface="+mn-lt"/>
+                <a:ea typeface="+mn-ea"/>
+                <a:cs typeface="+mn-cs"/>
+              </a:defRPr>
+            </a:lvl9pPr>
+          </a:lstStyle>
+          <a:p>
+            <a:endParaRPr lang="pt-BR" sz="2800" dirty="0" smtClean="0">
+              <a:latin typeface="Arial" panose="020B0604020202020204" pitchFamily="34" charset="0"/>
+              <a:cs typeface="Arial" panose="020B0604020202020204" pitchFamily="34" charset="0"/>
+            </a:endParaRPr>
+          </a:p>
+          <a:p>
+            <a:pPr lvl="1">
+              <a:buFont typeface="Wingdings" panose="05000000000000000000" pitchFamily="2" charset="2"/>
+              <a:buChar char="§"/>
+            </a:pPr>
+            <a:r>
+              <a:rPr lang="pt-BR" sz="2800" dirty="0" smtClean="0">
+                <a:latin typeface="Arial" panose="020B0604020202020204" pitchFamily="34" charset="0"/>
+                <a:cs typeface="Arial" panose="020B0604020202020204" pitchFamily="34" charset="0"/>
+              </a:rPr>
+              <a:t>Serviços pendentes</a:t>
+            </a:r>
+          </a:p>
+          <a:p>
+            <a:pPr lvl="1">
+              <a:buFont typeface="Wingdings" panose="05000000000000000000" pitchFamily="2" charset="2"/>
+              <a:buChar char="§"/>
+            </a:pPr>
+            <a:r>
+              <a:rPr lang="pt-BR" sz="2800" dirty="0" smtClean="0">
+                <a:latin typeface="Arial" panose="020B0604020202020204" pitchFamily="34" charset="0"/>
+                <a:cs typeface="Arial" panose="020B0604020202020204" pitchFamily="34" charset="0"/>
+              </a:rPr>
+              <a:t>Serviços finalizados</a:t>
+            </a:r>
+          </a:p>
+          <a:p>
+            <a:pPr lvl="1">
+              <a:buFont typeface="Wingdings" panose="05000000000000000000" pitchFamily="2" charset="2"/>
+              <a:buChar char="§"/>
+            </a:pPr>
+            <a:r>
+              <a:rPr lang="pt-BR" sz="2800" dirty="0" smtClean="0">
+                <a:latin typeface="Arial" panose="020B0604020202020204" pitchFamily="34" charset="0"/>
+                <a:cs typeface="Arial" panose="020B0604020202020204" pitchFamily="34" charset="0"/>
+              </a:rPr>
+              <a:t>Finanças</a:t>
+            </a:r>
+          </a:p>
+          <a:p>
+            <a:pPr lvl="1">
+              <a:buFont typeface="Wingdings" panose="05000000000000000000" pitchFamily="2" charset="2"/>
+              <a:buChar char="§"/>
+            </a:pPr>
+            <a:r>
+              <a:rPr lang="pt-BR" sz="2800" dirty="0" smtClean="0">
+                <a:latin typeface="Arial" panose="020B0604020202020204" pitchFamily="34" charset="0"/>
+                <a:cs typeface="Arial" panose="020B0604020202020204" pitchFamily="34" charset="0"/>
+              </a:rPr>
+              <a:t>Colaboradores</a:t>
+            </a:r>
+          </a:p>
+          <a:p>
+            <a:pPr lvl="1">
+              <a:buFont typeface="Wingdings" panose="05000000000000000000" pitchFamily="2" charset="2"/>
+              <a:buChar char="§"/>
+            </a:pPr>
+            <a:r>
+              <a:rPr lang="pt-BR" sz="2800" dirty="0" smtClean="0">
+                <a:latin typeface="Arial" panose="020B0604020202020204" pitchFamily="34" charset="0"/>
+                <a:cs typeface="Arial" panose="020B0604020202020204" pitchFamily="34" charset="0"/>
+              </a:rPr>
+              <a:t>Serviços</a:t>
+            </a:r>
+          </a:p>
+          <a:p>
+            <a:pPr lvl="1">
+              <a:buFont typeface="Wingdings" panose="05000000000000000000" pitchFamily="2" charset="2"/>
+              <a:buChar char="§"/>
+            </a:pPr>
+            <a:r>
+              <a:rPr lang="pt-BR" sz="2800" dirty="0" smtClean="0">
+                <a:latin typeface="Arial" panose="020B0604020202020204" pitchFamily="34" charset="0"/>
+                <a:cs typeface="Arial" panose="020B0604020202020204" pitchFamily="34" charset="0"/>
+              </a:rPr>
+              <a:t>Histórico</a:t>
+            </a:r>
+          </a:p>
+          <a:p>
+            <a:pPr lvl="1">
+              <a:buFont typeface="Wingdings" panose="05000000000000000000" pitchFamily="2" charset="2"/>
+              <a:buChar char="§"/>
+            </a:pPr>
+            <a:r>
+              <a:rPr lang="pt-BR" sz="2800" dirty="0" smtClean="0">
+                <a:latin typeface="Arial" panose="020B0604020202020204" pitchFamily="34" charset="0"/>
+                <a:cs typeface="Arial" panose="020B0604020202020204" pitchFamily="34" charset="0"/>
+              </a:rPr>
+              <a:t>Cadastro edição</a:t>
+            </a:r>
+          </a:p>
+          <a:p>
+            <a:pPr lvl="1">
+              <a:buFont typeface="Wingdings" panose="05000000000000000000" pitchFamily="2" charset="2"/>
+              <a:buChar char="§"/>
+            </a:pPr>
+            <a:endParaRPr lang="pt-BR" sz="2800" dirty="0" smtClean="0">
+              <a:latin typeface="Arial" panose="020B0604020202020204" pitchFamily="34" charset="0"/>
+              <a:cs typeface="Arial" panose="020B0604020202020204" pitchFamily="34" charset="0"/>
+            </a:endParaRPr>
+          </a:p>
+          <a:p>
+            <a:pPr marL="0" indent="0" algn="just">
+              <a:buFont typeface="Calibri" panose="020F0502020204030204" pitchFamily="34" charset="0"/>
+              <a:buNone/>
+            </a:pPr>
+            <a:endParaRPr lang="pt-BR" sz="2800" dirty="0" smtClean="0">
+              <a:latin typeface="Arial" panose="020B0604020202020204" pitchFamily="34" charset="0"/>
+              <a:cs typeface="Arial" panose="020B0604020202020204" pitchFamily="34" charset="0"/>
+            </a:endParaRPr>
+          </a:p>
+          <a:p>
+            <a:pPr marL="0" indent="0">
+              <a:buFont typeface="Calibri" panose="020F0502020204030204" pitchFamily="34" charset="0"/>
+              <a:buNone/>
+            </a:pPr>
+            <a:endParaRPr lang="pt-BR" sz="2800" dirty="0" smtClean="0">
+              <a:latin typeface="Arial" panose="020B0604020202020204" pitchFamily="34" charset="0"/>
+              <a:cs typeface="Arial" panose="020B0604020202020204" pitchFamily="34" charset="0"/>
+            </a:endParaRPr>
+          </a:p>
+          <a:p>
+            <a:pPr marL="0" indent="0">
+              <a:buFont typeface="Calibri" panose="020F0502020204030204" pitchFamily="34" charset="0"/>
+              <a:buNone/>
+            </a:pPr>
+            <a:endParaRPr lang="pt-BR" sz="2800" dirty="0" smtClean="0">
+              <a:latin typeface="Arial" panose="020B0604020202020204" pitchFamily="34" charset="0"/>
+              <a:cs typeface="Arial" panose="020B0604020202020204" pitchFamily="34" charset="0"/>
+            </a:endParaRPr>
+          </a:p>
+          <a:p>
+            <a:pPr marL="0" indent="0">
+              <a:buFont typeface="Calibri" panose="020F0502020204030204" pitchFamily="34" charset="0"/>
+              <a:buNone/>
+            </a:pPr>
+            <a:endParaRPr lang="pt-BR" sz="2800" dirty="0">
+              <a:latin typeface="Arial" panose="020B0604020202020204" pitchFamily="34" charset="0"/>
+              <a:cs typeface="Arial" panose="020B0604020202020204" pitchFamily="34" charset="0"/>
+            </a:endParaRPr>
           </a:p>
         </p:txBody>
       </p:sp>
     </p:spTree>
     <p:extLst>
       <p:ext uri="{BB962C8B-B14F-4D97-AF65-F5344CB8AC3E}">
-        <p14:creationId xmlns:p14="http://schemas.microsoft.com/office/powerpoint/2010/main" val="1478607979"/>
+        <p14:creationId xmlns:p14="http://schemas.microsoft.com/office/powerpoint/2010/main" val="3716504363"/>
       </p:ext>
     </p:extLst>
   </p:cSld>

--- a/TCC/documentacao/ServitibaPP.pptx
+++ b/TCC/documentacao/ServitibaPP.pptx
@@ -4,6 +4,9 @@
   <p:sldMasterIdLst>
     <p:sldMasterId id="2147483738" r:id="rId1"/>
   </p:sldMasterIdLst>
+  <p:notesMasterIdLst>
+    <p:notesMasterId r:id="rId16"/>
+  </p:notesMasterIdLst>
   <p:sldIdLst>
     <p:sldId id="256" r:id="rId2"/>
     <p:sldId id="257" r:id="rId3"/>
@@ -125,6 +128,440 @@
 </p:presentation>
 </file>
 
+<file path=ppt/notesMasters/notesMaster1.xml><?xml version="1.0" encoding="utf-8"?>
+<p:notesMaster xmlns:a="http://schemas.openxmlformats.org/drawingml/2006/main" xmlns:r="http://schemas.openxmlformats.org/officeDocument/2006/relationships" xmlns:p="http://schemas.openxmlformats.org/presentationml/2006/main">
+  <p:cSld>
+    <p:bg>
+      <p:bgRef idx="1001">
+        <a:schemeClr val="bg1"/>
+      </p:bgRef>
+    </p:bg>
+    <p:spTree>
+      <p:nvGrpSpPr>
+        <p:cNvPr id="1" name=""/>
+        <p:cNvGrpSpPr/>
+        <p:nvPr/>
+      </p:nvGrpSpPr>
+      <p:grpSpPr>
+        <a:xfrm>
+          <a:off x="0" y="0"/>
+          <a:ext cx="0" cy="0"/>
+          <a:chOff x="0" y="0"/>
+          <a:chExt cx="0" cy="0"/>
+        </a:xfrm>
+      </p:grpSpPr>
+      <p:sp>
+        <p:nvSpPr>
+          <p:cNvPr id="2" name="Espaço Reservado para Cabeçalho 1"/>
+          <p:cNvSpPr>
+            <a:spLocks noGrp="1"/>
+          </p:cNvSpPr>
+          <p:nvPr>
+            <p:ph type="hdr" sz="quarter"/>
+          </p:nvPr>
+        </p:nvSpPr>
+        <p:spPr>
+          <a:xfrm>
+            <a:off x="0" y="0"/>
+            <a:ext cx="2971800" cy="458788"/>
+          </a:xfrm>
+          <a:prstGeom prst="rect">
+            <a:avLst/>
+          </a:prstGeom>
+        </p:spPr>
+        <p:txBody>
+          <a:bodyPr vert="horz" lIns="91440" tIns="45720" rIns="91440" bIns="45720" rtlCol="0"/>
+          <a:lstStyle>
+            <a:lvl1pPr algn="l">
+              <a:defRPr sz="1200"/>
+            </a:lvl1pPr>
+          </a:lstStyle>
+          <a:p>
+            <a:endParaRPr lang="pt-BR"/>
+          </a:p>
+        </p:txBody>
+      </p:sp>
+      <p:sp>
+        <p:nvSpPr>
+          <p:cNvPr id="3" name="Espaço Reservado para Data 2"/>
+          <p:cNvSpPr>
+            <a:spLocks noGrp="1"/>
+          </p:cNvSpPr>
+          <p:nvPr>
+            <p:ph type="dt" idx="1"/>
+          </p:nvPr>
+        </p:nvSpPr>
+        <p:spPr>
+          <a:xfrm>
+            <a:off x="3884613" y="0"/>
+            <a:ext cx="2971800" cy="458788"/>
+          </a:xfrm>
+          <a:prstGeom prst="rect">
+            <a:avLst/>
+          </a:prstGeom>
+        </p:spPr>
+        <p:txBody>
+          <a:bodyPr vert="horz" lIns="91440" tIns="45720" rIns="91440" bIns="45720" rtlCol="0"/>
+          <a:lstStyle>
+            <a:lvl1pPr algn="r">
+              <a:defRPr sz="1200"/>
+            </a:lvl1pPr>
+          </a:lstStyle>
+          <a:p>
+            <a:fld id="{8A3B47CC-DC6D-4D15-BCBD-8C3DCE221547}" type="datetimeFigureOut">
+              <a:rPr lang="pt-BR" smtClean="0"/>
+              <a:t>04/12/2019</a:t>
+            </a:fld>
+            <a:endParaRPr lang="pt-BR"/>
+          </a:p>
+        </p:txBody>
+      </p:sp>
+      <p:sp>
+        <p:nvSpPr>
+          <p:cNvPr id="4" name="Espaço Reservado para Imagem de Slide 3"/>
+          <p:cNvSpPr>
+            <a:spLocks noGrp="1" noRot="1" noChangeAspect="1"/>
+          </p:cNvSpPr>
+          <p:nvPr>
+            <p:ph type="sldImg" idx="2"/>
+          </p:nvPr>
+        </p:nvSpPr>
+        <p:spPr>
+          <a:xfrm>
+            <a:off x="685800" y="1143000"/>
+            <a:ext cx="5486400" cy="3086100"/>
+          </a:xfrm>
+          <a:prstGeom prst="rect">
+            <a:avLst/>
+          </a:prstGeom>
+          <a:noFill/>
+          <a:ln w="12700">
+            <a:solidFill>
+              <a:prstClr val="black"/>
+            </a:solidFill>
+          </a:ln>
+        </p:spPr>
+        <p:txBody>
+          <a:bodyPr vert="horz" lIns="91440" tIns="45720" rIns="91440" bIns="45720" rtlCol="0" anchor="ctr"/>
+          <a:lstStyle/>
+          <a:p>
+            <a:endParaRPr lang="pt-BR"/>
+          </a:p>
+        </p:txBody>
+      </p:sp>
+      <p:sp>
+        <p:nvSpPr>
+          <p:cNvPr id="5" name="Espaço Reservado para Anotações 4"/>
+          <p:cNvSpPr>
+            <a:spLocks noGrp="1"/>
+          </p:cNvSpPr>
+          <p:nvPr>
+            <p:ph type="body" sz="quarter" idx="3"/>
+          </p:nvPr>
+        </p:nvSpPr>
+        <p:spPr>
+          <a:xfrm>
+            <a:off x="685800" y="4400550"/>
+            <a:ext cx="5486400" cy="3600450"/>
+          </a:xfrm>
+          <a:prstGeom prst="rect">
+            <a:avLst/>
+          </a:prstGeom>
+        </p:spPr>
+        <p:txBody>
+          <a:bodyPr vert="horz" lIns="91440" tIns="45720" rIns="91440" bIns="45720" rtlCol="0"/>
+          <a:lstStyle/>
+          <a:p>
+            <a:pPr lvl="0"/>
+            <a:r>
+              <a:rPr lang="pt-BR" smtClean="0"/>
+              <a:t>Clique para editar o texto mestre</a:t>
+            </a:r>
+          </a:p>
+          <a:p>
+            <a:pPr lvl="1"/>
+            <a:r>
+              <a:rPr lang="pt-BR" smtClean="0"/>
+              <a:t>Segundo nível</a:t>
+            </a:r>
+          </a:p>
+          <a:p>
+            <a:pPr lvl="2"/>
+            <a:r>
+              <a:rPr lang="pt-BR" smtClean="0"/>
+              <a:t>Terceiro nível</a:t>
+            </a:r>
+          </a:p>
+          <a:p>
+            <a:pPr lvl="3"/>
+            <a:r>
+              <a:rPr lang="pt-BR" smtClean="0"/>
+              <a:t>Quarto nível</a:t>
+            </a:r>
+          </a:p>
+          <a:p>
+            <a:pPr lvl="4"/>
+            <a:r>
+              <a:rPr lang="pt-BR" smtClean="0"/>
+              <a:t>Quinto nível</a:t>
+            </a:r>
+            <a:endParaRPr lang="pt-BR"/>
+          </a:p>
+        </p:txBody>
+      </p:sp>
+      <p:sp>
+        <p:nvSpPr>
+          <p:cNvPr id="6" name="Espaço Reservado para Rodapé 5"/>
+          <p:cNvSpPr>
+            <a:spLocks noGrp="1"/>
+          </p:cNvSpPr>
+          <p:nvPr>
+            <p:ph type="ftr" sz="quarter" idx="4"/>
+          </p:nvPr>
+        </p:nvSpPr>
+        <p:spPr>
+          <a:xfrm>
+            <a:off x="0" y="8685213"/>
+            <a:ext cx="2971800" cy="458787"/>
+          </a:xfrm>
+          <a:prstGeom prst="rect">
+            <a:avLst/>
+          </a:prstGeom>
+        </p:spPr>
+        <p:txBody>
+          <a:bodyPr vert="horz" lIns="91440" tIns="45720" rIns="91440" bIns="45720" rtlCol="0" anchor="b"/>
+          <a:lstStyle>
+            <a:lvl1pPr algn="l">
+              <a:defRPr sz="1200"/>
+            </a:lvl1pPr>
+          </a:lstStyle>
+          <a:p>
+            <a:endParaRPr lang="pt-BR"/>
+          </a:p>
+        </p:txBody>
+      </p:sp>
+      <p:sp>
+        <p:nvSpPr>
+          <p:cNvPr id="7" name="Espaço Reservado para Número de Slide 6"/>
+          <p:cNvSpPr>
+            <a:spLocks noGrp="1"/>
+          </p:cNvSpPr>
+          <p:nvPr>
+            <p:ph type="sldNum" sz="quarter" idx="5"/>
+          </p:nvPr>
+        </p:nvSpPr>
+        <p:spPr>
+          <a:xfrm>
+            <a:off x="3884613" y="8685213"/>
+            <a:ext cx="2971800" cy="458787"/>
+          </a:xfrm>
+          <a:prstGeom prst="rect">
+            <a:avLst/>
+          </a:prstGeom>
+        </p:spPr>
+        <p:txBody>
+          <a:bodyPr vert="horz" lIns="91440" tIns="45720" rIns="91440" bIns="45720" rtlCol="0" anchor="b"/>
+          <a:lstStyle>
+            <a:lvl1pPr algn="r">
+              <a:defRPr sz="1200"/>
+            </a:lvl1pPr>
+          </a:lstStyle>
+          <a:p>
+            <a:fld id="{EB39817A-1F4F-4EA4-BA15-F3F705A53923}" type="slidenum">
+              <a:rPr lang="pt-BR" smtClean="0"/>
+              <a:t>‹nº›</a:t>
+            </a:fld>
+            <a:endParaRPr lang="pt-BR"/>
+          </a:p>
+        </p:txBody>
+      </p:sp>
+    </p:spTree>
+    <p:extLst>
+      <p:ext uri="{BB962C8B-B14F-4D97-AF65-F5344CB8AC3E}">
+        <p14:creationId xmlns:p14="http://schemas.microsoft.com/office/powerpoint/2010/main" val="2215572356"/>
+      </p:ext>
+    </p:extLst>
+  </p:cSld>
+  <p:clrMap bg1="lt1" tx1="dk1" bg2="lt2" tx2="dk2" accent1="accent1" accent2="accent2" accent3="accent3" accent4="accent4" accent5="accent5" accent6="accent6" hlink="hlink" folHlink="folHlink"/>
+  <p:notesStyle>
+    <a:lvl1pPr marL="0" algn="l" defTabSz="914400" rtl="0" eaLnBrk="1" latinLnBrk="0" hangingPunct="1">
+      <a:defRPr sz="1200" kern="1200">
+        <a:solidFill>
+          <a:schemeClr val="tx1"/>
+        </a:solidFill>
+        <a:latin typeface="+mn-lt"/>
+        <a:ea typeface="+mn-ea"/>
+        <a:cs typeface="+mn-cs"/>
+      </a:defRPr>
+    </a:lvl1pPr>
+    <a:lvl2pPr marL="457200" algn="l" defTabSz="914400" rtl="0" eaLnBrk="1" latinLnBrk="0" hangingPunct="1">
+      <a:defRPr sz="1200" kern="1200">
+        <a:solidFill>
+          <a:schemeClr val="tx1"/>
+        </a:solidFill>
+        <a:latin typeface="+mn-lt"/>
+        <a:ea typeface="+mn-ea"/>
+        <a:cs typeface="+mn-cs"/>
+      </a:defRPr>
+    </a:lvl2pPr>
+    <a:lvl3pPr marL="914400" algn="l" defTabSz="914400" rtl="0" eaLnBrk="1" latinLnBrk="0" hangingPunct="1">
+      <a:defRPr sz="1200" kern="1200">
+        <a:solidFill>
+          <a:schemeClr val="tx1"/>
+        </a:solidFill>
+        <a:latin typeface="+mn-lt"/>
+        <a:ea typeface="+mn-ea"/>
+        <a:cs typeface="+mn-cs"/>
+      </a:defRPr>
+    </a:lvl3pPr>
+    <a:lvl4pPr marL="1371600" algn="l" defTabSz="914400" rtl="0" eaLnBrk="1" latinLnBrk="0" hangingPunct="1">
+      <a:defRPr sz="1200" kern="1200">
+        <a:solidFill>
+          <a:schemeClr val="tx1"/>
+        </a:solidFill>
+        <a:latin typeface="+mn-lt"/>
+        <a:ea typeface="+mn-ea"/>
+        <a:cs typeface="+mn-cs"/>
+      </a:defRPr>
+    </a:lvl4pPr>
+    <a:lvl5pPr marL="1828800" algn="l" defTabSz="914400" rtl="0" eaLnBrk="1" latinLnBrk="0" hangingPunct="1">
+      <a:defRPr sz="1200" kern="1200">
+        <a:solidFill>
+          <a:schemeClr val="tx1"/>
+        </a:solidFill>
+        <a:latin typeface="+mn-lt"/>
+        <a:ea typeface="+mn-ea"/>
+        <a:cs typeface="+mn-cs"/>
+      </a:defRPr>
+    </a:lvl5pPr>
+    <a:lvl6pPr marL="2286000" algn="l" defTabSz="914400" rtl="0" eaLnBrk="1" latinLnBrk="0" hangingPunct="1">
+      <a:defRPr sz="1200" kern="1200">
+        <a:solidFill>
+          <a:schemeClr val="tx1"/>
+        </a:solidFill>
+        <a:latin typeface="+mn-lt"/>
+        <a:ea typeface="+mn-ea"/>
+        <a:cs typeface="+mn-cs"/>
+      </a:defRPr>
+    </a:lvl6pPr>
+    <a:lvl7pPr marL="2743200" algn="l" defTabSz="914400" rtl="0" eaLnBrk="1" latinLnBrk="0" hangingPunct="1">
+      <a:defRPr sz="1200" kern="1200">
+        <a:solidFill>
+          <a:schemeClr val="tx1"/>
+        </a:solidFill>
+        <a:latin typeface="+mn-lt"/>
+        <a:ea typeface="+mn-ea"/>
+        <a:cs typeface="+mn-cs"/>
+      </a:defRPr>
+    </a:lvl7pPr>
+    <a:lvl8pPr marL="3200400" algn="l" defTabSz="914400" rtl="0" eaLnBrk="1" latinLnBrk="0" hangingPunct="1">
+      <a:defRPr sz="1200" kern="1200">
+        <a:solidFill>
+          <a:schemeClr val="tx1"/>
+        </a:solidFill>
+        <a:latin typeface="+mn-lt"/>
+        <a:ea typeface="+mn-ea"/>
+        <a:cs typeface="+mn-cs"/>
+      </a:defRPr>
+    </a:lvl8pPr>
+    <a:lvl9pPr marL="3657600" algn="l" defTabSz="914400" rtl="0" eaLnBrk="1" latinLnBrk="0" hangingPunct="1">
+      <a:defRPr sz="1200" kern="1200">
+        <a:solidFill>
+          <a:schemeClr val="tx1"/>
+        </a:solidFill>
+        <a:latin typeface="+mn-lt"/>
+        <a:ea typeface="+mn-ea"/>
+        <a:cs typeface="+mn-cs"/>
+      </a:defRPr>
+    </a:lvl9pPr>
+  </p:notesStyle>
+</p:notesMaster>
+</file>
+
+<file path=ppt/notesSlides/notesSlide1.xml><?xml version="1.0" encoding="utf-8"?>
+<p:notes xmlns:a="http://schemas.openxmlformats.org/drawingml/2006/main" xmlns:r="http://schemas.openxmlformats.org/officeDocument/2006/relationships" xmlns:p="http://schemas.openxmlformats.org/presentationml/2006/main">
+  <p:cSld>
+    <p:spTree>
+      <p:nvGrpSpPr>
+        <p:cNvPr id="1" name=""/>
+        <p:cNvGrpSpPr/>
+        <p:nvPr/>
+      </p:nvGrpSpPr>
+      <p:grpSpPr>
+        <a:xfrm>
+          <a:off x="0" y="0"/>
+          <a:ext cx="0" cy="0"/>
+          <a:chOff x="0" y="0"/>
+          <a:chExt cx="0" cy="0"/>
+        </a:xfrm>
+      </p:grpSpPr>
+      <p:sp>
+        <p:nvSpPr>
+          <p:cNvPr id="2" name="Espaço Reservado para Imagem de Slide 1"/>
+          <p:cNvSpPr>
+            <a:spLocks noGrp="1" noRot="1" noChangeAspect="1"/>
+          </p:cNvSpPr>
+          <p:nvPr>
+            <p:ph type="sldImg"/>
+          </p:nvPr>
+        </p:nvSpPr>
+        <p:spPr/>
+      </p:sp>
+      <p:sp>
+        <p:nvSpPr>
+          <p:cNvPr id="3" name="Espaço Reservado para Anotações 2"/>
+          <p:cNvSpPr>
+            <a:spLocks noGrp="1"/>
+          </p:cNvSpPr>
+          <p:nvPr>
+            <p:ph type="body" idx="1"/>
+          </p:nvPr>
+        </p:nvSpPr>
+        <p:spPr/>
+        <p:txBody>
+          <a:bodyPr/>
+          <a:lstStyle/>
+          <a:p>
+            <a:endParaRPr lang="pt-BR"/>
+          </a:p>
+        </p:txBody>
+      </p:sp>
+      <p:sp>
+        <p:nvSpPr>
+          <p:cNvPr id="4" name="Espaço Reservado para Número de Slide 3"/>
+          <p:cNvSpPr>
+            <a:spLocks noGrp="1"/>
+          </p:cNvSpPr>
+          <p:nvPr>
+            <p:ph type="sldNum" sz="quarter" idx="10"/>
+          </p:nvPr>
+        </p:nvSpPr>
+        <p:spPr/>
+        <p:txBody>
+          <a:bodyPr/>
+          <a:lstStyle/>
+          <a:p>
+            <a:fld id="{EB39817A-1F4F-4EA4-BA15-F3F705A53923}" type="slidenum">
+              <a:rPr lang="pt-BR" smtClean="0"/>
+              <a:t>1</a:t>
+            </a:fld>
+            <a:endParaRPr lang="pt-BR"/>
+          </a:p>
+        </p:txBody>
+      </p:sp>
+    </p:spTree>
+    <p:extLst>
+      <p:ext uri="{BB962C8B-B14F-4D97-AF65-F5344CB8AC3E}">
+        <p14:creationId xmlns:p14="http://schemas.microsoft.com/office/powerpoint/2010/main" val="2713909536"/>
+      </p:ext>
+    </p:extLst>
+  </p:cSld>
+  <p:clrMapOvr>
+    <a:masterClrMapping/>
+  </p:clrMapOvr>
+</p:notes>
+</file>
+
 <file path=ppt/slideLayouts/slideLayout1.xml><?xml version="1.0" encoding="utf-8"?>
 <p:sldLayout xmlns:a="http://schemas.openxmlformats.org/drawingml/2006/main" xmlns:r="http://schemas.openxmlformats.org/officeDocument/2006/relationships" xmlns:p="http://schemas.openxmlformats.org/presentationml/2006/main" showMasterSp="0" type="title" preserve="1">
   <p:cSld name="Slide de Título">
@@ -351,7 +788,7 @@
           <a:bodyPr/>
           <a:lstStyle/>
           <a:p>
-            <a:fld id="{2A9E60B2-1E98-461F-ABAB-B833500A5E75}" type="datetimeFigureOut">
+            <a:fld id="{4946AE2E-34D5-48E8-A1C7-53AD1D04C142}" type="datetime1">
               <a:rPr lang="pt-BR" smtClean="0"/>
               <a:t>04/12/2019</a:t>
             </a:fld>
@@ -559,7 +996,7 @@
           <a:bodyPr/>
           <a:lstStyle/>
           <a:p>
-            <a:fld id="{2A9E60B2-1E98-461F-ABAB-B833500A5E75}" type="datetimeFigureOut">
+            <a:fld id="{559BEE3F-4479-4C2B-B45A-25513266C39D}" type="datetime1">
               <a:rPr lang="pt-BR" smtClean="0"/>
               <a:t>04/12/2019</a:t>
             </a:fld>
@@ -817,7 +1254,7 @@
           <a:bodyPr/>
           <a:lstStyle/>
           <a:p>
-            <a:fld id="{2A9E60B2-1E98-461F-ABAB-B833500A5E75}" type="datetimeFigureOut">
+            <a:fld id="{F6094E2E-91E8-4ADB-8A57-AFF4BB2D0BBC}" type="datetime1">
               <a:rPr lang="pt-BR" smtClean="0"/>
               <a:t>04/12/2019</a:t>
             </a:fld>
@@ -987,7 +1424,7 @@
           <a:bodyPr/>
           <a:lstStyle/>
           <a:p>
-            <a:fld id="{2A9E60B2-1E98-461F-ABAB-B833500A5E75}" type="datetimeFigureOut">
+            <a:fld id="{3F9B4B0F-BF8C-4A93-8462-BE9E20B47670}" type="datetime1">
               <a:rPr lang="pt-BR" smtClean="0"/>
               <a:t>04/12/2019</a:t>
             </a:fld>
@@ -1324,7 +1761,7 @@
           <a:bodyPr/>
           <a:lstStyle/>
           <a:p>
-            <a:fld id="{2A9E60B2-1E98-461F-ABAB-B833500A5E75}" type="datetimeFigureOut">
+            <a:fld id="{AFF8E081-BEBF-4AED-BD56-6C9604E2D4FF}" type="datetime1">
               <a:rPr lang="pt-BR" smtClean="0"/>
               <a:t>04/12/2019</a:t>
             </a:fld>
@@ -1599,7 +2036,7 @@
           <a:bodyPr/>
           <a:lstStyle/>
           <a:p>
-            <a:fld id="{2A9E60B2-1E98-461F-ABAB-B833500A5E75}" type="datetimeFigureOut">
+            <a:fld id="{F8DD0B15-23B8-4B23-B08B-C3473519830F}" type="datetime1">
               <a:rPr lang="pt-BR" smtClean="0"/>
               <a:t>04/12/2019</a:t>
             </a:fld>
@@ -1978,7 +2415,7 @@
           <a:bodyPr/>
           <a:lstStyle/>
           <a:p>
-            <a:fld id="{2A9E60B2-1E98-461F-ABAB-B833500A5E75}" type="datetimeFigureOut">
+            <a:fld id="{9262C570-9EE2-4072-B7E7-F76AD6DDECEE}" type="datetime1">
               <a:rPr lang="pt-BR" smtClean="0"/>
               <a:t>04/12/2019</a:t>
             </a:fld>
@@ -2096,7 +2533,7 @@
           <a:bodyPr/>
           <a:lstStyle/>
           <a:p>
-            <a:fld id="{2A9E60B2-1E98-461F-ABAB-B833500A5E75}" type="datetimeFigureOut">
+            <a:fld id="{19057EAA-CFA0-4AE4-8A87-97DE0DF72981}" type="datetime1">
               <a:rPr lang="pt-BR" smtClean="0"/>
               <a:t>04/12/2019</a:t>
             </a:fld>
@@ -2269,7 +2706,7 @@
           <a:bodyPr/>
           <a:lstStyle/>
           <a:p>
-            <a:fld id="{2A9E60B2-1E98-461F-ABAB-B833500A5E75}" type="datetimeFigureOut">
+            <a:fld id="{B53FF1BF-874E-4A1B-81FC-7B46EE5797D9}" type="datetime1">
               <a:rPr lang="pt-BR" smtClean="0"/>
               <a:t>04/12/2019</a:t>
             </a:fld>
@@ -2625,7 +3062,7 @@
             </a:lvl1pPr>
           </a:lstStyle>
           <a:p>
-            <a:fld id="{2A9E60B2-1E98-461F-ABAB-B833500A5E75}" type="datetimeFigureOut">
+            <a:fld id="{7E71FD33-9B67-4CE8-B8D5-8B80DF8DD538}" type="datetime1">
               <a:rPr lang="pt-BR" smtClean="0"/>
               <a:t>04/12/2019</a:t>
             </a:fld>
@@ -3004,7 +3441,7 @@
           <a:bodyPr/>
           <a:lstStyle/>
           <a:p>
-            <a:fld id="{2A9E60B2-1E98-461F-ABAB-B833500A5E75}" type="datetimeFigureOut">
+            <a:fld id="{B96F4150-C42F-4EAD-8EF4-32206755C4DB}" type="datetime1">
               <a:rPr lang="pt-BR" smtClean="0"/>
               <a:t>04/12/2019</a:t>
             </a:fld>
@@ -3293,7 +3730,7 @@
             </a:lvl1pPr>
           </a:lstStyle>
           <a:p>
-            <a:fld id="{2A9E60B2-1E98-461F-ABAB-B833500A5E75}" type="datetimeFigureOut">
+            <a:fld id="{9DA0CE7F-C2C3-4615-827C-6FE731511093}" type="datetime1">
               <a:rPr lang="pt-BR" smtClean="0"/>
               <a:t>04/12/2019</a:t>
             </a:fld>
@@ -3434,6 +3871,7 @@
     <p:sldLayoutId id="2147483748" r:id="rId10"/>
     <p:sldLayoutId id="2147483749" r:id="rId11"/>
   </p:sldLayoutIdLst>
+  <p:hf hdr="0" ftr="0" dt="0"/>
   <p:txStyles>
     <p:titleStyle>
       <a:lvl1pPr algn="l" defTabSz="914400" rtl="0" eaLnBrk="1" latinLnBrk="0" hangingPunct="1">
@@ -3832,7 +4270,7 @@
           <p:cNvPr id="7" name="Imagem 6">
             <a:extLst>
               <a:ext uri="{FF2B5EF4-FFF2-40B4-BE49-F238E27FC236}">
-                <a16:creationId xmlns:a16="http://schemas.microsoft.com/office/drawing/2014/main" xmlns="" id="{C59F64E0-879C-4B37-BF00-BC8C5CDCC482}"/>
+                <a16:creationId xmlns="" xmlns:a16="http://schemas.microsoft.com/office/drawing/2014/main" id="{C59F64E0-879C-4B37-BF00-BC8C5CDCC482}"/>
               </a:ext>
             </a:extLst>
           </p:cNvPr>
@@ -3842,7 +4280,7 @@
           <p:nvPr/>
         </p:nvPicPr>
         <p:blipFill rotWithShape="1">
-          <a:blip r:embed="rId2" cstate="print">
+          <a:blip r:embed="rId3" cstate="print">
             <a:extLst>
               <a:ext uri="{28A0092B-C50C-407E-A947-70E740481C1C}">
                 <a14:useLocalDpi xmlns:a14="http://schemas.microsoft.com/office/drawing/2010/main" val="0"/>
@@ -3862,6 +4300,29 @@
           </a:prstGeom>
         </p:spPr>
       </p:pic>
+      <p:sp>
+        <p:nvSpPr>
+          <p:cNvPr id="2" name="Espaço Reservado para Número de Slide 1"/>
+          <p:cNvSpPr>
+            <a:spLocks noGrp="1"/>
+          </p:cNvSpPr>
+          <p:nvPr>
+            <p:ph type="sldNum" sz="quarter" idx="12"/>
+          </p:nvPr>
+        </p:nvSpPr>
+        <p:spPr/>
+        <p:txBody>
+          <a:bodyPr/>
+          <a:lstStyle/>
+          <a:p>
+            <a:fld id="{7B24AB6A-A7E8-49A3-9DDE-B468C885D9DF}" type="slidenum">
+              <a:rPr lang="pt-BR" smtClean="0"/>
+              <a:t>1</a:t>
+            </a:fld>
+            <a:endParaRPr lang="pt-BR"/>
+          </a:p>
+        </p:txBody>
+      </p:sp>
     </p:spTree>
     <p:extLst>
       <p:ext uri="{BB962C8B-B14F-4D97-AF65-F5344CB8AC3E}">
@@ -3872,6 +4333,13 @@
   <p:clrMapOvr>
     <a:masterClrMapping/>
   </p:clrMapOvr>
+  <p:timing>
+    <p:tnLst>
+      <p:par>
+        <p:cTn id="1" dur="indefinite" restart="never" nodeType="tmRoot"/>
+      </p:par>
+    </p:tnLst>
+  </p:timing>
 </p:sld>
 </file>
 
@@ -3897,7 +4365,7 @@
           <p:cNvPr id="2" name="Título 1">
             <a:extLst>
               <a:ext uri="{FF2B5EF4-FFF2-40B4-BE49-F238E27FC236}">
-                <a16:creationId xmlns:a16="http://schemas.microsoft.com/office/drawing/2014/main" xmlns="" id="{8E20EB79-7171-47E0-ACDE-F4B858F89259}"/>
+                <a16:creationId xmlns="" xmlns:a16="http://schemas.microsoft.com/office/drawing/2014/main" id="{8E20EB79-7171-47E0-ACDE-F4B858F89259}"/>
               </a:ext>
             </a:extLst>
           </p:cNvPr>
@@ -3939,7 +4407,7 @@
           <p:cNvPr id="3" name="Espaço Reservado para Conteúdo 2">
             <a:extLst>
               <a:ext uri="{FF2B5EF4-FFF2-40B4-BE49-F238E27FC236}">
-                <a16:creationId xmlns:a16="http://schemas.microsoft.com/office/drawing/2014/main" xmlns="" id="{BB5DD53B-EBB0-4739-AA1A-977E1FE83896}"/>
+                <a16:creationId xmlns="" xmlns:a16="http://schemas.microsoft.com/office/drawing/2014/main" id="{BB5DD53B-EBB0-4739-AA1A-977E1FE83896}"/>
               </a:ext>
             </a:extLst>
           </p:cNvPr>
@@ -4016,20 +4484,14 @@
                 <a:latin typeface="Arial" panose="020B0604020202020204" pitchFamily="34" charset="0"/>
                 <a:cs typeface="Arial" panose="020B0604020202020204" pitchFamily="34" charset="0"/>
               </a:rPr>
-              <a:t>Padrão de detalhes</a:t>
-            </a:r>
-          </a:p>
-          <a:p>
-            <a:pPr lvl="1">
-              <a:buFont typeface="Wingdings" panose="05000000000000000000" pitchFamily="2" charset="2"/>
-              <a:buChar char="§"/>
-            </a:pPr>
+              <a:t>Padrão </a:t>
+            </a:r>
             <a:r>
               <a:rPr lang="pt-BR" sz="2800" dirty="0" smtClean="0">
                 <a:latin typeface="Arial" panose="020B0604020202020204" pitchFamily="34" charset="0"/>
                 <a:cs typeface="Arial" panose="020B0604020202020204" pitchFamily="34" charset="0"/>
               </a:rPr>
-              <a:t>Padrão de cores</a:t>
+              <a:t>de cores</a:t>
             </a:r>
           </a:p>
           <a:p>
@@ -4075,7 +4537,7 @@
           <p:cNvPr id="5" name="Imagem 4">
             <a:extLst>
               <a:ext uri="{FF2B5EF4-FFF2-40B4-BE49-F238E27FC236}">
-                <a16:creationId xmlns:a16="http://schemas.microsoft.com/office/drawing/2014/main" xmlns="" id="{5C821069-0DB8-489A-B78E-11B18B2FFCAF}"/>
+                <a16:creationId xmlns="" xmlns:a16="http://schemas.microsoft.com/office/drawing/2014/main" id="{5C821069-0DB8-489A-B78E-11B18B2FFCAF}"/>
               </a:ext>
             </a:extLst>
           </p:cNvPr>
@@ -4106,6 +4568,29 @@
           </a:prstGeom>
         </p:spPr>
       </p:pic>
+      <p:sp>
+        <p:nvSpPr>
+          <p:cNvPr id="4" name="Espaço Reservado para Número de Slide 3"/>
+          <p:cNvSpPr>
+            <a:spLocks noGrp="1"/>
+          </p:cNvSpPr>
+          <p:nvPr>
+            <p:ph type="sldNum" sz="quarter" idx="12"/>
+          </p:nvPr>
+        </p:nvSpPr>
+        <p:spPr/>
+        <p:txBody>
+          <a:bodyPr/>
+          <a:lstStyle/>
+          <a:p>
+            <a:fld id="{7B24AB6A-A7E8-49A3-9DDE-B468C885D9DF}" type="slidenum">
+              <a:rPr lang="pt-BR" smtClean="0"/>
+              <a:t>10</a:t>
+            </a:fld>
+            <a:endParaRPr lang="pt-BR"/>
+          </a:p>
+        </p:txBody>
+      </p:sp>
     </p:spTree>
     <p:extLst>
       <p:ext uri="{BB962C8B-B14F-4D97-AF65-F5344CB8AC3E}">
@@ -4116,6 +4601,13 @@
   <p:clrMapOvr>
     <a:masterClrMapping/>
   </p:clrMapOvr>
+  <p:timing>
+    <p:tnLst>
+      <p:par>
+        <p:cTn id="1" dur="indefinite" restart="never" nodeType="tmRoot"/>
+      </p:par>
+    </p:tnLst>
+  </p:timing>
 </p:sld>
 </file>
 
@@ -4141,7 +4633,7 @@
           <p:cNvPr id="2" name="Imagem 1">
             <a:extLst>
               <a:ext uri="{FF2B5EF4-FFF2-40B4-BE49-F238E27FC236}">
-                <a16:creationId xmlns:a16="http://schemas.microsoft.com/office/drawing/2014/main" xmlns="" id="{5C821069-0DB8-489A-B78E-11B18B2FFCAF}"/>
+                <a16:creationId xmlns="" xmlns:a16="http://schemas.microsoft.com/office/drawing/2014/main" id="{5C821069-0DB8-489A-B78E-11B18B2FFCAF}"/>
               </a:ext>
             </a:extLst>
           </p:cNvPr>
@@ -4177,7 +4669,7 @@
           <p:cNvPr id="3" name="Título 1">
             <a:extLst>
               <a:ext uri="{FF2B5EF4-FFF2-40B4-BE49-F238E27FC236}">
-                <a16:creationId xmlns:a16="http://schemas.microsoft.com/office/drawing/2014/main" xmlns="" id="{8E20EB79-7171-47E0-ACDE-F4B858F89259}"/>
+                <a16:creationId xmlns="" xmlns:a16="http://schemas.microsoft.com/office/drawing/2014/main" id="{8E20EB79-7171-47E0-ACDE-F4B858F89259}"/>
               </a:ext>
             </a:extLst>
           </p:cNvPr>
@@ -4236,6 +4728,29 @@
           </a:p>
         </p:txBody>
       </p:sp>
+      <p:sp>
+        <p:nvSpPr>
+          <p:cNvPr id="4" name="Espaço Reservado para Número de Slide 3"/>
+          <p:cNvSpPr>
+            <a:spLocks noGrp="1"/>
+          </p:cNvSpPr>
+          <p:nvPr>
+            <p:ph type="sldNum" sz="quarter" idx="12"/>
+          </p:nvPr>
+        </p:nvSpPr>
+        <p:spPr/>
+        <p:txBody>
+          <a:bodyPr/>
+          <a:lstStyle/>
+          <a:p>
+            <a:fld id="{7B24AB6A-A7E8-49A3-9DDE-B468C885D9DF}" type="slidenum">
+              <a:rPr lang="pt-BR" smtClean="0"/>
+              <a:t>11</a:t>
+            </a:fld>
+            <a:endParaRPr lang="pt-BR"/>
+          </a:p>
+        </p:txBody>
+      </p:sp>
     </p:spTree>
     <p:extLst>
       <p:ext uri="{BB962C8B-B14F-4D97-AF65-F5344CB8AC3E}">
@@ -4246,6 +4761,13 @@
   <p:clrMapOvr>
     <a:masterClrMapping/>
   </p:clrMapOvr>
+  <p:timing>
+    <p:tnLst>
+      <p:par>
+        <p:cTn id="1" dur="indefinite" restart="never" nodeType="tmRoot"/>
+      </p:par>
+    </p:tnLst>
+  </p:timing>
 </p:sld>
 </file>
 
@@ -4271,7 +4793,7 @@
           <p:cNvPr id="2" name="Título 1">
             <a:extLst>
               <a:ext uri="{FF2B5EF4-FFF2-40B4-BE49-F238E27FC236}">
-                <a16:creationId xmlns:a16="http://schemas.microsoft.com/office/drawing/2014/main" xmlns="" id="{8E20EB79-7171-47E0-ACDE-F4B858F89259}"/>
+                <a16:creationId xmlns="" xmlns:a16="http://schemas.microsoft.com/office/drawing/2014/main" id="{8E20EB79-7171-47E0-ACDE-F4B858F89259}"/>
               </a:ext>
             </a:extLst>
           </p:cNvPr>
@@ -4313,7 +4835,7 @@
           <p:cNvPr id="3" name="Espaço Reservado para Conteúdo 2">
             <a:extLst>
               <a:ext uri="{FF2B5EF4-FFF2-40B4-BE49-F238E27FC236}">
-                <a16:creationId xmlns:a16="http://schemas.microsoft.com/office/drawing/2014/main" xmlns="" id="{BB5DD53B-EBB0-4739-AA1A-977E1FE83896}"/>
+                <a16:creationId xmlns="" xmlns:a16="http://schemas.microsoft.com/office/drawing/2014/main" id="{BB5DD53B-EBB0-4739-AA1A-977E1FE83896}"/>
               </a:ext>
             </a:extLst>
           </p:cNvPr>
@@ -4384,7 +4906,7 @@
           <p:cNvPr id="5" name="Imagem 4">
             <a:extLst>
               <a:ext uri="{FF2B5EF4-FFF2-40B4-BE49-F238E27FC236}">
-                <a16:creationId xmlns:a16="http://schemas.microsoft.com/office/drawing/2014/main" xmlns="" id="{5C821069-0DB8-489A-B78E-11B18B2FFCAF}"/>
+                <a16:creationId xmlns="" xmlns:a16="http://schemas.microsoft.com/office/drawing/2014/main" id="{5C821069-0DB8-489A-B78E-11B18B2FFCAF}"/>
               </a:ext>
             </a:extLst>
           </p:cNvPr>
@@ -4420,7 +4942,7 @@
           <p:cNvPr id="6" name="Espaço Reservado para Conteúdo 2">
             <a:extLst>
               <a:ext uri="{FF2B5EF4-FFF2-40B4-BE49-F238E27FC236}">
-                <a16:creationId xmlns:a16="http://schemas.microsoft.com/office/drawing/2014/main" xmlns="" id="{BB5DD53B-EBB0-4739-AA1A-977E1FE83896}"/>
+                <a16:creationId xmlns="" xmlns:a16="http://schemas.microsoft.com/office/drawing/2014/main" id="{BB5DD53B-EBB0-4739-AA1A-977E1FE83896}"/>
               </a:ext>
             </a:extLst>
           </p:cNvPr>
@@ -4784,7 +5306,7 @@
           <p:cNvPr id="7" name="Espaço Reservado para Conteúdo 2">
             <a:extLst>
               <a:ext uri="{FF2B5EF4-FFF2-40B4-BE49-F238E27FC236}">
-                <a16:creationId xmlns:a16="http://schemas.microsoft.com/office/drawing/2014/main" xmlns="" id="{BB5DD53B-EBB0-4739-AA1A-977E1FE83896}"/>
+                <a16:creationId xmlns="" xmlns:a16="http://schemas.microsoft.com/office/drawing/2014/main" id="{BB5DD53B-EBB0-4739-AA1A-977E1FE83896}"/>
               </a:ext>
             </a:extLst>
           </p:cNvPr>
@@ -5199,6 +5721,29 @@
           </a:prstGeom>
         </p:spPr>
       </p:pic>
+      <p:sp>
+        <p:nvSpPr>
+          <p:cNvPr id="10" name="Espaço Reservado para Número de Slide 9"/>
+          <p:cNvSpPr>
+            <a:spLocks noGrp="1"/>
+          </p:cNvSpPr>
+          <p:nvPr>
+            <p:ph type="sldNum" sz="quarter" idx="12"/>
+          </p:nvPr>
+        </p:nvSpPr>
+        <p:spPr/>
+        <p:txBody>
+          <a:bodyPr/>
+          <a:lstStyle/>
+          <a:p>
+            <a:fld id="{7B24AB6A-A7E8-49A3-9DDE-B468C885D9DF}" type="slidenum">
+              <a:rPr lang="pt-BR" smtClean="0"/>
+              <a:t>12</a:t>
+            </a:fld>
+            <a:endParaRPr lang="pt-BR"/>
+          </a:p>
+        </p:txBody>
+      </p:sp>
     </p:spTree>
     <p:extLst>
       <p:ext uri="{BB962C8B-B14F-4D97-AF65-F5344CB8AC3E}">
@@ -5209,6 +5754,13 @@
   <p:clrMapOvr>
     <a:masterClrMapping/>
   </p:clrMapOvr>
+  <p:timing>
+    <p:tnLst>
+      <p:par>
+        <p:cTn id="1" dur="indefinite" restart="never" nodeType="tmRoot"/>
+      </p:par>
+    </p:tnLst>
+  </p:timing>
 </p:sld>
 </file>
 
@@ -5234,7 +5786,7 @@
           <p:cNvPr id="2" name="Imagem 1">
             <a:extLst>
               <a:ext uri="{FF2B5EF4-FFF2-40B4-BE49-F238E27FC236}">
-                <a16:creationId xmlns:a16="http://schemas.microsoft.com/office/drawing/2014/main" xmlns="" id="{5C821069-0DB8-489A-B78E-11B18B2FFCAF}"/>
+                <a16:creationId xmlns="" xmlns:a16="http://schemas.microsoft.com/office/drawing/2014/main" id="{5C821069-0DB8-489A-B78E-11B18B2FFCAF}"/>
               </a:ext>
             </a:extLst>
           </p:cNvPr>
@@ -5270,7 +5822,7 @@
           <p:cNvPr id="4" name="Espaço Reservado para Conteúdo 2">
             <a:extLst>
               <a:ext uri="{FF2B5EF4-FFF2-40B4-BE49-F238E27FC236}">
-                <a16:creationId xmlns:a16="http://schemas.microsoft.com/office/drawing/2014/main" xmlns="" id="{BB5DD53B-EBB0-4739-AA1A-977E1FE83896}"/>
+                <a16:creationId xmlns="" xmlns:a16="http://schemas.microsoft.com/office/drawing/2014/main" id="{BB5DD53B-EBB0-4739-AA1A-977E1FE83896}"/>
               </a:ext>
             </a:extLst>
           </p:cNvPr>
@@ -5696,6 +6248,29 @@
           </a:p>
         </p:txBody>
       </p:sp>
+      <p:sp>
+        <p:nvSpPr>
+          <p:cNvPr id="3" name="Espaço Reservado para Número de Slide 2"/>
+          <p:cNvSpPr>
+            <a:spLocks noGrp="1"/>
+          </p:cNvSpPr>
+          <p:nvPr>
+            <p:ph type="sldNum" sz="quarter" idx="12"/>
+          </p:nvPr>
+        </p:nvSpPr>
+        <p:spPr/>
+        <p:txBody>
+          <a:bodyPr/>
+          <a:lstStyle/>
+          <a:p>
+            <a:fld id="{7B24AB6A-A7E8-49A3-9DDE-B468C885D9DF}" type="slidenum">
+              <a:rPr lang="pt-BR" smtClean="0"/>
+              <a:t>13</a:t>
+            </a:fld>
+            <a:endParaRPr lang="pt-BR"/>
+          </a:p>
+        </p:txBody>
+      </p:sp>
     </p:spTree>
     <p:extLst>
       <p:ext uri="{BB962C8B-B14F-4D97-AF65-F5344CB8AC3E}">
@@ -5706,6 +6281,13 @@
   <p:clrMapOvr>
     <a:masterClrMapping/>
   </p:clrMapOvr>
+  <p:timing>
+    <p:tnLst>
+      <p:par>
+        <p:cTn id="1" dur="indefinite" restart="never" nodeType="tmRoot"/>
+      </p:par>
+    </p:tnLst>
+  </p:timing>
 </p:sld>
 </file>
 
@@ -5739,7 +6321,7 @@
           <p:cNvPr id="7" name="Imagem 6">
             <a:extLst>
               <a:ext uri="{FF2B5EF4-FFF2-40B4-BE49-F238E27FC236}">
-                <a16:creationId xmlns:a16="http://schemas.microsoft.com/office/drawing/2014/main" xmlns="" id="{C59F64E0-879C-4B37-BF00-BC8C5CDCC482}"/>
+                <a16:creationId xmlns="" xmlns:a16="http://schemas.microsoft.com/office/drawing/2014/main" id="{C59F64E0-879C-4B37-BF00-BC8C5CDCC482}"/>
               </a:ext>
             </a:extLst>
           </p:cNvPr>
@@ -5769,6 +6351,29 @@
           </a:prstGeom>
         </p:spPr>
       </p:pic>
+      <p:sp>
+        <p:nvSpPr>
+          <p:cNvPr id="2" name="Espaço Reservado para Número de Slide 1"/>
+          <p:cNvSpPr>
+            <a:spLocks noGrp="1"/>
+          </p:cNvSpPr>
+          <p:nvPr>
+            <p:ph type="sldNum" sz="quarter" idx="12"/>
+          </p:nvPr>
+        </p:nvSpPr>
+        <p:spPr/>
+        <p:txBody>
+          <a:bodyPr/>
+          <a:lstStyle/>
+          <a:p>
+            <a:fld id="{7B24AB6A-A7E8-49A3-9DDE-B468C885D9DF}" type="slidenum">
+              <a:rPr lang="pt-BR" smtClean="0"/>
+              <a:t>14</a:t>
+            </a:fld>
+            <a:endParaRPr lang="pt-BR"/>
+          </a:p>
+        </p:txBody>
+      </p:sp>
     </p:spTree>
     <p:extLst>
       <p:ext uri="{BB962C8B-B14F-4D97-AF65-F5344CB8AC3E}">
@@ -5779,6 +6384,13 @@
   <p:clrMapOvr>
     <a:masterClrMapping/>
   </p:clrMapOvr>
+  <p:timing>
+    <p:tnLst>
+      <p:par>
+        <p:cTn id="1" dur="indefinite" restart="never" nodeType="tmRoot"/>
+      </p:par>
+    </p:tnLst>
+  </p:timing>
 </p:sld>
 </file>
 
@@ -5804,7 +6416,7 @@
           <p:cNvPr id="2" name="Título 1">
             <a:extLst>
               <a:ext uri="{FF2B5EF4-FFF2-40B4-BE49-F238E27FC236}">
-                <a16:creationId xmlns:a16="http://schemas.microsoft.com/office/drawing/2014/main" xmlns="" id="{8E20EB79-7171-47E0-ACDE-F4B858F89259}"/>
+                <a16:creationId xmlns="" xmlns:a16="http://schemas.microsoft.com/office/drawing/2014/main" id="{8E20EB79-7171-47E0-ACDE-F4B858F89259}"/>
               </a:ext>
             </a:extLst>
           </p:cNvPr>
@@ -5853,7 +6465,7 @@
           <p:cNvPr id="3" name="Espaço Reservado para Conteúdo 2">
             <a:extLst>
               <a:ext uri="{FF2B5EF4-FFF2-40B4-BE49-F238E27FC236}">
-                <a16:creationId xmlns:a16="http://schemas.microsoft.com/office/drawing/2014/main" xmlns="" id="{BB5DD53B-EBB0-4739-AA1A-977E1FE83896}"/>
+                <a16:creationId xmlns="" xmlns:a16="http://schemas.microsoft.com/office/drawing/2014/main" id="{BB5DD53B-EBB0-4739-AA1A-977E1FE83896}"/>
               </a:ext>
             </a:extLst>
           </p:cNvPr>
@@ -5970,6 +6582,29 @@
           </a:prstGeom>
         </p:spPr>
       </p:pic>
+      <p:sp>
+        <p:nvSpPr>
+          <p:cNvPr id="5" name="Espaço Reservado para Número de Slide 4"/>
+          <p:cNvSpPr>
+            <a:spLocks noGrp="1"/>
+          </p:cNvSpPr>
+          <p:nvPr>
+            <p:ph type="sldNum" sz="quarter" idx="12"/>
+          </p:nvPr>
+        </p:nvSpPr>
+        <p:spPr/>
+        <p:txBody>
+          <a:bodyPr/>
+          <a:lstStyle/>
+          <a:p>
+            <a:fld id="{7B24AB6A-A7E8-49A3-9DDE-B468C885D9DF}" type="slidenum">
+              <a:rPr lang="pt-BR" smtClean="0"/>
+              <a:t>2</a:t>
+            </a:fld>
+            <a:endParaRPr lang="pt-BR"/>
+          </a:p>
+        </p:txBody>
+      </p:sp>
     </p:spTree>
     <p:extLst>
       <p:ext uri="{BB962C8B-B14F-4D97-AF65-F5344CB8AC3E}">
@@ -5980,6 +6615,13 @@
   <p:clrMapOvr>
     <a:masterClrMapping/>
   </p:clrMapOvr>
+  <p:timing>
+    <p:tnLst>
+      <p:par>
+        <p:cTn id="1" dur="indefinite" restart="never" nodeType="tmRoot"/>
+      </p:par>
+    </p:tnLst>
+  </p:timing>
 </p:sld>
 </file>
 
@@ -6005,7 +6647,7 @@
           <p:cNvPr id="2" name="Título 1">
             <a:extLst>
               <a:ext uri="{FF2B5EF4-FFF2-40B4-BE49-F238E27FC236}">
-                <a16:creationId xmlns:a16="http://schemas.microsoft.com/office/drawing/2014/main" xmlns="" id="{8E20EB79-7171-47E0-ACDE-F4B858F89259}"/>
+                <a16:creationId xmlns="" xmlns:a16="http://schemas.microsoft.com/office/drawing/2014/main" id="{8E20EB79-7171-47E0-ACDE-F4B858F89259}"/>
               </a:ext>
             </a:extLst>
           </p:cNvPr>
@@ -6047,7 +6689,7 @@
           <p:cNvPr id="3" name="Espaço Reservado para Conteúdo 2">
             <a:extLst>
               <a:ext uri="{FF2B5EF4-FFF2-40B4-BE49-F238E27FC236}">
-                <a16:creationId xmlns:a16="http://schemas.microsoft.com/office/drawing/2014/main" xmlns="" id="{BB5DD53B-EBB0-4739-AA1A-977E1FE83896}"/>
+                <a16:creationId xmlns="" xmlns:a16="http://schemas.microsoft.com/office/drawing/2014/main" id="{BB5DD53B-EBB0-4739-AA1A-977E1FE83896}"/>
               </a:ext>
             </a:extLst>
           </p:cNvPr>
@@ -6174,7 +6816,7 @@
           <p:cNvPr id="5" name="Imagem 4">
             <a:extLst>
               <a:ext uri="{FF2B5EF4-FFF2-40B4-BE49-F238E27FC236}">
-                <a16:creationId xmlns:a16="http://schemas.microsoft.com/office/drawing/2014/main" xmlns="" id="{5C821069-0DB8-489A-B78E-11B18B2FFCAF}"/>
+                <a16:creationId xmlns="" xmlns:a16="http://schemas.microsoft.com/office/drawing/2014/main" id="{5C821069-0DB8-489A-B78E-11B18B2FFCAF}"/>
               </a:ext>
             </a:extLst>
           </p:cNvPr>
@@ -6205,6 +6847,29 @@
           </a:prstGeom>
         </p:spPr>
       </p:pic>
+      <p:sp>
+        <p:nvSpPr>
+          <p:cNvPr id="4" name="Espaço Reservado para Número de Slide 3"/>
+          <p:cNvSpPr>
+            <a:spLocks noGrp="1"/>
+          </p:cNvSpPr>
+          <p:nvPr>
+            <p:ph type="sldNum" sz="quarter" idx="12"/>
+          </p:nvPr>
+        </p:nvSpPr>
+        <p:spPr/>
+        <p:txBody>
+          <a:bodyPr/>
+          <a:lstStyle/>
+          <a:p>
+            <a:fld id="{7B24AB6A-A7E8-49A3-9DDE-B468C885D9DF}" type="slidenum">
+              <a:rPr lang="pt-BR" smtClean="0"/>
+              <a:t>3</a:t>
+            </a:fld>
+            <a:endParaRPr lang="pt-BR"/>
+          </a:p>
+        </p:txBody>
+      </p:sp>
     </p:spTree>
     <p:extLst>
       <p:ext uri="{BB962C8B-B14F-4D97-AF65-F5344CB8AC3E}">
@@ -6215,6 +6880,13 @@
   <p:clrMapOvr>
     <a:masterClrMapping/>
   </p:clrMapOvr>
+  <p:timing>
+    <p:tnLst>
+      <p:par>
+        <p:cTn id="1" dur="indefinite" restart="never" nodeType="tmRoot"/>
+      </p:par>
+    </p:tnLst>
+  </p:timing>
 </p:sld>
 </file>
 
@@ -6240,7 +6912,7 @@
           <p:cNvPr id="2" name="Título 1">
             <a:extLst>
               <a:ext uri="{FF2B5EF4-FFF2-40B4-BE49-F238E27FC236}">
-                <a16:creationId xmlns:a16="http://schemas.microsoft.com/office/drawing/2014/main" xmlns="" id="{8E20EB79-7171-47E0-ACDE-F4B858F89259}"/>
+                <a16:creationId xmlns="" xmlns:a16="http://schemas.microsoft.com/office/drawing/2014/main" id="{8E20EB79-7171-47E0-ACDE-F4B858F89259}"/>
               </a:ext>
             </a:extLst>
           </p:cNvPr>
@@ -6282,7 +6954,7 @@
           <p:cNvPr id="3" name="Espaço Reservado para Conteúdo 2">
             <a:extLst>
               <a:ext uri="{FF2B5EF4-FFF2-40B4-BE49-F238E27FC236}">
-                <a16:creationId xmlns:a16="http://schemas.microsoft.com/office/drawing/2014/main" xmlns="" id="{BB5DD53B-EBB0-4739-AA1A-977E1FE83896}"/>
+                <a16:creationId xmlns="" xmlns:a16="http://schemas.microsoft.com/office/drawing/2014/main" id="{BB5DD53B-EBB0-4739-AA1A-977E1FE83896}"/>
               </a:ext>
             </a:extLst>
           </p:cNvPr>
@@ -6383,7 +7055,7 @@
           <p:cNvPr id="5" name="Imagem 4">
             <a:extLst>
               <a:ext uri="{FF2B5EF4-FFF2-40B4-BE49-F238E27FC236}">
-                <a16:creationId xmlns:a16="http://schemas.microsoft.com/office/drawing/2014/main" xmlns="" id="{5C821069-0DB8-489A-B78E-11B18B2FFCAF}"/>
+                <a16:creationId xmlns="" xmlns:a16="http://schemas.microsoft.com/office/drawing/2014/main" id="{5C821069-0DB8-489A-B78E-11B18B2FFCAF}"/>
               </a:ext>
             </a:extLst>
           </p:cNvPr>
@@ -6414,6 +7086,29 @@
           </a:prstGeom>
         </p:spPr>
       </p:pic>
+      <p:sp>
+        <p:nvSpPr>
+          <p:cNvPr id="4" name="Espaço Reservado para Número de Slide 3"/>
+          <p:cNvSpPr>
+            <a:spLocks noGrp="1"/>
+          </p:cNvSpPr>
+          <p:nvPr>
+            <p:ph type="sldNum" sz="quarter" idx="12"/>
+          </p:nvPr>
+        </p:nvSpPr>
+        <p:spPr/>
+        <p:txBody>
+          <a:bodyPr/>
+          <a:lstStyle/>
+          <a:p>
+            <a:fld id="{7B24AB6A-A7E8-49A3-9DDE-B468C885D9DF}" type="slidenum">
+              <a:rPr lang="pt-BR" smtClean="0"/>
+              <a:t>4</a:t>
+            </a:fld>
+            <a:endParaRPr lang="pt-BR"/>
+          </a:p>
+        </p:txBody>
+      </p:sp>
     </p:spTree>
     <p:extLst>
       <p:ext uri="{BB962C8B-B14F-4D97-AF65-F5344CB8AC3E}">
@@ -6424,6 +7119,13 @@
   <p:clrMapOvr>
     <a:masterClrMapping/>
   </p:clrMapOvr>
+  <p:timing>
+    <p:tnLst>
+      <p:par>
+        <p:cTn id="1" dur="indefinite" restart="never" nodeType="tmRoot"/>
+      </p:par>
+    </p:tnLst>
+  </p:timing>
 </p:sld>
 </file>
 
@@ -6449,7 +7151,7 @@
           <p:cNvPr id="2" name="Título 1">
             <a:extLst>
               <a:ext uri="{FF2B5EF4-FFF2-40B4-BE49-F238E27FC236}">
-                <a16:creationId xmlns:a16="http://schemas.microsoft.com/office/drawing/2014/main" xmlns="" id="{8E20EB79-7171-47E0-ACDE-F4B858F89259}"/>
+                <a16:creationId xmlns="" xmlns:a16="http://schemas.microsoft.com/office/drawing/2014/main" id="{8E20EB79-7171-47E0-ACDE-F4B858F89259}"/>
               </a:ext>
             </a:extLst>
           </p:cNvPr>
@@ -6491,7 +7193,7 @@
           <p:cNvPr id="3" name="Espaço Reservado para Conteúdo 2">
             <a:extLst>
               <a:ext uri="{FF2B5EF4-FFF2-40B4-BE49-F238E27FC236}">
-                <a16:creationId xmlns:a16="http://schemas.microsoft.com/office/drawing/2014/main" xmlns="" id="{BB5DD53B-EBB0-4739-AA1A-977E1FE83896}"/>
+                <a16:creationId xmlns="" xmlns:a16="http://schemas.microsoft.com/office/drawing/2014/main" id="{BB5DD53B-EBB0-4739-AA1A-977E1FE83896}"/>
               </a:ext>
             </a:extLst>
           </p:cNvPr>
@@ -6529,8 +7231,33 @@
                 <a:latin typeface="Arial" panose="020B0604020202020204" pitchFamily="34" charset="0"/>
                 <a:cs typeface="Arial" panose="020B0604020202020204" pitchFamily="34" charset="0"/>
               </a:rPr>
-              <a:t>Buscar a solução do problema, padronizando as ofertas de serviços; reunir informações e avaliações dos clientes e empresas.</a:t>
-            </a:r>
+              <a:t>Buscar a solução do problema, padronizando as ofertas de serviços; </a:t>
+            </a:r>
+            <a:r>
+              <a:rPr lang="pt-BR" sz="2800" dirty="0" smtClean="0">
+                <a:latin typeface="Arial" panose="020B0604020202020204" pitchFamily="34" charset="0"/>
+                <a:cs typeface="Arial" panose="020B0604020202020204" pitchFamily="34" charset="0"/>
+              </a:rPr>
+              <a:t>reunindo </a:t>
+            </a:r>
+            <a:r>
+              <a:rPr lang="pt-BR" sz="2800" dirty="0" smtClean="0">
+                <a:latin typeface="Arial" panose="020B0604020202020204" pitchFamily="34" charset="0"/>
+                <a:cs typeface="Arial" panose="020B0604020202020204" pitchFamily="34" charset="0"/>
+              </a:rPr>
+              <a:t>informações e avaliações dos clientes e </a:t>
+            </a:r>
+            <a:r>
+              <a:rPr lang="pt-BR" sz="2800" dirty="0" smtClean="0">
+                <a:latin typeface="Arial" panose="020B0604020202020204" pitchFamily="34" charset="0"/>
+                <a:cs typeface="Arial" panose="020B0604020202020204" pitchFamily="34" charset="0"/>
+              </a:rPr>
+              <a:t>empresas</a:t>
+            </a:r>
+            <a:endParaRPr lang="pt-BR" sz="2800" dirty="0" smtClean="0">
+              <a:latin typeface="Arial" panose="020B0604020202020204" pitchFamily="34" charset="0"/>
+              <a:cs typeface="Arial" panose="020B0604020202020204" pitchFamily="34" charset="0"/>
+            </a:endParaRPr>
           </a:p>
           <a:p>
             <a:pPr marL="0" indent="0">
@@ -6566,7 +7293,7 @@
           <p:cNvPr id="5" name="Imagem 4">
             <a:extLst>
               <a:ext uri="{FF2B5EF4-FFF2-40B4-BE49-F238E27FC236}">
-                <a16:creationId xmlns:a16="http://schemas.microsoft.com/office/drawing/2014/main" xmlns="" id="{5C821069-0DB8-489A-B78E-11B18B2FFCAF}"/>
+                <a16:creationId xmlns="" xmlns:a16="http://schemas.microsoft.com/office/drawing/2014/main" id="{5C821069-0DB8-489A-B78E-11B18B2FFCAF}"/>
               </a:ext>
             </a:extLst>
           </p:cNvPr>
@@ -6597,6 +7324,29 @@
           </a:prstGeom>
         </p:spPr>
       </p:pic>
+      <p:sp>
+        <p:nvSpPr>
+          <p:cNvPr id="4" name="Espaço Reservado para Número de Slide 3"/>
+          <p:cNvSpPr>
+            <a:spLocks noGrp="1"/>
+          </p:cNvSpPr>
+          <p:nvPr>
+            <p:ph type="sldNum" sz="quarter" idx="12"/>
+          </p:nvPr>
+        </p:nvSpPr>
+        <p:spPr/>
+        <p:txBody>
+          <a:bodyPr/>
+          <a:lstStyle/>
+          <a:p>
+            <a:fld id="{7B24AB6A-A7E8-49A3-9DDE-B468C885D9DF}" type="slidenum">
+              <a:rPr lang="pt-BR" smtClean="0"/>
+              <a:t>5</a:t>
+            </a:fld>
+            <a:endParaRPr lang="pt-BR"/>
+          </a:p>
+        </p:txBody>
+      </p:sp>
     </p:spTree>
     <p:extLst>
       <p:ext uri="{BB962C8B-B14F-4D97-AF65-F5344CB8AC3E}">
@@ -6607,6 +7357,13 @@
   <p:clrMapOvr>
     <a:masterClrMapping/>
   </p:clrMapOvr>
+  <p:timing>
+    <p:tnLst>
+      <p:par>
+        <p:cTn id="1" dur="indefinite" restart="never" nodeType="tmRoot"/>
+      </p:par>
+    </p:tnLst>
+  </p:timing>
 </p:sld>
 </file>
 
@@ -6632,7 +7389,7 @@
           <p:cNvPr id="2" name="Título 1">
             <a:extLst>
               <a:ext uri="{FF2B5EF4-FFF2-40B4-BE49-F238E27FC236}">
-                <a16:creationId xmlns:a16="http://schemas.microsoft.com/office/drawing/2014/main" xmlns="" id="{8E20EB79-7171-47E0-ACDE-F4B858F89259}"/>
+                <a16:creationId xmlns="" xmlns:a16="http://schemas.microsoft.com/office/drawing/2014/main" id="{8E20EB79-7171-47E0-ACDE-F4B858F89259}"/>
               </a:ext>
             </a:extLst>
           </p:cNvPr>
@@ -6674,7 +7431,7 @@
           <p:cNvPr id="3" name="Espaço Reservado para Conteúdo 2">
             <a:extLst>
               <a:ext uri="{FF2B5EF4-FFF2-40B4-BE49-F238E27FC236}">
-                <a16:creationId xmlns:a16="http://schemas.microsoft.com/office/drawing/2014/main" xmlns="" id="{BB5DD53B-EBB0-4739-AA1A-977E1FE83896}"/>
+                <a16:creationId xmlns="" xmlns:a16="http://schemas.microsoft.com/office/drawing/2014/main" id="{BB5DD53B-EBB0-4739-AA1A-977E1FE83896}"/>
               </a:ext>
             </a:extLst>
           </p:cNvPr>
@@ -6749,7 +7506,7 @@
           <p:cNvPr id="5" name="Imagem 4">
             <a:extLst>
               <a:ext uri="{FF2B5EF4-FFF2-40B4-BE49-F238E27FC236}">
-                <a16:creationId xmlns:a16="http://schemas.microsoft.com/office/drawing/2014/main" xmlns="" id="{5C821069-0DB8-489A-B78E-11B18B2FFCAF}"/>
+                <a16:creationId xmlns="" xmlns:a16="http://schemas.microsoft.com/office/drawing/2014/main" id="{5C821069-0DB8-489A-B78E-11B18B2FFCAF}"/>
               </a:ext>
             </a:extLst>
           </p:cNvPr>
@@ -6780,6 +7537,29 @@
           </a:prstGeom>
         </p:spPr>
       </p:pic>
+      <p:sp>
+        <p:nvSpPr>
+          <p:cNvPr id="4" name="Espaço Reservado para Número de Slide 3"/>
+          <p:cNvSpPr>
+            <a:spLocks noGrp="1"/>
+          </p:cNvSpPr>
+          <p:nvPr>
+            <p:ph type="sldNum" sz="quarter" idx="12"/>
+          </p:nvPr>
+        </p:nvSpPr>
+        <p:spPr/>
+        <p:txBody>
+          <a:bodyPr/>
+          <a:lstStyle/>
+          <a:p>
+            <a:fld id="{7B24AB6A-A7E8-49A3-9DDE-B468C885D9DF}" type="slidenum">
+              <a:rPr lang="pt-BR" smtClean="0"/>
+              <a:t>6</a:t>
+            </a:fld>
+            <a:endParaRPr lang="pt-BR"/>
+          </a:p>
+        </p:txBody>
+      </p:sp>
     </p:spTree>
     <p:extLst>
       <p:ext uri="{BB962C8B-B14F-4D97-AF65-F5344CB8AC3E}">
@@ -6790,6 +7570,13 @@
   <p:clrMapOvr>
     <a:masterClrMapping/>
   </p:clrMapOvr>
+  <p:timing>
+    <p:tnLst>
+      <p:par>
+        <p:cTn id="1" dur="indefinite" restart="never" nodeType="tmRoot"/>
+      </p:par>
+    </p:tnLst>
+  </p:timing>
 </p:sld>
 </file>
 
@@ -6815,7 +7602,7 @@
           <p:cNvPr id="2" name="Título 1">
             <a:extLst>
               <a:ext uri="{FF2B5EF4-FFF2-40B4-BE49-F238E27FC236}">
-                <a16:creationId xmlns:a16="http://schemas.microsoft.com/office/drawing/2014/main" xmlns="" id="{8E20EB79-7171-47E0-ACDE-F4B858F89259}"/>
+                <a16:creationId xmlns="" xmlns:a16="http://schemas.microsoft.com/office/drawing/2014/main" id="{8E20EB79-7171-47E0-ACDE-F4B858F89259}"/>
               </a:ext>
             </a:extLst>
           </p:cNvPr>
@@ -6857,7 +7644,7 @@
           <p:cNvPr id="3" name="Espaço Reservado para Conteúdo 2">
             <a:extLst>
               <a:ext uri="{FF2B5EF4-FFF2-40B4-BE49-F238E27FC236}">
-                <a16:creationId xmlns:a16="http://schemas.microsoft.com/office/drawing/2014/main" xmlns="" id="{BB5DD53B-EBB0-4739-AA1A-977E1FE83896}"/>
+                <a16:creationId xmlns="" xmlns:a16="http://schemas.microsoft.com/office/drawing/2014/main" id="{BB5DD53B-EBB0-4739-AA1A-977E1FE83896}"/>
               </a:ext>
             </a:extLst>
           </p:cNvPr>
@@ -7006,7 +7793,7 @@
           <p:cNvPr id="5" name="Imagem 4">
             <a:extLst>
               <a:ext uri="{FF2B5EF4-FFF2-40B4-BE49-F238E27FC236}">
-                <a16:creationId xmlns:a16="http://schemas.microsoft.com/office/drawing/2014/main" xmlns="" id="{5C821069-0DB8-489A-B78E-11B18B2FFCAF}"/>
+                <a16:creationId xmlns="" xmlns:a16="http://schemas.microsoft.com/office/drawing/2014/main" id="{5C821069-0DB8-489A-B78E-11B18B2FFCAF}"/>
               </a:ext>
             </a:extLst>
           </p:cNvPr>
@@ -7037,6 +7824,29 @@
           </a:prstGeom>
         </p:spPr>
       </p:pic>
+      <p:sp>
+        <p:nvSpPr>
+          <p:cNvPr id="4" name="Espaço Reservado para Número de Slide 3"/>
+          <p:cNvSpPr>
+            <a:spLocks noGrp="1"/>
+          </p:cNvSpPr>
+          <p:nvPr>
+            <p:ph type="sldNum" sz="quarter" idx="12"/>
+          </p:nvPr>
+        </p:nvSpPr>
+        <p:spPr/>
+        <p:txBody>
+          <a:bodyPr/>
+          <a:lstStyle/>
+          <a:p>
+            <a:fld id="{7B24AB6A-A7E8-49A3-9DDE-B468C885D9DF}" type="slidenum">
+              <a:rPr lang="pt-BR" smtClean="0"/>
+              <a:t>7</a:t>
+            </a:fld>
+            <a:endParaRPr lang="pt-BR"/>
+          </a:p>
+        </p:txBody>
+      </p:sp>
     </p:spTree>
     <p:extLst>
       <p:ext uri="{BB962C8B-B14F-4D97-AF65-F5344CB8AC3E}">
@@ -7047,6 +7857,13 @@
   <p:clrMapOvr>
     <a:masterClrMapping/>
   </p:clrMapOvr>
+  <p:timing>
+    <p:tnLst>
+      <p:par>
+        <p:cTn id="1" dur="indefinite" restart="never" nodeType="tmRoot"/>
+      </p:par>
+    </p:tnLst>
+  </p:timing>
 </p:sld>
 </file>
 
@@ -7072,7 +7889,7 @@
           <p:cNvPr id="2" name="Título 1">
             <a:extLst>
               <a:ext uri="{FF2B5EF4-FFF2-40B4-BE49-F238E27FC236}">
-                <a16:creationId xmlns:a16="http://schemas.microsoft.com/office/drawing/2014/main" xmlns="" id="{8E20EB79-7171-47E0-ACDE-F4B858F89259}"/>
+                <a16:creationId xmlns="" xmlns:a16="http://schemas.microsoft.com/office/drawing/2014/main" id="{8E20EB79-7171-47E0-ACDE-F4B858F89259}"/>
               </a:ext>
             </a:extLst>
           </p:cNvPr>
@@ -7128,7 +7945,7 @@
           <p:cNvPr id="3" name="Espaço Reservado para Conteúdo 2">
             <a:extLst>
               <a:ext uri="{FF2B5EF4-FFF2-40B4-BE49-F238E27FC236}">
-                <a16:creationId xmlns:a16="http://schemas.microsoft.com/office/drawing/2014/main" xmlns="" id="{BB5DD53B-EBB0-4739-AA1A-977E1FE83896}"/>
+                <a16:creationId xmlns="" xmlns:a16="http://schemas.microsoft.com/office/drawing/2014/main" id="{BB5DD53B-EBB0-4739-AA1A-977E1FE83896}"/>
               </a:ext>
             </a:extLst>
           </p:cNvPr>
@@ -7280,7 +8097,7 @@
           <p:cNvPr id="5" name="Imagem 4">
             <a:extLst>
               <a:ext uri="{FF2B5EF4-FFF2-40B4-BE49-F238E27FC236}">
-                <a16:creationId xmlns:a16="http://schemas.microsoft.com/office/drawing/2014/main" xmlns="" id="{5C821069-0DB8-489A-B78E-11B18B2FFCAF}"/>
+                <a16:creationId xmlns="" xmlns:a16="http://schemas.microsoft.com/office/drawing/2014/main" id="{5C821069-0DB8-489A-B78E-11B18B2FFCAF}"/>
               </a:ext>
             </a:extLst>
           </p:cNvPr>
@@ -7311,6 +8128,29 @@
           </a:prstGeom>
         </p:spPr>
       </p:pic>
+      <p:sp>
+        <p:nvSpPr>
+          <p:cNvPr id="4" name="Espaço Reservado para Número de Slide 3"/>
+          <p:cNvSpPr>
+            <a:spLocks noGrp="1"/>
+          </p:cNvSpPr>
+          <p:nvPr>
+            <p:ph type="sldNum" sz="quarter" idx="12"/>
+          </p:nvPr>
+        </p:nvSpPr>
+        <p:spPr/>
+        <p:txBody>
+          <a:bodyPr/>
+          <a:lstStyle/>
+          <a:p>
+            <a:fld id="{7B24AB6A-A7E8-49A3-9DDE-B468C885D9DF}" type="slidenum">
+              <a:rPr lang="pt-BR" smtClean="0"/>
+              <a:t>8</a:t>
+            </a:fld>
+            <a:endParaRPr lang="pt-BR"/>
+          </a:p>
+        </p:txBody>
+      </p:sp>
     </p:spTree>
     <p:extLst>
       <p:ext uri="{BB962C8B-B14F-4D97-AF65-F5344CB8AC3E}">
@@ -7321,6 +8161,13 @@
   <p:clrMapOvr>
     <a:masterClrMapping/>
   </p:clrMapOvr>
+  <p:timing>
+    <p:tnLst>
+      <p:par>
+        <p:cTn id="1" dur="indefinite" restart="never" nodeType="tmRoot"/>
+      </p:par>
+    </p:tnLst>
+  </p:timing>
 </p:sld>
 </file>
 
@@ -7346,7 +8193,7 @@
           <p:cNvPr id="2" name="Título 1">
             <a:extLst>
               <a:ext uri="{FF2B5EF4-FFF2-40B4-BE49-F238E27FC236}">
-                <a16:creationId xmlns:a16="http://schemas.microsoft.com/office/drawing/2014/main" xmlns="" id="{8E20EB79-7171-47E0-ACDE-F4B858F89259}"/>
+                <a16:creationId xmlns="" xmlns:a16="http://schemas.microsoft.com/office/drawing/2014/main" id="{8E20EB79-7171-47E0-ACDE-F4B858F89259}"/>
               </a:ext>
             </a:extLst>
           </p:cNvPr>
@@ -7388,7 +8235,7 @@
           <p:cNvPr id="3" name="Espaço Reservado para Conteúdo 2">
             <a:extLst>
               <a:ext uri="{FF2B5EF4-FFF2-40B4-BE49-F238E27FC236}">
-                <a16:creationId xmlns:a16="http://schemas.microsoft.com/office/drawing/2014/main" xmlns="" id="{BB5DD53B-EBB0-4739-AA1A-977E1FE83896}"/>
+                <a16:creationId xmlns="" xmlns:a16="http://schemas.microsoft.com/office/drawing/2014/main" id="{BB5DD53B-EBB0-4739-AA1A-977E1FE83896}"/>
               </a:ext>
             </a:extLst>
           </p:cNvPr>
@@ -7519,10 +8366,6 @@
               </a:rPr>
               <a:t>Serviços em execução</a:t>
             </a:r>
-            <a:endParaRPr lang="pt-BR" sz="2800" dirty="0" smtClean="0">
-              <a:latin typeface="Arial" panose="020B0604020202020204" pitchFamily="34" charset="0"/>
-              <a:cs typeface="Arial" panose="020B0604020202020204" pitchFamily="34" charset="0"/>
-            </a:endParaRPr>
           </a:p>
           <a:p>
             <a:pPr marL="0" indent="0" algn="just">
@@ -7567,7 +8410,7 @@
           <p:cNvPr id="5" name="Imagem 4">
             <a:extLst>
               <a:ext uri="{FF2B5EF4-FFF2-40B4-BE49-F238E27FC236}">
-                <a16:creationId xmlns:a16="http://schemas.microsoft.com/office/drawing/2014/main" xmlns="" id="{5C821069-0DB8-489A-B78E-11B18B2FFCAF}"/>
+                <a16:creationId xmlns="" xmlns:a16="http://schemas.microsoft.com/office/drawing/2014/main" id="{5C821069-0DB8-489A-B78E-11B18B2FFCAF}"/>
               </a:ext>
             </a:extLst>
           </p:cNvPr>
@@ -7603,7 +8446,7 @@
           <p:cNvPr id="6" name="Espaço Reservado para Conteúdo 2">
             <a:extLst>
               <a:ext uri="{FF2B5EF4-FFF2-40B4-BE49-F238E27FC236}">
-                <a16:creationId xmlns:a16="http://schemas.microsoft.com/office/drawing/2014/main" xmlns="" id="{BB5DD53B-EBB0-4739-AA1A-977E1FE83896}"/>
+                <a16:creationId xmlns="" xmlns:a16="http://schemas.microsoft.com/office/drawing/2014/main" id="{BB5DD53B-EBB0-4739-AA1A-977E1FE83896}"/>
               </a:ext>
             </a:extLst>
           </p:cNvPr>
@@ -7965,7 +8808,27 @@
                 <a:latin typeface="Arial" panose="020B0604020202020204" pitchFamily="34" charset="0"/>
                 <a:cs typeface="Arial" panose="020B0604020202020204" pitchFamily="34" charset="0"/>
               </a:rPr>
-              <a:t>Cadastro edição</a:t>
+              <a:t>Cadastro </a:t>
+            </a:r>
+            <a:r>
+              <a:rPr lang="pt-BR" sz="2800" dirty="0" smtClean="0">
+                <a:latin typeface="Arial" panose="020B0604020202020204" pitchFamily="34" charset="0"/>
+                <a:cs typeface="Arial" panose="020B0604020202020204" pitchFamily="34" charset="0"/>
+              </a:rPr>
+              <a:t>edição</a:t>
+            </a:r>
+          </a:p>
+          <a:p>
+            <a:pPr lvl="1">
+              <a:buFont typeface="Wingdings" panose="05000000000000000000" pitchFamily="2" charset="2"/>
+              <a:buChar char="§"/>
+            </a:pPr>
+            <a:r>
+              <a:rPr lang="pt-BR" sz="2800" dirty="0">
+                <a:latin typeface="Arial" panose="020B0604020202020204" pitchFamily="34" charset="0"/>
+                <a:cs typeface="Arial" panose="020B0604020202020204" pitchFamily="34" charset="0"/>
+              </a:rPr>
+              <a:t>Padrão de detalhes</a:t>
             </a:r>
           </a:p>
           <a:p>
@@ -7979,9 +8842,9 @@
             </a:endParaRPr>
           </a:p>
           <a:p>
-            <a:pPr marL="0" indent="0" algn="just">
-              <a:buFont typeface="Calibri" panose="020F0502020204030204" pitchFamily="34" charset="0"/>
-              <a:buNone/>
+            <a:pPr lvl="1">
+              <a:buFont typeface="Wingdings" panose="05000000000000000000" pitchFamily="2" charset="2"/>
+              <a:buChar char="§"/>
             </a:pPr>
             <a:endParaRPr lang="pt-BR" sz="2800" dirty="0" smtClean="0">
               <a:latin typeface="Arial" panose="020B0604020202020204" pitchFamily="34" charset="0"/>
@@ -7989,7 +8852,7 @@
             </a:endParaRPr>
           </a:p>
           <a:p>
-            <a:pPr marL="0" indent="0">
+            <a:pPr marL="0" indent="0" algn="just">
               <a:buFont typeface="Calibri" panose="020F0502020204030204" pitchFamily="34" charset="0"/>
               <a:buNone/>
             </a:pPr>
@@ -8013,10 +8876,43 @@
               <a:buFont typeface="Calibri" panose="020F0502020204030204" pitchFamily="34" charset="0"/>
               <a:buNone/>
             </a:pPr>
+            <a:endParaRPr lang="pt-BR" sz="2800" dirty="0" smtClean="0">
+              <a:latin typeface="Arial" panose="020B0604020202020204" pitchFamily="34" charset="0"/>
+              <a:cs typeface="Arial" panose="020B0604020202020204" pitchFamily="34" charset="0"/>
+            </a:endParaRPr>
+          </a:p>
+          <a:p>
+            <a:pPr marL="0" indent="0">
+              <a:buFont typeface="Calibri" panose="020F0502020204030204" pitchFamily="34" charset="0"/>
+              <a:buNone/>
+            </a:pPr>
             <a:endParaRPr lang="pt-BR" sz="2800" dirty="0">
               <a:latin typeface="Arial" panose="020B0604020202020204" pitchFamily="34" charset="0"/>
               <a:cs typeface="Arial" panose="020B0604020202020204" pitchFamily="34" charset="0"/>
             </a:endParaRPr>
+          </a:p>
+        </p:txBody>
+      </p:sp>
+      <p:sp>
+        <p:nvSpPr>
+          <p:cNvPr id="4" name="Espaço Reservado para Número de Slide 3"/>
+          <p:cNvSpPr>
+            <a:spLocks noGrp="1"/>
+          </p:cNvSpPr>
+          <p:nvPr>
+            <p:ph type="sldNum" sz="quarter" idx="12"/>
+          </p:nvPr>
+        </p:nvSpPr>
+        <p:spPr/>
+        <p:txBody>
+          <a:bodyPr/>
+          <a:lstStyle/>
+          <a:p>
+            <a:fld id="{7B24AB6A-A7E8-49A3-9DDE-B468C885D9DF}" type="slidenum">
+              <a:rPr lang="pt-BR" smtClean="0"/>
+              <a:t>9</a:t>
+            </a:fld>
+            <a:endParaRPr lang="pt-BR"/>
           </a:p>
         </p:txBody>
       </p:sp>
@@ -8030,6 +8926,13 @@
   <p:clrMapOvr>
     <a:masterClrMapping/>
   </p:clrMapOvr>
+  <p:timing>
+    <p:tnLst>
+      <p:par>
+        <p:cTn id="1" dur="indefinite" restart="never" nodeType="tmRoot"/>
+      </p:par>
+    </p:tnLst>
+  </p:timing>
 </p:sld>
 </file>
 
@@ -8314,4 +9217,265 @@
     </a:ext>
   </a:extLst>
 </a:theme>
+</file>
+
+<file path=ppt/theme/theme2.xml><?xml version="1.0" encoding="utf-8"?>
+<a:theme xmlns:a="http://schemas.openxmlformats.org/drawingml/2006/main" name="Tema do Office">
+  <a:themeElements>
+    <a:clrScheme name="Escritório">
+      <a:dk1>
+        <a:sysClr val="windowText" lastClr="000000"/>
+      </a:dk1>
+      <a:lt1>
+        <a:sysClr val="window" lastClr="FFFFFF"/>
+      </a:lt1>
+      <a:dk2>
+        <a:srgbClr val="44546A"/>
+      </a:dk2>
+      <a:lt2>
+        <a:srgbClr val="E7E6E6"/>
+      </a:lt2>
+      <a:accent1>
+        <a:srgbClr val="5B9BD5"/>
+      </a:accent1>
+      <a:accent2>
+        <a:srgbClr val="ED7D31"/>
+      </a:accent2>
+      <a:accent3>
+        <a:srgbClr val="A5A5A5"/>
+      </a:accent3>
+      <a:accent4>
+        <a:srgbClr val="FFC000"/>
+      </a:accent4>
+      <a:accent5>
+        <a:srgbClr val="4472C4"/>
+      </a:accent5>
+      <a:accent6>
+        <a:srgbClr val="70AD47"/>
+      </a:accent6>
+      <a:hlink>
+        <a:srgbClr val="0563C1"/>
+      </a:hlink>
+      <a:folHlink>
+        <a:srgbClr val="954F72"/>
+      </a:folHlink>
+    </a:clrScheme>
+    <a:fontScheme name="Escritório">
+      <a:majorFont>
+        <a:latin typeface="Calibri Light" panose="020F0302020204030204"/>
+        <a:ea typeface=""/>
+        <a:cs typeface=""/>
+        <a:font script="Jpan" typeface="ＭＳ Ｐゴシック"/>
+        <a:font script="Hang" typeface="맑은 고딕"/>
+        <a:font script="Hans" typeface="宋体"/>
+        <a:font script="Hant" typeface="新細明體"/>
+        <a:font script="Arab" typeface="Times New Roman"/>
+        <a:font script="Hebr" typeface="Times New Roman"/>
+        <a:font script="Thai" typeface="Angsana New"/>
+        <a:font script="Ethi" typeface="Nyala"/>
+        <a:font script="Beng" typeface="Vrinda"/>
+        <a:font script="Gujr" typeface="Shruti"/>
+        <a:font script="Khmr" typeface="MoolBoran"/>
+        <a:font script="Knda" typeface="Tunga"/>
+        <a:font script="Guru" typeface="Raavi"/>
+        <a:font script="Cans" typeface="Euphemia"/>
+        <a:font script="Cher" typeface="Plantagenet Cherokee"/>
+        <a:font script="Yiii" typeface="Microsoft Yi Baiti"/>
+        <a:font script="Tibt" typeface="Microsoft Himalaya"/>
+        <a:font script="Thaa" typeface="MV Boli"/>
+        <a:font script="Deva" typeface="Mangal"/>
+        <a:font script="Telu" typeface="Gautami"/>
+        <a:font script="Taml" typeface="Latha"/>
+        <a:font script="Syrc" typeface="Estrangelo Edessa"/>
+        <a:font script="Orya" typeface="Kalinga"/>
+        <a:font script="Mlym" typeface="Kartika"/>
+        <a:font script="Laoo" typeface="DokChampa"/>
+        <a:font script="Sinh" typeface="Iskoola Pota"/>
+        <a:font script="Mong" typeface="Mongolian Baiti"/>
+        <a:font script="Viet" typeface="Times New Roman"/>
+        <a:font script="Uigh" typeface="Microsoft Uighur"/>
+        <a:font script="Geor" typeface="Sylfaen"/>
+      </a:majorFont>
+      <a:minorFont>
+        <a:latin typeface="Calibri" panose="020F0502020204030204"/>
+        <a:ea typeface=""/>
+        <a:cs typeface=""/>
+        <a:font script="Jpan" typeface="ＭＳ Ｐゴシック"/>
+        <a:font script="Hang" typeface="맑은 고딕"/>
+        <a:font script="Hans" typeface="宋体"/>
+        <a:font script="Hant" typeface="新細明體"/>
+        <a:font script="Arab" typeface="Arial"/>
+        <a:font script="Hebr" typeface="Arial"/>
+        <a:font script="Thai" typeface="Cordia New"/>
+        <a:font script="Ethi" typeface="Nyala"/>
+        <a:font script="Beng" typeface="Vrinda"/>
+        <a:font script="Gujr" typeface="Shruti"/>
+        <a:font script="Khmr" typeface="DaunPenh"/>
+        <a:font script="Knda" typeface="Tunga"/>
+        <a:font script="Guru" typeface="Raavi"/>
+        <a:font script="Cans" typeface="Euphemia"/>
+        <a:font script="Cher" typeface="Plantagenet Cherokee"/>
+        <a:font script="Yiii" typeface="Microsoft Yi Baiti"/>
+        <a:font script="Tibt" typeface="Microsoft Himalaya"/>
+        <a:font script="Thaa" typeface="MV Boli"/>
+        <a:font script="Deva" typeface="Mangal"/>
+        <a:font script="Telu" typeface="Gautami"/>
+        <a:font script="Taml" typeface="Latha"/>
+        <a:font script="Syrc" typeface="Estrangelo Edessa"/>
+        <a:font script="Orya" typeface="Kalinga"/>
+        <a:font script="Mlym" typeface="Kartika"/>
+        <a:font script="Laoo" typeface="DokChampa"/>
+        <a:font script="Sinh" typeface="Iskoola Pota"/>
+        <a:font script="Mong" typeface="Mongolian Baiti"/>
+        <a:font script="Viet" typeface="Arial"/>
+        <a:font script="Uigh" typeface="Microsoft Uighur"/>
+        <a:font script="Geor" typeface="Sylfaen"/>
+      </a:minorFont>
+    </a:fontScheme>
+    <a:fmtScheme name="Escritório">
+      <a:fillStyleLst>
+        <a:solidFill>
+          <a:schemeClr val="phClr"/>
+        </a:solidFill>
+        <a:gradFill rotWithShape="1">
+          <a:gsLst>
+            <a:gs pos="0">
+              <a:schemeClr val="phClr">
+                <a:lumMod val="110000"/>
+                <a:satMod val="105000"/>
+                <a:tint val="67000"/>
+              </a:schemeClr>
+            </a:gs>
+            <a:gs pos="50000">
+              <a:schemeClr val="phClr">
+                <a:lumMod val="105000"/>
+                <a:satMod val="103000"/>
+                <a:tint val="73000"/>
+              </a:schemeClr>
+            </a:gs>
+            <a:gs pos="100000">
+              <a:schemeClr val="phClr">
+                <a:lumMod val="105000"/>
+                <a:satMod val="109000"/>
+                <a:tint val="81000"/>
+              </a:schemeClr>
+            </a:gs>
+          </a:gsLst>
+          <a:lin ang="5400000" scaled="0"/>
+        </a:gradFill>
+        <a:gradFill rotWithShape="1">
+          <a:gsLst>
+            <a:gs pos="0">
+              <a:schemeClr val="phClr">
+                <a:satMod val="103000"/>
+                <a:lumMod val="102000"/>
+                <a:tint val="94000"/>
+              </a:schemeClr>
+            </a:gs>
+            <a:gs pos="50000">
+              <a:schemeClr val="phClr">
+                <a:satMod val="110000"/>
+                <a:lumMod val="100000"/>
+                <a:shade val="100000"/>
+              </a:schemeClr>
+            </a:gs>
+            <a:gs pos="100000">
+              <a:schemeClr val="phClr">
+                <a:lumMod val="99000"/>
+                <a:satMod val="120000"/>
+                <a:shade val="78000"/>
+              </a:schemeClr>
+            </a:gs>
+          </a:gsLst>
+          <a:lin ang="5400000" scaled="0"/>
+        </a:gradFill>
+      </a:fillStyleLst>
+      <a:lnStyleLst>
+        <a:ln w="6350" cap="flat" cmpd="sng" algn="ctr">
+          <a:solidFill>
+            <a:schemeClr val="phClr"/>
+          </a:solidFill>
+          <a:prstDash val="solid"/>
+          <a:miter lim="800000"/>
+        </a:ln>
+        <a:ln w="12700" cap="flat" cmpd="sng" algn="ctr">
+          <a:solidFill>
+            <a:schemeClr val="phClr"/>
+          </a:solidFill>
+          <a:prstDash val="solid"/>
+          <a:miter lim="800000"/>
+        </a:ln>
+        <a:ln w="19050" cap="flat" cmpd="sng" algn="ctr">
+          <a:solidFill>
+            <a:schemeClr val="phClr"/>
+          </a:solidFill>
+          <a:prstDash val="solid"/>
+          <a:miter lim="800000"/>
+        </a:ln>
+      </a:lnStyleLst>
+      <a:effectStyleLst>
+        <a:effectStyle>
+          <a:effectLst/>
+        </a:effectStyle>
+        <a:effectStyle>
+          <a:effectLst/>
+        </a:effectStyle>
+        <a:effectStyle>
+          <a:effectLst>
+            <a:outerShdw blurRad="57150" dist="19050" dir="5400000" algn="ctr" rotWithShape="0">
+              <a:srgbClr val="000000">
+                <a:alpha val="63000"/>
+              </a:srgbClr>
+            </a:outerShdw>
+          </a:effectLst>
+        </a:effectStyle>
+      </a:effectStyleLst>
+      <a:bgFillStyleLst>
+        <a:solidFill>
+          <a:schemeClr val="phClr"/>
+        </a:solidFill>
+        <a:solidFill>
+          <a:schemeClr val="phClr">
+            <a:tint val="95000"/>
+            <a:satMod val="170000"/>
+          </a:schemeClr>
+        </a:solidFill>
+        <a:gradFill rotWithShape="1">
+          <a:gsLst>
+            <a:gs pos="0">
+              <a:schemeClr val="phClr">
+                <a:tint val="93000"/>
+                <a:satMod val="150000"/>
+                <a:shade val="98000"/>
+                <a:lumMod val="102000"/>
+              </a:schemeClr>
+            </a:gs>
+            <a:gs pos="50000">
+              <a:schemeClr val="phClr">
+                <a:tint val="98000"/>
+                <a:satMod val="130000"/>
+                <a:shade val="90000"/>
+                <a:lumMod val="103000"/>
+              </a:schemeClr>
+            </a:gs>
+            <a:gs pos="100000">
+              <a:schemeClr val="phClr">
+                <a:shade val="63000"/>
+                <a:satMod val="120000"/>
+              </a:schemeClr>
+            </a:gs>
+          </a:gsLst>
+          <a:lin ang="5400000" scaled="0"/>
+        </a:gradFill>
+      </a:bgFillStyleLst>
+    </a:fmtScheme>
+  </a:themeElements>
+  <a:objectDefaults/>
+  <a:extraClrSchemeLst/>
+  <a:extLst>
+    <a:ext uri="{05A4C25C-085E-4340-85A3-A5531E510DB2}">
+      <thm15:themeFamily xmlns:thm15="http://schemas.microsoft.com/office/thememl/2012/main" name="Office Theme" id="{62F939B6-93AF-4DB8-9C6B-D6C7DFDC589F}" vid="{4A3C46E8-61CC-4603-A589-7422A47A8E4A}"/>
+    </a:ext>
+  </a:extLst>
+</a:theme>
 </file>